--- a/Lecture/Lecture 17/Lecture 17.pptx
+++ b/Lecture/Lecture 17/Lecture 17.pptx
@@ -19,8 +19,8 @@
     <p:sldId id="408" r:id="rId7"/>
     <p:sldId id="409" r:id="rId8"/>
     <p:sldId id="410" r:id="rId9"/>
-    <p:sldId id="411" r:id="rId10"/>
-    <p:sldId id="412" r:id="rId11"/>
+    <p:sldId id="412" r:id="rId10"/>
+    <p:sldId id="411" r:id="rId11"/>
     <p:sldId id="413" r:id="rId12"/>
     <p:sldId id="329" r:id="rId13"/>
   </p:sldIdLst>
@@ -298,7 +298,7 @@
               <a:pPr>
                 <a:defRPr/>
               </a:pPr>
-              <a:t>10/6/2018</a:t>
+              <a:t>10/7/2018</a:t>
             </a:fld>
             <a:endParaRPr lang="en-US" dirty="0"/>
           </a:p>
@@ -510,7 +510,7 @@
               <a:pPr>
                 <a:defRPr/>
               </a:pPr>
-              <a:t>10/6/2018</a:t>
+              <a:t>10/7/2018</a:t>
             </a:fld>
             <a:endParaRPr lang="en-US" dirty="0"/>
           </a:p>
@@ -1029,7 +1029,7 @@
               <a:pPr>
                 <a:defRPr/>
               </a:pPr>
-              <a:t>10/6/2018</a:t>
+              <a:t>10/7/2018</a:t>
             </a:fld>
             <a:endParaRPr lang="en-US" dirty="0"/>
           </a:p>
@@ -1219,7 +1219,7 @@
               <a:pPr>
                 <a:defRPr/>
               </a:pPr>
-              <a:t>10/6/2018</a:t>
+              <a:t>10/7/2018</a:t>
             </a:fld>
             <a:endParaRPr lang="en-US" dirty="0"/>
           </a:p>
@@ -1419,7 +1419,7 @@
               <a:pPr>
                 <a:defRPr/>
               </a:pPr>
-              <a:t>10/6/2018</a:t>
+              <a:t>10/7/2018</a:t>
             </a:fld>
             <a:endParaRPr lang="en-US" dirty="0"/>
           </a:p>
@@ -1687,7 +1687,7 @@
               <a:pPr>
                 <a:defRPr/>
               </a:pPr>
-              <a:t>10/6/2018</a:t>
+              <a:t>10/7/2018</a:t>
             </a:fld>
             <a:endParaRPr lang="en-US" dirty="0">
               <a:solidFill>
@@ -1901,7 +1901,7 @@
               <a:pPr>
                 <a:defRPr/>
               </a:pPr>
-              <a:t>10/6/2018</a:t>
+              <a:t>10/7/2018</a:t>
             </a:fld>
             <a:endParaRPr lang="en-US" dirty="0">
               <a:solidFill>
@@ -2192,7 +2192,7 @@
               <a:pPr>
                 <a:defRPr/>
               </a:pPr>
-              <a:t>10/6/2018</a:t>
+              <a:t>10/7/2018</a:t>
             </a:fld>
             <a:endParaRPr lang="en-US" dirty="0">
               <a:solidFill>
@@ -2523,7 +2523,7 @@
               <a:pPr>
                 <a:defRPr/>
               </a:pPr>
-              <a:t>10/6/2018</a:t>
+              <a:t>10/7/2018</a:t>
             </a:fld>
             <a:endParaRPr lang="en-US" dirty="0">
               <a:solidFill>
@@ -2988,7 +2988,7 @@
               <a:pPr>
                 <a:defRPr/>
               </a:pPr>
-              <a:t>10/6/2018</a:t>
+              <a:t>10/7/2018</a:t>
             </a:fld>
             <a:endParaRPr lang="en-US" dirty="0">
               <a:solidFill>
@@ -3151,7 +3151,7 @@
               <a:pPr>
                 <a:defRPr/>
               </a:pPr>
-              <a:t>10/6/2018</a:t>
+              <a:t>10/7/2018</a:t>
             </a:fld>
             <a:endParaRPr lang="en-US" dirty="0">
               <a:solidFill>
@@ -3292,7 +3292,7 @@
               <a:pPr>
                 <a:defRPr/>
               </a:pPr>
-              <a:t>10/6/2018</a:t>
+              <a:t>10/7/2018</a:t>
             </a:fld>
             <a:endParaRPr lang="en-US" dirty="0">
               <a:solidFill>
@@ -3613,7 +3613,7 @@
               <a:pPr>
                 <a:defRPr/>
               </a:pPr>
-              <a:t>10/6/2018</a:t>
+              <a:t>10/7/2018</a:t>
             </a:fld>
             <a:endParaRPr lang="en-US" dirty="0">
               <a:solidFill>
@@ -3821,7 +3821,7 @@
               <a:pPr>
                 <a:defRPr/>
               </a:pPr>
-              <a:t>10/6/2018</a:t>
+              <a:t>10/7/2018</a:t>
             </a:fld>
             <a:endParaRPr lang="en-US" dirty="0"/>
           </a:p>
@@ -4104,7 +4104,7 @@
               <a:pPr>
                 <a:defRPr/>
               </a:pPr>
-              <a:t>10/6/2018</a:t>
+              <a:t>10/7/2018</a:t>
             </a:fld>
             <a:endParaRPr lang="en-US" dirty="0">
               <a:solidFill>
@@ -4318,7 +4318,7 @@
               <a:pPr>
                 <a:defRPr/>
               </a:pPr>
-              <a:t>10/6/2018</a:t>
+              <a:t>10/7/2018</a:t>
             </a:fld>
             <a:endParaRPr lang="en-US" dirty="0">
               <a:solidFill>
@@ -4542,7 +4542,7 @@
               <a:pPr>
                 <a:defRPr/>
               </a:pPr>
-              <a:t>10/6/2018</a:t>
+              <a:t>10/7/2018</a:t>
             </a:fld>
             <a:endParaRPr lang="en-US" dirty="0">
               <a:solidFill>
@@ -4752,7 +4752,7 @@
               <a:pPr>
                 <a:defRPr/>
               </a:pPr>
-              <a:t>10/6/2018</a:t>
+              <a:t>10/7/2018</a:t>
             </a:fld>
             <a:endParaRPr lang="en-US" dirty="0">
               <a:solidFill>
@@ -5029,7 +5029,7 @@
               <a:pPr>
                 <a:defRPr/>
               </a:pPr>
-              <a:t>10/6/2018</a:t>
+              <a:t>10/7/2018</a:t>
             </a:fld>
             <a:endParaRPr lang="en-US" dirty="0"/>
           </a:p>
@@ -5336,7 +5336,7 @@
               <a:pPr>
                 <a:defRPr/>
               </a:pPr>
-              <a:t>10/6/2018</a:t>
+              <a:t>10/7/2018</a:t>
             </a:fld>
             <a:endParaRPr lang="en-US" dirty="0"/>
           </a:p>
@@ -5777,7 +5777,7 @@
               <a:pPr>
                 <a:defRPr/>
               </a:pPr>
-              <a:t>10/6/2018</a:t>
+              <a:t>10/7/2018</a:t>
             </a:fld>
             <a:endParaRPr lang="en-US" dirty="0"/>
           </a:p>
@@ -5916,7 +5916,7 @@
               <a:pPr>
                 <a:defRPr/>
               </a:pPr>
-              <a:t>10/6/2018</a:t>
+              <a:t>10/7/2018</a:t>
             </a:fld>
             <a:endParaRPr lang="en-US" dirty="0"/>
           </a:p>
@@ -6033,7 +6033,7 @@
               <a:pPr>
                 <a:defRPr/>
               </a:pPr>
-              <a:t>10/6/2018</a:t>
+              <a:t>10/7/2018</a:t>
             </a:fld>
             <a:endParaRPr lang="en-US" dirty="0"/>
           </a:p>
@@ -6330,7 +6330,7 @@
               <a:pPr>
                 <a:defRPr/>
               </a:pPr>
-              <a:t>10/6/2018</a:t>
+              <a:t>10/7/2018</a:t>
             </a:fld>
             <a:endParaRPr lang="en-US" dirty="0"/>
           </a:p>
@@ -6607,7 +6607,7 @@
               <a:pPr>
                 <a:defRPr/>
               </a:pPr>
-              <a:t>10/6/2018</a:t>
+              <a:t>10/7/2018</a:t>
             </a:fld>
             <a:endParaRPr lang="en-US" dirty="0"/>
           </a:p>
@@ -6864,7 +6864,7 @@
               <a:pPr>
                 <a:defRPr/>
               </a:pPr>
-              <a:t>10/6/2018</a:t>
+              <a:t>10/7/2018</a:t>
             </a:fld>
             <a:endParaRPr lang="en-US" dirty="0"/>
           </a:p>
@@ -7574,7 +7574,7 @@
               <a:pPr>
                 <a:defRPr/>
               </a:pPr>
-              <a:t>10/6/2018</a:t>
+              <a:t>10/7/2018</a:t>
             </a:fld>
             <a:endParaRPr lang="en-US" dirty="0">
               <a:solidFill>
@@ -8612,42 +8612,67 @@
               </a:lnSpc>
             </a:pPr>
             <a:r>
+              <a:rPr lang="en-US" sz="2400" kern="1200" dirty="0">
+                <a:solidFill>
+                  <a:schemeClr val="bg1"/>
+                </a:solidFill>
+                <a:latin typeface="+mj-lt"/>
+                <a:ea typeface="+mj-ea"/>
+                <a:cs typeface="+mj-cs"/>
+              </a:rPr>
+              <a:t>Level 2:</a:t>
+            </a:r>
+            <a:br>
+              <a:rPr lang="en-US" sz="2400" kern="1200" dirty="0">
+                <a:solidFill>
+                  <a:schemeClr val="bg1"/>
+                </a:solidFill>
+                <a:latin typeface="+mj-lt"/>
+                <a:ea typeface="+mj-ea"/>
+                <a:cs typeface="+mj-cs"/>
+              </a:rPr>
+            </a:br>
+            <a:r>
+              <a:rPr lang="en-US" sz="2400" kern="1200" dirty="0">
+                <a:solidFill>
+                  <a:schemeClr val="bg1"/>
+                </a:solidFill>
+                <a:latin typeface="+mj-lt"/>
+                <a:ea typeface="+mj-ea"/>
+                <a:cs typeface="+mj-cs"/>
+              </a:rPr>
+              <a:t>General </a:t>
+            </a:r>
+            <a:br>
+              <a:rPr lang="en-US" sz="2400" kern="1200" dirty="0">
+                <a:solidFill>
+                  <a:schemeClr val="bg1"/>
+                </a:solidFill>
+                <a:latin typeface="+mj-lt"/>
+                <a:ea typeface="+mj-ea"/>
+                <a:cs typeface="+mj-cs"/>
+              </a:rPr>
+            </a:br>
+            <a:r>
+              <a:rPr lang="en-US" sz="2400" kern="1200" dirty="0">
+                <a:solidFill>
+                  <a:schemeClr val="bg1"/>
+                </a:solidFill>
+                <a:latin typeface="+mj-lt"/>
+                <a:ea typeface="+mj-ea"/>
+                <a:cs typeface="+mj-cs"/>
+              </a:rPr>
+              <a:t>S</a:t>
+            </a:r>
+            <a:r>
               <a:rPr lang="en-US" sz="2400" dirty="0">
                 <a:solidFill>
                   <a:schemeClr val="bg1"/>
                 </a:solidFill>
+                <a:ea typeface="+mj-ea"/>
+                <a:cs typeface="+mj-cs"/>
               </a:rPr>
-              <a:t>Part 2:</a:t>
-            </a:r>
-            <a:br>
-              <a:rPr lang="en-US" sz="2400" dirty="0">
-                <a:solidFill>
-                  <a:schemeClr val="bg1"/>
-                </a:solidFill>
-              </a:rPr>
-            </a:br>
-            <a:r>
-              <a:rPr lang="en-US" sz="2400" dirty="0">
-                <a:solidFill>
-                  <a:schemeClr val="bg1"/>
-                </a:solidFill>
-              </a:rPr>
-              <a:t>Inclusion of </a:t>
-            </a:r>
-            <a:br>
-              <a:rPr lang="en-US" sz="2400" dirty="0">
-                <a:solidFill>
-                  <a:schemeClr val="bg1"/>
-                </a:solidFill>
-              </a:rPr>
-            </a:br>
-            <a:r>
-              <a:rPr lang="en-US" sz="2400" dirty="0">
-                <a:solidFill>
-                  <a:schemeClr val="bg1"/>
-                </a:solidFill>
-              </a:rPr>
-              <a:t>Expert Opinion</a:t>
+              <a:t>ocial Survey</a:t>
             </a:r>
             <a:endParaRPr lang="en-US" sz="2400" kern="1200" dirty="0">
               <a:solidFill>
@@ -8692,10 +8717,10 @@
       </p:pic>
       <p:sp>
         <p:nvSpPr>
-          <p:cNvPr id="6" name="TextBox 5">
+          <p:cNvPr id="7" name="TextBox 6">
             <a:extLst>
               <a:ext uri="{FF2B5EF4-FFF2-40B4-BE49-F238E27FC236}">
-                <a16:creationId xmlns:a16="http://schemas.microsoft.com/office/drawing/2014/main" id="{E58EF064-51FF-48A9-8810-E84BE6F6F09D}"/>
+                <a16:creationId xmlns:a16="http://schemas.microsoft.com/office/drawing/2014/main" id="{DF875122-DE19-4BA3-B19D-01EEF1ED4C15}"/>
               </a:ext>
             </a:extLst>
           </p:cNvPr>
@@ -8705,7 +8730,7 @@
         <p:spPr>
           <a:xfrm>
             <a:off x="3810000" y="621916"/>
-            <a:ext cx="5273842" cy="6186309"/>
+            <a:ext cx="5330206" cy="461665"/>
           </a:xfrm>
           <a:prstGeom prst="rect">
             <a:avLst/>
@@ -8736,445 +8761,23 @@
               <a:defRPr/>
             </a:pPr>
             <a:r>
-              <a:rPr kumimoji="0" lang="en-US" sz="2400" b="0" i="0" u="none" strike="noStrike" kern="1200" cap="none" spc="0" normalizeH="0" baseline="0" noProof="0" dirty="0">
-                <a:ln>
-                  <a:noFill/>
-                </a:ln>
-                <a:solidFill>
-                  <a:srgbClr val="404040"/>
-                </a:solidFill>
-                <a:effectLst/>
-                <a:uLnTx/>
-                <a:uFillTx/>
-                <a:latin typeface="Arial" charset="0"/>
-                <a:ea typeface="ＭＳ Ｐゴシック" charset="-128"/>
-              </a:rPr>
-              <a:t>Step </a:t>
-            </a:r>
-            <a:r>
               <a:rPr lang="en-US" dirty="0">
                 <a:solidFill>
                   <a:srgbClr val="404040"/>
                 </a:solidFill>
               </a:rPr>
-              <a:t>4</a:t>
-            </a:r>
-            <a:r>
-              <a:rPr kumimoji="0" lang="en-US" sz="2400" b="0" i="0" u="none" strike="noStrike" kern="1200" cap="none" spc="0" normalizeH="0" baseline="0" noProof="0" dirty="0">
-                <a:ln>
-                  <a:noFill/>
-                </a:ln>
-                <a:solidFill>
-                  <a:srgbClr val="404040"/>
-                </a:solidFill>
-                <a:effectLst/>
-                <a:uLnTx/>
-                <a:uFillTx/>
-                <a:latin typeface="Arial" charset="0"/>
-                <a:ea typeface="ＭＳ Ｐゴシック" charset="-128"/>
-              </a:rPr>
-              <a:t>: Continued</a:t>
-            </a:r>
-          </a:p>
-          <a:p>
-            <a:pPr lvl="1"/>
-            <a:endParaRPr lang="en-US" dirty="0">
-              <a:solidFill>
-                <a:srgbClr val="404040"/>
-              </a:solidFill>
-            </a:endParaRPr>
-          </a:p>
-          <a:p>
-            <a:pPr marL="800100" lvl="1" indent="-342900">
-              <a:buFont typeface="Arial" panose="020B0604020202020204" pitchFamily="34" charset="0"/>
-              <a:buChar char="•"/>
-            </a:pPr>
-            <a:r>
-              <a:rPr lang="en-US" dirty="0">
-                <a:solidFill>
-                  <a:srgbClr val="404040"/>
-                </a:solidFill>
-              </a:rPr>
-              <a:t>Locate This Box</a:t>
-            </a:r>
-          </a:p>
-          <a:p>
-            <a:pPr marL="800100" lvl="1" indent="-342900">
-              <a:buFont typeface="Arial" panose="020B0604020202020204" pitchFamily="34" charset="0"/>
-              <a:buChar char="•"/>
-            </a:pPr>
-            <a:endParaRPr lang="en-US" dirty="0">
-              <a:solidFill>
-                <a:srgbClr val="404040"/>
-              </a:solidFill>
-            </a:endParaRPr>
-          </a:p>
-          <a:p>
-            <a:pPr marL="800100" lvl="1" indent="-342900">
-              <a:buFont typeface="Arial" panose="020B0604020202020204" pitchFamily="34" charset="0"/>
-              <a:buChar char="•"/>
-            </a:pPr>
-            <a:endParaRPr lang="en-US" sz="1200" dirty="0">
-              <a:solidFill>
-                <a:srgbClr val="404040"/>
-              </a:solidFill>
-            </a:endParaRPr>
-          </a:p>
-          <a:p>
-            <a:pPr marL="800100" lvl="1" indent="-342900">
-              <a:buFont typeface="Arial" panose="020B0604020202020204" pitchFamily="34" charset="0"/>
-              <a:buChar char="•"/>
-            </a:pPr>
-            <a:r>
-              <a:rPr lang="en-US" dirty="0">
-                <a:solidFill>
-                  <a:srgbClr val="404040"/>
-                </a:solidFill>
-              </a:rPr>
-              <a:t>Copy CSS Selector</a:t>
-            </a:r>
-          </a:p>
-          <a:p>
-            <a:pPr lvl="1"/>
-            <a:r>
-              <a:rPr lang="en-US" dirty="0">
-                <a:solidFill>
-                  <a:srgbClr val="404040"/>
-                </a:solidFill>
-              </a:rPr>
-              <a:t>      “#</a:t>
-            </a:r>
-            <a:r>
-              <a:rPr lang="en-US" dirty="0" err="1">
-                <a:solidFill>
-                  <a:srgbClr val="404040"/>
-                </a:solidFill>
-              </a:rPr>
-              <a:t>articleContentWrapper</a:t>
-            </a:r>
-            <a:r>
-              <a:rPr lang="en-US" dirty="0">
-                <a:solidFill>
-                  <a:srgbClr val="404040"/>
-                </a:solidFill>
-              </a:rPr>
-              <a:t> li”</a:t>
-            </a:r>
-          </a:p>
-          <a:p>
-            <a:endParaRPr lang="en-US" dirty="0">
-              <a:solidFill>
-                <a:srgbClr val="404040"/>
-              </a:solidFill>
-            </a:endParaRPr>
-          </a:p>
-          <a:p>
-            <a:pPr marL="342900" indent="-342900">
-              <a:buFont typeface="Arial" panose="020B0604020202020204" pitchFamily="34" charset="0"/>
-              <a:buChar char="•"/>
-            </a:pPr>
-            <a:r>
-              <a:rPr lang="en-US" dirty="0">
-                <a:solidFill>
-                  <a:srgbClr val="404040"/>
-                </a:solidFill>
-              </a:rPr>
-              <a:t>Step 5: Run Chunk 1</a:t>
-            </a:r>
-          </a:p>
-          <a:p>
-            <a:pPr marL="342900" indent="-342900">
-              <a:buFont typeface="Arial" panose="020B0604020202020204" pitchFamily="34" charset="0"/>
-              <a:buChar char="•"/>
-            </a:pPr>
-            <a:endParaRPr lang="en-US" dirty="0">
-              <a:solidFill>
-                <a:srgbClr val="404040"/>
-              </a:solidFill>
-            </a:endParaRPr>
-          </a:p>
-          <a:p>
-            <a:pPr marL="342900" indent="-342900">
-              <a:buFont typeface="Arial" panose="020B0604020202020204" pitchFamily="34" charset="0"/>
-              <a:buChar char="•"/>
-            </a:pPr>
-            <a:endParaRPr lang="en-US" dirty="0">
-              <a:solidFill>
-                <a:srgbClr val="404040"/>
-              </a:solidFill>
-            </a:endParaRPr>
-          </a:p>
-          <a:p>
-            <a:pPr marL="342900" indent="-342900">
-              <a:buFont typeface="Arial" panose="020B0604020202020204" pitchFamily="34" charset="0"/>
-              <a:buChar char="•"/>
-            </a:pPr>
-            <a:endParaRPr lang="en-US" dirty="0">
-              <a:solidFill>
-                <a:srgbClr val="404040"/>
-              </a:solidFill>
-            </a:endParaRPr>
-          </a:p>
-          <a:p>
-            <a:pPr marL="342900" indent="-342900">
-              <a:buFont typeface="Arial" panose="020B0604020202020204" pitchFamily="34" charset="0"/>
-              <a:buChar char="•"/>
-            </a:pPr>
-            <a:r>
-              <a:rPr lang="en-US" dirty="0">
-                <a:solidFill>
-                  <a:srgbClr val="404040"/>
-                </a:solidFill>
-              </a:rPr>
-              <a:t>Step 6: Run Chunk 2</a:t>
-            </a:r>
-          </a:p>
-          <a:p>
-            <a:pPr lvl="1"/>
-            <a:endParaRPr lang="en-US" dirty="0">
-              <a:solidFill>
-                <a:srgbClr val="404040"/>
-              </a:solidFill>
-            </a:endParaRPr>
-          </a:p>
-          <a:p>
-            <a:pPr marL="800100" lvl="1" indent="-342900">
-              <a:buFont typeface="Arial" panose="020B0604020202020204" pitchFamily="34" charset="0"/>
-              <a:buChar char="•"/>
-            </a:pPr>
-            <a:r>
-              <a:rPr lang="en-US" dirty="0">
-                <a:solidFill>
-                  <a:srgbClr val="404040"/>
-                </a:solidFill>
-              </a:rPr>
-              <a:t>What About the Other States?</a:t>
-            </a:r>
-          </a:p>
-          <a:p>
-            <a:endParaRPr lang="en-US" dirty="0">
-              <a:solidFill>
-                <a:srgbClr val="404040"/>
-              </a:solidFill>
-            </a:endParaRPr>
-          </a:p>
-          <a:p>
-            <a:pPr marL="342900" indent="-342900">
-              <a:buFont typeface="Arial" panose="020B0604020202020204" pitchFamily="34" charset="0"/>
-              <a:buChar char="•"/>
-            </a:pPr>
-            <a:r>
-              <a:rPr lang="en-US" dirty="0">
-                <a:solidFill>
-                  <a:srgbClr val="404040"/>
-                </a:solidFill>
-              </a:rPr>
-              <a:t>Step 7: Walk-off Knit</a:t>
-            </a:r>
-          </a:p>
-        </p:txBody>
-      </p:sp>
-      <p:pic>
-        <p:nvPicPr>
-          <p:cNvPr id="12" name="Picture 11">
-            <a:extLst>
-              <a:ext uri="{FF2B5EF4-FFF2-40B4-BE49-F238E27FC236}">
-                <a16:creationId xmlns:a16="http://schemas.microsoft.com/office/drawing/2014/main" id="{C4A74F80-06B7-4C5B-874B-150501C72767}"/>
-              </a:ext>
-            </a:extLst>
-          </p:cNvPr>
-          <p:cNvPicPr>
-            <a:picLocks noChangeAspect="1"/>
-          </p:cNvPicPr>
-          <p:nvPr/>
-        </p:nvPicPr>
-        <p:blipFill>
-          <a:blip r:embed="rId4"/>
-          <a:stretch>
-            <a:fillRect/>
-          </a:stretch>
-        </p:blipFill>
-        <p:spPr>
-          <a:xfrm>
-            <a:off x="3733800" y="1822245"/>
-            <a:ext cx="5181582" cy="297186"/>
-          </a:xfrm>
-          <a:prstGeom prst="rect">
-            <a:avLst/>
-          </a:prstGeom>
-          <a:ln>
-            <a:solidFill>
-              <a:srgbClr val="404040"/>
-            </a:solidFill>
-          </a:ln>
-        </p:spPr>
-        <p:style>
-          <a:lnRef idx="2">
-            <a:schemeClr val="dk1"/>
-          </a:lnRef>
-          <a:fillRef idx="1">
-            <a:schemeClr val="lt1"/>
-          </a:fillRef>
-          <a:effectRef idx="0">
-            <a:schemeClr val="dk1"/>
-          </a:effectRef>
-          <a:fontRef idx="minor">
-            <a:schemeClr val="dk1"/>
-          </a:fontRef>
-        </p:style>
-      </p:pic>
-      <p:pic>
-        <p:nvPicPr>
-          <p:cNvPr id="3" name="Picture 2">
-            <a:extLst>
-              <a:ext uri="{FF2B5EF4-FFF2-40B4-BE49-F238E27FC236}">
-                <a16:creationId xmlns:a16="http://schemas.microsoft.com/office/drawing/2014/main" id="{874FCECB-5B35-4F51-A4F0-4F8012C15E01}"/>
-              </a:ext>
-            </a:extLst>
-          </p:cNvPr>
-          <p:cNvPicPr>
-            <a:picLocks noChangeAspect="1"/>
-          </p:cNvPicPr>
-          <p:nvPr/>
-        </p:nvPicPr>
-        <p:blipFill>
-          <a:blip r:embed="rId5"/>
-          <a:stretch>
-            <a:fillRect/>
-          </a:stretch>
-        </p:blipFill>
-        <p:spPr>
-          <a:xfrm>
-            <a:off x="3603837" y="4138493"/>
-            <a:ext cx="5441507" cy="636329"/>
-          </a:xfrm>
-          <a:prstGeom prst="rect">
-            <a:avLst/>
-          </a:prstGeom>
-          <a:ln>
-            <a:solidFill>
-              <a:srgbClr val="404040"/>
-            </a:solidFill>
-          </a:ln>
-        </p:spPr>
-        <p:style>
-          <a:lnRef idx="2">
-            <a:schemeClr val="dk1"/>
-          </a:lnRef>
-          <a:fillRef idx="1">
-            <a:schemeClr val="lt1"/>
-          </a:fillRef>
-          <a:effectRef idx="0">
-            <a:schemeClr val="dk1"/>
-          </a:effectRef>
-          <a:fontRef idx="minor">
-            <a:schemeClr val="dk1"/>
-          </a:fontRef>
-        </p:style>
-      </p:pic>
-      <p:sp>
-        <p:nvSpPr>
-          <p:cNvPr id="5" name="Left Brace 4">
-            <a:extLst>
-              <a:ext uri="{FF2B5EF4-FFF2-40B4-BE49-F238E27FC236}">
-                <a16:creationId xmlns:a16="http://schemas.microsoft.com/office/drawing/2014/main" id="{DB3F6D1E-1A53-4996-BD26-2639AB4D0361}"/>
-              </a:ext>
-            </a:extLst>
-          </p:cNvPr>
-          <p:cNvSpPr/>
-          <p:nvPr/>
-        </p:nvSpPr>
-        <p:spPr>
-          <a:xfrm rot="16200000">
-            <a:off x="6483221" y="1319084"/>
-            <a:ext cx="394253" cy="3607099"/>
-          </a:xfrm>
-          <a:prstGeom prst="leftBrace">
-            <a:avLst>
-              <a:gd name="adj1" fmla="val 8333"/>
-              <a:gd name="adj2" fmla="val 50226"/>
-            </a:avLst>
-          </a:prstGeom>
-          <a:ln>
-            <a:solidFill>
-              <a:srgbClr val="404040"/>
-            </a:solidFill>
-          </a:ln>
-        </p:spPr>
-        <p:style>
-          <a:lnRef idx="2">
-            <a:schemeClr val="accent1"/>
-          </a:lnRef>
-          <a:fillRef idx="0">
-            <a:schemeClr val="accent1"/>
-          </a:fillRef>
-          <a:effectRef idx="1">
-            <a:schemeClr val="accent1"/>
-          </a:effectRef>
-          <a:fontRef idx="minor">
-            <a:schemeClr val="tx1"/>
-          </a:fontRef>
-        </p:style>
-        <p:txBody>
-          <a:bodyPr rtlCol="0" anchor="ctr"/>
-          <a:lstStyle/>
-          <a:p>
-            <a:pPr algn="ctr"/>
-            <a:endParaRPr lang="en-US"/>
-          </a:p>
-        </p:txBody>
-      </p:sp>
-      <p:cxnSp>
-        <p:nvCxnSpPr>
-          <p:cNvPr id="14" name="Straight Arrow Connector 13">
-            <a:extLst>
-              <a:ext uri="{FF2B5EF4-FFF2-40B4-BE49-F238E27FC236}">
-                <a16:creationId xmlns:a16="http://schemas.microsoft.com/office/drawing/2014/main" id="{C6CABA49-2A5E-4D1C-A725-08E09E1FCB61}"/>
-              </a:ext>
-            </a:extLst>
-          </p:cNvPr>
-          <p:cNvCxnSpPr>
-            <a:cxnSpLocks/>
-          </p:cNvCxnSpPr>
-          <p:nvPr/>
-        </p:nvCxnSpPr>
-        <p:spPr>
-          <a:xfrm>
-            <a:off x="6680347" y="3319760"/>
-            <a:ext cx="634853" cy="1040573"/>
-          </a:xfrm>
-          <a:prstGeom prst="straightConnector1">
-            <a:avLst/>
-          </a:prstGeom>
-          <a:ln>
-            <a:solidFill>
-              <a:srgbClr val="404040"/>
-            </a:solidFill>
-            <a:tailEnd type="triangle"/>
-          </a:ln>
-        </p:spPr>
-        <p:style>
-          <a:lnRef idx="2">
-            <a:schemeClr val="accent1"/>
-          </a:lnRef>
-          <a:fillRef idx="0">
-            <a:schemeClr val="accent1"/>
-          </a:fillRef>
-          <a:effectRef idx="1">
-            <a:schemeClr val="accent1"/>
-          </a:effectRef>
-          <a:fontRef idx="minor">
-            <a:schemeClr val="tx1"/>
-          </a:fontRef>
-        </p:style>
-      </p:cxnSp>
+              <a:t>Data Contained</a:t>
+            </a:r>
+          </a:p>
+        </p:txBody>
+      </p:sp>
     </p:spTree>
     <p:custDataLst>
       <p:tags r:id="rId1"/>
     </p:custDataLst>
     <p:extLst>
       <p:ext uri="{BB962C8B-B14F-4D97-AF65-F5344CB8AC3E}">
-        <p14:creationId xmlns:p14="http://schemas.microsoft.com/office/powerpoint/2010/main" val="4188369979"/>
+        <p14:creationId xmlns:p14="http://schemas.microsoft.com/office/powerpoint/2010/main" val="2668165127"/>
       </p:ext>
     </p:extLst>
   </p:cSld>
@@ -10815,12 +10418,343 @@
           <a:noFill/>
         </p:spPr>
       </p:pic>
+      <p:sp>
+        <p:nvSpPr>
+          <p:cNvPr id="9" name="TextBox 8">
+            <a:extLst>
+              <a:ext uri="{FF2B5EF4-FFF2-40B4-BE49-F238E27FC236}">
+                <a16:creationId xmlns:a16="http://schemas.microsoft.com/office/drawing/2014/main" id="{8739A337-14F8-4CBE-B90D-58B5D835AE8C}"/>
+              </a:ext>
+            </a:extLst>
+          </p:cNvPr>
+          <p:cNvSpPr txBox="1"/>
+          <p:nvPr/>
+        </p:nvSpPr>
+        <p:spPr>
+          <a:xfrm>
+            <a:off x="3810000" y="621916"/>
+            <a:ext cx="5330206" cy="6370975"/>
+          </a:xfrm>
+          <a:prstGeom prst="rect">
+            <a:avLst/>
+          </a:prstGeom>
+          <a:noFill/>
+        </p:spPr>
+        <p:txBody>
+          <a:bodyPr wrap="square" rtlCol="0">
+            <a:spAutoFit/>
+          </a:bodyPr>
+          <a:lstStyle/>
+          <a:p>
+            <a:pPr marL="342900" marR="0" lvl="0" indent="-342900" algn="l" defTabSz="457200" rtl="0" eaLnBrk="1" fontAlgn="base" latinLnBrk="0" hangingPunct="1">
+              <a:lnSpc>
+                <a:spcPct val="100000"/>
+              </a:lnSpc>
+              <a:spcBef>
+                <a:spcPct val="0"/>
+              </a:spcBef>
+              <a:spcAft>
+                <a:spcPct val="0"/>
+              </a:spcAft>
+              <a:buClrTx/>
+              <a:buSzTx/>
+              <a:buFont typeface="Arial" panose="020B0604020202020204" pitchFamily="34" charset="0"/>
+              <a:buChar char="•"/>
+              <a:tabLst/>
+              <a:defRPr/>
+            </a:pPr>
+            <a:r>
+              <a:rPr lang="en-US" dirty="0">
+                <a:solidFill>
+                  <a:srgbClr val="404040"/>
+                </a:solidFill>
+              </a:rPr>
+              <a:t>Eye Color Distribution</a:t>
+            </a:r>
+          </a:p>
+          <a:p>
+            <a:pPr marL="342900" marR="0" lvl="0" indent="-342900" algn="l" defTabSz="457200" rtl="0" eaLnBrk="1" fontAlgn="base" latinLnBrk="0" hangingPunct="1">
+              <a:lnSpc>
+                <a:spcPct val="100000"/>
+              </a:lnSpc>
+              <a:spcBef>
+                <a:spcPct val="0"/>
+              </a:spcBef>
+              <a:spcAft>
+                <a:spcPct val="0"/>
+              </a:spcAft>
+              <a:buClrTx/>
+              <a:buSzTx/>
+              <a:buFont typeface="Arial" panose="020B0604020202020204" pitchFamily="34" charset="0"/>
+              <a:buChar char="•"/>
+              <a:tabLst/>
+              <a:defRPr/>
+            </a:pPr>
+            <a:endParaRPr lang="en-US" dirty="0">
+              <a:solidFill>
+                <a:srgbClr val="404040"/>
+              </a:solidFill>
+            </a:endParaRPr>
+          </a:p>
+          <a:p>
+            <a:pPr marL="800100" lvl="1" indent="-342900">
+              <a:buFont typeface="Arial" panose="020B0604020202020204" pitchFamily="34" charset="0"/>
+              <a:buChar char="•"/>
+              <a:defRPr/>
+            </a:pPr>
+            <a:r>
+              <a:rPr lang="en-US" dirty="0">
+                <a:solidFill>
+                  <a:srgbClr val="404040"/>
+                </a:solidFill>
+              </a:rPr>
+              <a:t>Randomly Sample 50 People</a:t>
+            </a:r>
+          </a:p>
+          <a:p>
+            <a:pPr marL="800100" lvl="1" indent="-342900">
+              <a:buFont typeface="Arial" panose="020B0604020202020204" pitchFamily="34" charset="0"/>
+              <a:buChar char="•"/>
+              <a:defRPr/>
+            </a:pPr>
+            <a:r>
+              <a:rPr lang="en-US" dirty="0">
+                <a:solidFill>
+                  <a:srgbClr val="404040"/>
+                </a:solidFill>
+              </a:rPr>
+              <a:t>Distribution via Bar Plot</a:t>
+            </a:r>
+          </a:p>
+          <a:p>
+            <a:pPr marL="800100" lvl="1" indent="-342900">
+              <a:buFont typeface="Arial" panose="020B0604020202020204" pitchFamily="34" charset="0"/>
+              <a:buChar char="•"/>
+              <a:defRPr/>
+            </a:pPr>
+            <a:endParaRPr kumimoji="0" lang="en-US" b="0" i="0" u="none" strike="noStrike" kern="1200" cap="none" spc="0" normalizeH="0" baseline="0" noProof="0" dirty="0">
+              <a:ln>
+                <a:noFill/>
+              </a:ln>
+              <a:solidFill>
+                <a:srgbClr val="404040"/>
+              </a:solidFill>
+              <a:effectLst/>
+              <a:uLnTx/>
+              <a:uFillTx/>
+            </a:endParaRPr>
+          </a:p>
+          <a:p>
+            <a:pPr marL="800100" lvl="1" indent="-342900">
+              <a:buFont typeface="Arial" panose="020B0604020202020204" pitchFamily="34" charset="0"/>
+              <a:buChar char="•"/>
+              <a:defRPr/>
+            </a:pPr>
+            <a:endParaRPr lang="en-US" dirty="0">
+              <a:solidFill>
+                <a:srgbClr val="404040"/>
+              </a:solidFill>
+            </a:endParaRPr>
+          </a:p>
+          <a:p>
+            <a:pPr marL="800100" lvl="1" indent="-342900">
+              <a:buFont typeface="Arial" panose="020B0604020202020204" pitchFamily="34" charset="0"/>
+              <a:buChar char="•"/>
+              <a:defRPr/>
+            </a:pPr>
+            <a:endParaRPr kumimoji="0" lang="en-US" b="0" i="0" u="none" strike="noStrike" kern="1200" cap="none" spc="0" normalizeH="0" baseline="0" noProof="0" dirty="0">
+              <a:ln>
+                <a:noFill/>
+              </a:ln>
+              <a:solidFill>
+                <a:srgbClr val="404040"/>
+              </a:solidFill>
+              <a:effectLst/>
+              <a:uLnTx/>
+              <a:uFillTx/>
+            </a:endParaRPr>
+          </a:p>
+          <a:p>
+            <a:pPr marL="800100" lvl="1" indent="-342900">
+              <a:buFont typeface="Arial" panose="020B0604020202020204" pitchFamily="34" charset="0"/>
+              <a:buChar char="•"/>
+              <a:defRPr/>
+            </a:pPr>
+            <a:endParaRPr lang="en-US" dirty="0">
+              <a:solidFill>
+                <a:srgbClr val="404040"/>
+              </a:solidFill>
+            </a:endParaRPr>
+          </a:p>
+          <a:p>
+            <a:pPr marL="800100" lvl="1" indent="-342900">
+              <a:buFont typeface="Arial" panose="020B0604020202020204" pitchFamily="34" charset="0"/>
+              <a:buChar char="•"/>
+              <a:defRPr/>
+            </a:pPr>
+            <a:endParaRPr kumimoji="0" lang="en-US" b="0" i="0" u="none" strike="noStrike" kern="1200" cap="none" spc="0" normalizeH="0" baseline="0" noProof="0" dirty="0">
+              <a:ln>
+                <a:noFill/>
+              </a:ln>
+              <a:solidFill>
+                <a:srgbClr val="404040"/>
+              </a:solidFill>
+              <a:effectLst/>
+              <a:uLnTx/>
+              <a:uFillTx/>
+            </a:endParaRPr>
+          </a:p>
+          <a:p>
+            <a:pPr marL="800100" lvl="1" indent="-342900">
+              <a:buFont typeface="Arial" panose="020B0604020202020204" pitchFamily="34" charset="0"/>
+              <a:buChar char="•"/>
+              <a:defRPr/>
+            </a:pPr>
+            <a:endParaRPr lang="en-US" dirty="0">
+              <a:solidFill>
+                <a:srgbClr val="404040"/>
+              </a:solidFill>
+            </a:endParaRPr>
+          </a:p>
+          <a:p>
+            <a:pPr marL="800100" lvl="1" indent="-342900">
+              <a:buFont typeface="Arial" panose="020B0604020202020204" pitchFamily="34" charset="0"/>
+              <a:buChar char="•"/>
+              <a:defRPr/>
+            </a:pPr>
+            <a:endParaRPr kumimoji="0" lang="en-US" b="0" i="0" u="none" strike="noStrike" kern="1200" cap="none" spc="0" normalizeH="0" baseline="0" noProof="0" dirty="0">
+              <a:ln>
+                <a:noFill/>
+              </a:ln>
+              <a:solidFill>
+                <a:srgbClr val="404040"/>
+              </a:solidFill>
+              <a:effectLst/>
+              <a:uLnTx/>
+              <a:uFillTx/>
+            </a:endParaRPr>
+          </a:p>
+          <a:p>
+            <a:pPr marL="800100" lvl="1" indent="-342900">
+              <a:buFont typeface="Arial" panose="020B0604020202020204" pitchFamily="34" charset="0"/>
+              <a:buChar char="•"/>
+              <a:defRPr/>
+            </a:pPr>
+            <a:endParaRPr lang="en-US" dirty="0">
+              <a:solidFill>
+                <a:srgbClr val="404040"/>
+              </a:solidFill>
+            </a:endParaRPr>
+          </a:p>
+          <a:p>
+            <a:pPr marL="800100" lvl="1" indent="-342900">
+              <a:buFont typeface="Arial" panose="020B0604020202020204" pitchFamily="34" charset="0"/>
+              <a:buChar char="•"/>
+              <a:defRPr/>
+            </a:pPr>
+            <a:endParaRPr kumimoji="0" lang="en-US" b="0" i="0" u="none" strike="noStrike" kern="1200" cap="none" spc="0" normalizeH="0" baseline="0" noProof="0" dirty="0">
+              <a:ln>
+                <a:noFill/>
+              </a:ln>
+              <a:solidFill>
+                <a:srgbClr val="404040"/>
+              </a:solidFill>
+              <a:effectLst/>
+              <a:uLnTx/>
+              <a:uFillTx/>
+            </a:endParaRPr>
+          </a:p>
+          <a:p>
+            <a:pPr marL="800100" lvl="1" indent="-342900">
+              <a:buFont typeface="Arial" panose="020B0604020202020204" pitchFamily="34" charset="0"/>
+              <a:buChar char="•"/>
+              <a:defRPr/>
+            </a:pPr>
+            <a:endParaRPr lang="en-US" dirty="0">
+              <a:solidFill>
+                <a:srgbClr val="404040"/>
+              </a:solidFill>
+            </a:endParaRPr>
+          </a:p>
+          <a:p>
+            <a:pPr marL="800100" lvl="1" indent="-342900">
+              <a:buFont typeface="Arial" panose="020B0604020202020204" pitchFamily="34" charset="0"/>
+              <a:buChar char="•"/>
+              <a:defRPr/>
+            </a:pPr>
+            <a:endParaRPr kumimoji="0" lang="en-US" b="0" i="0" u="none" strike="noStrike" kern="1200" cap="none" spc="0" normalizeH="0" baseline="0" noProof="0" dirty="0">
+              <a:ln>
+                <a:noFill/>
+              </a:ln>
+              <a:solidFill>
+                <a:srgbClr val="404040"/>
+              </a:solidFill>
+              <a:effectLst/>
+              <a:uLnTx/>
+              <a:uFillTx/>
+            </a:endParaRPr>
+          </a:p>
+          <a:p>
+            <a:pPr marL="800100" lvl="1" indent="-342900">
+              <a:buFont typeface="Arial" panose="020B0604020202020204" pitchFamily="34" charset="0"/>
+              <a:buChar char="•"/>
+              <a:defRPr/>
+            </a:pPr>
+            <a:r>
+              <a:rPr kumimoji="0" lang="en-US" b="0" i="0" u="none" strike="noStrike" kern="1200" cap="none" spc="0" normalizeH="0" baseline="0" noProof="0" dirty="0">
+                <a:ln>
+                  <a:noFill/>
+                </a:ln>
+                <a:solidFill>
+                  <a:srgbClr val="404040"/>
+                </a:solidFill>
+                <a:effectLst/>
+                <a:uLnTx/>
+                <a:uFillTx/>
+              </a:rPr>
+              <a:t>How to Make More Informative?</a:t>
+            </a:r>
+          </a:p>
+          <a:p>
+            <a:pPr marL="342900" marR="0" lvl="0" indent="-342900" algn="l" defTabSz="457200" rtl="0" eaLnBrk="1" fontAlgn="base" latinLnBrk="0" hangingPunct="1">
+              <a:lnSpc>
+                <a:spcPct val="100000"/>
+              </a:lnSpc>
+              <a:spcBef>
+                <a:spcPct val="0"/>
+              </a:spcBef>
+              <a:spcAft>
+                <a:spcPct val="0"/>
+              </a:spcAft>
+              <a:buClrTx/>
+              <a:buSzTx/>
+              <a:buFont typeface="Arial" panose="020B0604020202020204" pitchFamily="34" charset="0"/>
+              <a:buChar char="•"/>
+              <a:tabLst/>
+              <a:defRPr/>
+            </a:pPr>
+            <a:endParaRPr kumimoji="0" lang="en-US" sz="2400" b="0" i="0" u="none" strike="noStrike" kern="1200" cap="none" spc="0" normalizeH="0" baseline="0" noProof="0" dirty="0">
+              <a:ln>
+                <a:noFill/>
+              </a:ln>
+              <a:solidFill>
+                <a:srgbClr val="404040"/>
+              </a:solidFill>
+              <a:effectLst/>
+              <a:uLnTx/>
+              <a:uFillTx/>
+              <a:latin typeface="Arial" charset="0"/>
+              <a:ea typeface="ＭＳ Ｐゴシック" charset="-128"/>
+            </a:endParaRPr>
+          </a:p>
+        </p:txBody>
+      </p:sp>
       <p:pic>
         <p:nvPicPr>
-          <p:cNvPr id="4" name="Picture 3">
+          <p:cNvPr id="3" name="Picture 2">
             <a:extLst>
               <a:ext uri="{FF2B5EF4-FFF2-40B4-BE49-F238E27FC236}">
-                <a16:creationId xmlns:a16="http://schemas.microsoft.com/office/drawing/2014/main" id="{DE7A8A01-75F0-4FBE-BD26-147CC639FBA7}"/>
+                <a16:creationId xmlns:a16="http://schemas.microsoft.com/office/drawing/2014/main" id="{C5558757-6F0C-4233-9C5B-E73EAF5C6BF1}"/>
               </a:ext>
             </a:extLst>
           </p:cNvPr>
@@ -10837,8 +10771,8 @@
         </p:blipFill>
         <p:spPr>
           <a:xfrm>
-            <a:off x="3860897" y="3429000"/>
-            <a:ext cx="4860218" cy="3352800"/>
+            <a:off x="3603927" y="2240782"/>
+            <a:ext cx="5423074" cy="3702818"/>
           </a:xfrm>
           <a:prstGeom prst="rect">
             <a:avLst/>
@@ -10864,112 +10798,6 @@
           </a:fontRef>
         </p:style>
       </p:pic>
-      <p:sp>
-        <p:nvSpPr>
-          <p:cNvPr id="9" name="TextBox 8">
-            <a:extLst>
-              <a:ext uri="{FF2B5EF4-FFF2-40B4-BE49-F238E27FC236}">
-                <a16:creationId xmlns:a16="http://schemas.microsoft.com/office/drawing/2014/main" id="{8739A337-14F8-4CBE-B90D-58B5D835AE8C}"/>
-              </a:ext>
-            </a:extLst>
-          </p:cNvPr>
-          <p:cNvSpPr txBox="1"/>
-          <p:nvPr/>
-        </p:nvSpPr>
-        <p:spPr>
-          <a:xfrm>
-            <a:off x="3810000" y="621916"/>
-            <a:ext cx="5105400" cy="1200329"/>
-          </a:xfrm>
-          <a:prstGeom prst="rect">
-            <a:avLst/>
-          </a:prstGeom>
-          <a:noFill/>
-        </p:spPr>
-        <p:txBody>
-          <a:bodyPr wrap="square" rtlCol="0">
-            <a:spAutoFit/>
-          </a:bodyPr>
-          <a:lstStyle/>
-          <a:p>
-            <a:pPr marL="342900" marR="0" lvl="0" indent="-342900" algn="l" defTabSz="457200" rtl="0" eaLnBrk="1" fontAlgn="base" latinLnBrk="0" hangingPunct="1">
-              <a:lnSpc>
-                <a:spcPct val="100000"/>
-              </a:lnSpc>
-              <a:spcBef>
-                <a:spcPct val="0"/>
-              </a:spcBef>
-              <a:spcAft>
-                <a:spcPct val="0"/>
-              </a:spcAft>
-              <a:buClrTx/>
-              <a:buSzTx/>
-              <a:buFont typeface="Arial" panose="020B0604020202020204" pitchFamily="34" charset="0"/>
-              <a:buChar char="•"/>
-              <a:tabLst/>
-              <a:defRPr/>
-            </a:pPr>
-            <a:r>
-              <a:rPr lang="en-US" dirty="0">
-                <a:solidFill>
-                  <a:srgbClr val="404040"/>
-                </a:solidFill>
-              </a:rPr>
-              <a:t>Eye Color Distribution</a:t>
-            </a:r>
-          </a:p>
-          <a:p>
-            <a:pPr marL="800100" lvl="1" indent="-342900">
-              <a:buFont typeface="Arial" panose="020B0604020202020204" pitchFamily="34" charset="0"/>
-              <a:buChar char="•"/>
-              <a:defRPr/>
-            </a:pPr>
-            <a:endParaRPr kumimoji="0" lang="en-US" b="0" i="0" u="none" strike="noStrike" kern="1200" cap="none" spc="0" normalizeH="0" baseline="0" noProof="0" dirty="0">
-              <a:ln>
-                <a:noFill/>
-              </a:ln>
-              <a:solidFill>
-                <a:srgbClr val="404040"/>
-              </a:solidFill>
-              <a:effectLst/>
-              <a:uLnTx/>
-              <a:uFillTx/>
-            </a:endParaRPr>
-          </a:p>
-          <a:p>
-            <a:pPr marL="342900" marR="0" lvl="0" indent="-342900" algn="l" defTabSz="457200" rtl="0" eaLnBrk="1" fontAlgn="base" latinLnBrk="0" hangingPunct="1">
-              <a:lnSpc>
-                <a:spcPct val="100000"/>
-              </a:lnSpc>
-              <a:spcBef>
-                <a:spcPct val="0"/>
-              </a:spcBef>
-              <a:spcAft>
-                <a:spcPct val="0"/>
-              </a:spcAft>
-              <a:buClrTx/>
-              <a:buSzTx/>
-              <a:buFont typeface="Arial" panose="020B0604020202020204" pitchFamily="34" charset="0"/>
-              <a:buChar char="•"/>
-              <a:tabLst/>
-              <a:defRPr/>
-            </a:pPr>
-            <a:endParaRPr kumimoji="0" lang="en-US" sz="2400" b="0" i="0" u="none" strike="noStrike" kern="1200" cap="none" spc="0" normalizeH="0" baseline="0" noProof="0" dirty="0">
-              <a:ln>
-                <a:noFill/>
-              </a:ln>
-              <a:solidFill>
-                <a:srgbClr val="404040"/>
-              </a:solidFill>
-              <a:effectLst/>
-              <a:uLnTx/>
-              <a:uFillTx/>
-              <a:latin typeface="Arial" charset="0"/>
-              <a:ea typeface="ＭＳ Ｐゴシック" charset="-128"/>
-            </a:endParaRPr>
-          </a:p>
-        </p:txBody>
-      </p:sp>
     </p:spTree>
     <p:custDataLst>
       <p:tags r:id="rId1"/>
@@ -11148,28 +10976,7 @@
                 <a:ea typeface="+mj-ea"/>
                 <a:cs typeface="+mj-cs"/>
               </a:rPr>
-              <a:t>Part 1:</a:t>
-            </a:r>
-            <a:br>
-              <a:rPr lang="en-US" sz="2400" kern="1200" dirty="0">
-                <a:solidFill>
-                  <a:schemeClr val="bg1"/>
-                </a:solidFill>
-                <a:latin typeface="+mj-lt"/>
-                <a:ea typeface="+mj-ea"/>
-                <a:cs typeface="+mj-cs"/>
-              </a:rPr>
-            </a:br>
-            <a:r>
-              <a:rPr lang="en-US" sz="2400" kern="1200" dirty="0">
-                <a:solidFill>
-                  <a:schemeClr val="bg1"/>
-                </a:solidFill>
-                <a:latin typeface="+mj-lt"/>
-                <a:ea typeface="+mj-ea"/>
-                <a:cs typeface="+mj-cs"/>
-              </a:rPr>
-              <a:t>Connection to Population Change and Density</a:t>
+              <a:t>Level 1: Motivation</a:t>
             </a:r>
           </a:p>
         </p:txBody>
@@ -11206,10 +11013,10 @@
       </p:pic>
       <p:sp>
         <p:nvSpPr>
-          <p:cNvPr id="6" name="TextBox 5">
+          <p:cNvPr id="9" name="TextBox 8">
             <a:extLst>
               <a:ext uri="{FF2B5EF4-FFF2-40B4-BE49-F238E27FC236}">
-                <a16:creationId xmlns:a16="http://schemas.microsoft.com/office/drawing/2014/main" id="{E58EF064-51FF-48A9-8810-E84BE6F6F09D}"/>
+                <a16:creationId xmlns:a16="http://schemas.microsoft.com/office/drawing/2014/main" id="{8739A337-14F8-4CBE-B90D-58B5D835AE8C}"/>
               </a:ext>
             </a:extLst>
           </p:cNvPr>
@@ -11219,7 +11026,7 @@
         <p:spPr>
           <a:xfrm>
             <a:off x="3810000" y="621916"/>
-            <a:ext cx="5273842" cy="6740307"/>
+            <a:ext cx="5330206" cy="2308324"/>
           </a:xfrm>
           <a:prstGeom prst="rect">
             <a:avLst/>
@@ -11250,20 +11057,12 @@
               <a:defRPr/>
             </a:pPr>
             <a:r>
-              <a:rPr kumimoji="0" lang="en-US" sz="2400" b="0" i="0" u="none" strike="noStrike" kern="1200" cap="none" spc="0" normalizeH="0" baseline="0" noProof="0" dirty="0">
-                <a:ln>
-                  <a:noFill/>
-                </a:ln>
+              <a:rPr lang="en-US" dirty="0">
                 <a:solidFill>
                   <a:srgbClr val="404040"/>
                 </a:solidFill>
-                <a:effectLst/>
-                <a:uLnTx/>
-                <a:uFillTx/>
-                <a:latin typeface="Arial" charset="0"/>
-                <a:ea typeface="ＭＳ Ｐゴシック" charset="-128"/>
               </a:rPr>
-              <a:t>Step 3: Run Chunk 1</a:t>
+              <a:t>Eye Color Distribution (Cont.)</a:t>
             </a:r>
           </a:p>
           <a:p>
@@ -11284,24 +11083,17 @@
               <a:tabLst/>
               <a:defRPr/>
             </a:pPr>
-            <a:endParaRPr kumimoji="0" lang="en-US" sz="2400" b="0" i="0" u="none" strike="noStrike" kern="1200" cap="none" spc="0" normalizeH="0" baseline="0" noProof="0" dirty="0">
-              <a:ln>
-                <a:noFill/>
-              </a:ln>
+            <a:endParaRPr lang="en-US" dirty="0">
               <a:solidFill>
                 <a:srgbClr val="404040"/>
               </a:solidFill>
-              <a:effectLst/>
-              <a:uLnTx/>
-              <a:uFillTx/>
-              <a:latin typeface="Arial" charset="0"/>
-              <a:ea typeface="ＭＳ Ｐゴシック" charset="-128"/>
             </a:endParaRPr>
           </a:p>
           <a:p>
             <a:pPr marL="800100" lvl="1" indent="-342900">
               <a:buFont typeface="Arial" panose="020B0604020202020204" pitchFamily="34" charset="0"/>
               <a:buChar char="•"/>
+              <a:defRPr/>
             </a:pPr>
             <a:r>
               <a:rPr lang="en-US" dirty="0">
@@ -11309,178 +11101,11 @@
                   <a:srgbClr val="404040"/>
                 </a:solidFill>
               </a:rPr>
-              <a:t>What is required to convert the Percentage Change to a numeric variable?</a:t>
-            </a:r>
-          </a:p>
-          <a:p>
-            <a:pPr marL="800100" lvl="1" indent="-342900">
-              <a:buFont typeface="Arial" panose="020B0604020202020204" pitchFamily="34" charset="0"/>
-              <a:buChar char="•"/>
-            </a:pPr>
-            <a:endParaRPr kumimoji="0" lang="en-US" b="0" i="0" u="none" strike="noStrike" kern="1200" cap="none" spc="0" normalizeH="0" baseline="0" noProof="0" dirty="0">
-              <a:ln>
-                <a:noFill/>
-              </a:ln>
-              <a:solidFill>
-                <a:srgbClr val="404040"/>
-              </a:solidFill>
-              <a:effectLst/>
-              <a:uLnTx/>
-              <a:uFillTx/>
-              <a:latin typeface="Arial" charset="0"/>
-              <a:ea typeface="ＭＳ Ｐゴシック" charset="-128"/>
-            </a:endParaRPr>
-          </a:p>
-          <a:p>
-            <a:pPr marL="800100" lvl="1" indent="-342900">
-              <a:buFont typeface="Arial" panose="020B0604020202020204" pitchFamily="34" charset="0"/>
-              <a:buChar char="•"/>
-            </a:pPr>
-            <a:r>
-              <a:rPr lang="en-US" dirty="0">
-                <a:solidFill>
-                  <a:srgbClr val="404040"/>
-                </a:solidFill>
-              </a:rPr>
-              <a:t>What is required to convert the 2018 Density to a numeric variable?</a:t>
-            </a:r>
-          </a:p>
-          <a:p>
-            <a:pPr marL="800100" lvl="1" indent="-342900">
-              <a:buFont typeface="Arial" panose="020B0604020202020204" pitchFamily="34" charset="0"/>
-              <a:buChar char="•"/>
-            </a:pPr>
-            <a:endParaRPr kumimoji="0" lang="en-US" b="0" i="0" u="none" strike="noStrike" kern="1200" cap="none" spc="0" normalizeH="0" baseline="0" noProof="0" dirty="0">
-              <a:ln>
-                <a:noFill/>
-              </a:ln>
-              <a:solidFill>
-                <a:srgbClr val="404040"/>
-              </a:solidFill>
-              <a:effectLst/>
-              <a:uLnTx/>
-              <a:uFillTx/>
-              <a:latin typeface="Arial" charset="0"/>
-              <a:ea typeface="ＭＳ Ｐゴシック" charset="-128"/>
-            </a:endParaRPr>
-          </a:p>
-          <a:p>
-            <a:pPr marL="342900" indent="-342900">
-              <a:buFont typeface="Arial" panose="020B0604020202020204" pitchFamily="34" charset="0"/>
-              <a:buChar char="•"/>
-            </a:pPr>
-            <a:r>
-              <a:rPr kumimoji="0" lang="en-US" b="0" i="0" u="none" strike="noStrike" kern="1200" cap="none" spc="0" normalizeH="0" baseline="0" noProof="0" dirty="0">
-                <a:ln>
-                  <a:noFill/>
-                </a:ln>
-                <a:solidFill>
-                  <a:srgbClr val="404040"/>
-                </a:solidFill>
-                <a:effectLst/>
-                <a:uLnTx/>
-                <a:uFillTx/>
-                <a:latin typeface="Arial" charset="0"/>
-                <a:ea typeface="ＭＳ Ｐゴシック" charset="-128"/>
-              </a:rPr>
-              <a:t>Step 4: Run Chunk 2</a:t>
-            </a:r>
-          </a:p>
-          <a:p>
-            <a:pPr marL="342900" indent="-342900">
-              <a:buFont typeface="Arial" panose="020B0604020202020204" pitchFamily="34" charset="0"/>
-              <a:buChar char="•"/>
-            </a:pPr>
-            <a:endParaRPr lang="en-US" dirty="0">
-              <a:solidFill>
-                <a:srgbClr val="404040"/>
-              </a:solidFill>
-            </a:endParaRPr>
-          </a:p>
-          <a:p>
-            <a:pPr marL="800100" lvl="1" indent="-342900">
-              <a:buFont typeface="Arial" panose="020B0604020202020204" pitchFamily="34" charset="0"/>
-              <a:buChar char="•"/>
-            </a:pPr>
-            <a:r>
-              <a:rPr kumimoji="0" lang="en-US" b="0" i="0" u="none" strike="noStrike" kern="1200" cap="none" spc="0" normalizeH="0" baseline="0" noProof="0" dirty="0">
-                <a:ln>
-                  <a:noFill/>
-                </a:ln>
-                <a:solidFill>
-                  <a:srgbClr val="404040"/>
-                </a:solidFill>
-                <a:effectLst/>
-                <a:uLnTx/>
-                <a:uFillTx/>
-                <a:latin typeface="Arial" charset="0"/>
-                <a:ea typeface="ＭＳ Ｐゴシック" charset="-128"/>
-              </a:rPr>
-              <a:t>Notice: \\/(.*)</a:t>
-            </a:r>
-          </a:p>
-          <a:p>
-            <a:pPr marL="800100" lvl="1" indent="-342900">
-              <a:buFont typeface="Arial" panose="020B0604020202020204" pitchFamily="34" charset="0"/>
-              <a:buChar char="•"/>
-            </a:pPr>
-            <a:endParaRPr kumimoji="0" lang="en-US" b="0" i="0" u="none" strike="noStrike" kern="1200" cap="none" spc="0" normalizeH="0" baseline="0" noProof="0" dirty="0">
-              <a:ln>
-                <a:noFill/>
-              </a:ln>
-              <a:solidFill>
-                <a:srgbClr val="404040"/>
-              </a:solidFill>
-              <a:effectLst/>
-              <a:uLnTx/>
-              <a:uFillTx/>
-              <a:latin typeface="Arial" charset="0"/>
-              <a:ea typeface="ＭＳ Ｐゴシック" charset="-128"/>
-            </a:endParaRPr>
-          </a:p>
-          <a:p>
-            <a:pPr marL="342900" indent="-342900">
-              <a:buFont typeface="Arial" panose="020B0604020202020204" pitchFamily="34" charset="0"/>
-              <a:buChar char="•"/>
-            </a:pPr>
-            <a:r>
-              <a:rPr kumimoji="0" lang="en-US" b="0" i="0" u="none" strike="noStrike" kern="1200" cap="none" spc="0" normalizeH="0" baseline="0" noProof="0" dirty="0">
-                <a:ln>
-                  <a:noFill/>
-                </a:ln>
-                <a:solidFill>
-                  <a:srgbClr val="404040"/>
-                </a:solidFill>
-                <a:effectLst/>
-                <a:uLnTx/>
-                <a:uFillTx/>
-                <a:latin typeface="Arial" charset="0"/>
-                <a:ea typeface="ＭＳ Ｐゴシック" charset="-128"/>
-              </a:rPr>
-              <a:t>Step 5: No-Knitter</a:t>
-            </a:r>
-          </a:p>
-          <a:p>
-            <a:pPr marL="800100" lvl="1" indent="-342900">
-              <a:buFont typeface="Arial" panose="020B0604020202020204" pitchFamily="34" charset="0"/>
-              <a:buChar char="•"/>
-            </a:pPr>
-            <a:endParaRPr kumimoji="0" lang="en-US" b="0" i="0" u="none" strike="noStrike" kern="1200" cap="none" spc="0" normalizeH="0" baseline="0" noProof="0" dirty="0">
-              <a:ln>
-                <a:noFill/>
-              </a:ln>
-              <a:solidFill>
-                <a:srgbClr val="404040"/>
-              </a:solidFill>
-              <a:effectLst/>
-              <a:uLnTx/>
-              <a:uFillTx/>
-              <a:latin typeface="Arial" charset="0"/>
-              <a:ea typeface="ＭＳ Ｐゴシック" charset="-128"/>
-            </a:endParaRPr>
-          </a:p>
-          <a:p>
-            <a:pPr marR="0" lvl="0" algn="l" defTabSz="457200" rtl="0" eaLnBrk="1" fontAlgn="base" latinLnBrk="0" hangingPunct="1">
+              <a:t>Display Eye Colors Absent From Sample</a:t>
+            </a:r>
+          </a:p>
+          <a:p>
+            <a:pPr marL="342900" marR="0" lvl="0" indent="-342900" algn="l" defTabSz="457200" rtl="0" eaLnBrk="1" fontAlgn="base" latinLnBrk="0" hangingPunct="1">
               <a:lnSpc>
                 <a:spcPct val="100000"/>
               </a:lnSpc>
@@ -11492,6 +11117,8 @@
               </a:spcAft>
               <a:buClrTx/>
               <a:buSzTx/>
+              <a:buFont typeface="Arial" panose="020B0604020202020204" pitchFamily="34" charset="0"/>
+              <a:buChar char="•"/>
               <a:tabLst/>
               <a:defRPr/>
             </a:pPr>
@@ -11502,19 +11129,9 @@
             </a:endParaRPr>
           </a:p>
           <a:p>
-            <a:pPr marR="0" lvl="0" algn="l" defTabSz="457200" rtl="0" eaLnBrk="1" fontAlgn="base" latinLnBrk="0" hangingPunct="1">
-              <a:lnSpc>
-                <a:spcPct val="100000"/>
-              </a:lnSpc>
-              <a:spcBef>
-                <a:spcPct val="0"/>
-              </a:spcBef>
-              <a:spcAft>
-                <a:spcPct val="0"/>
-              </a:spcAft>
-              <a:buClrTx/>
-              <a:buSzTx/>
-              <a:tabLst/>
+            <a:pPr marL="800100" lvl="1" indent="-342900">
+              <a:buFont typeface="Arial" panose="020B0604020202020204" pitchFamily="34" charset="0"/>
+              <a:buChar char="•"/>
               <a:defRPr/>
             </a:pPr>
             <a:endParaRPr lang="en-US" dirty="0">
@@ -11525,13 +11142,62 @@
           </a:p>
         </p:txBody>
       </p:sp>
+      <p:pic>
+        <p:nvPicPr>
+          <p:cNvPr id="4" name="Picture 3">
+            <a:extLst>
+              <a:ext uri="{FF2B5EF4-FFF2-40B4-BE49-F238E27FC236}">
+                <a16:creationId xmlns:a16="http://schemas.microsoft.com/office/drawing/2014/main" id="{EF70C92C-0991-4A98-BEA3-1B041C921B8D}"/>
+              </a:ext>
+            </a:extLst>
+          </p:cNvPr>
+          <p:cNvPicPr>
+            <a:picLocks noChangeAspect="1"/>
+          </p:cNvPicPr>
+          <p:nvPr/>
+        </p:nvPicPr>
+        <p:blipFill>
+          <a:blip r:embed="rId4"/>
+          <a:stretch>
+            <a:fillRect/>
+          </a:stretch>
+        </p:blipFill>
+        <p:spPr>
+          <a:xfrm>
+            <a:off x="3597043" y="2362200"/>
+            <a:ext cx="5413087" cy="3733800"/>
+          </a:xfrm>
+          <a:prstGeom prst="rect">
+            <a:avLst/>
+          </a:prstGeom>
+          <a:ln>
+            <a:solidFill>
+              <a:srgbClr val="404040"/>
+            </a:solidFill>
+          </a:ln>
+        </p:spPr>
+        <p:style>
+          <a:lnRef idx="2">
+            <a:schemeClr val="dk1"/>
+          </a:lnRef>
+          <a:fillRef idx="1">
+            <a:schemeClr val="lt1"/>
+          </a:fillRef>
+          <a:effectRef idx="0">
+            <a:schemeClr val="dk1"/>
+          </a:effectRef>
+          <a:fontRef idx="minor">
+            <a:schemeClr val="dk1"/>
+          </a:fontRef>
+        </p:style>
+      </p:pic>
     </p:spTree>
     <p:custDataLst>
       <p:tags r:id="rId1"/>
     </p:custDataLst>
     <p:extLst>
       <p:ext uri="{BB962C8B-B14F-4D97-AF65-F5344CB8AC3E}">
-        <p14:creationId xmlns:p14="http://schemas.microsoft.com/office/powerpoint/2010/main" val="1845913793"/>
+        <p14:creationId xmlns:p14="http://schemas.microsoft.com/office/powerpoint/2010/main" val="2943649875"/>
       </p:ext>
     </p:extLst>
   </p:cSld>
@@ -11703,49 +11369,7 @@
                 <a:ea typeface="+mj-ea"/>
                 <a:cs typeface="+mj-cs"/>
               </a:rPr>
-              <a:t>Part 2:</a:t>
-            </a:r>
-            <a:br>
-              <a:rPr lang="en-US" sz="2400" kern="1200" dirty="0">
-                <a:solidFill>
-                  <a:schemeClr val="bg1"/>
-                </a:solidFill>
-                <a:latin typeface="+mj-lt"/>
-                <a:ea typeface="+mj-ea"/>
-                <a:cs typeface="+mj-cs"/>
-              </a:rPr>
-            </a:br>
-            <a:r>
-              <a:rPr lang="en-US" sz="2400" kern="1200" dirty="0">
-                <a:solidFill>
-                  <a:schemeClr val="bg1"/>
-                </a:solidFill>
-                <a:latin typeface="+mj-lt"/>
-                <a:ea typeface="+mj-ea"/>
-                <a:cs typeface="+mj-cs"/>
-              </a:rPr>
-              <a:t>Inclusion of </a:t>
-            </a:r>
-            <a:br>
-              <a:rPr lang="en-US" sz="2400" kern="1200" dirty="0">
-                <a:solidFill>
-                  <a:schemeClr val="bg1"/>
-                </a:solidFill>
-                <a:latin typeface="+mj-lt"/>
-                <a:ea typeface="+mj-ea"/>
-                <a:cs typeface="+mj-cs"/>
-              </a:rPr>
-            </a:br>
-            <a:r>
-              <a:rPr lang="en-US" sz="2400" kern="1200" dirty="0">
-                <a:solidFill>
-                  <a:schemeClr val="bg1"/>
-                </a:solidFill>
-                <a:latin typeface="+mj-lt"/>
-                <a:ea typeface="+mj-ea"/>
-                <a:cs typeface="+mj-cs"/>
-              </a:rPr>
-              <a:t>Expert Opinion</a:t>
+              <a:t>Level 1: Motivation</a:t>
             </a:r>
           </a:p>
         </p:txBody>
@@ -11782,10 +11406,10 @@
       </p:pic>
       <p:sp>
         <p:nvSpPr>
-          <p:cNvPr id="6" name="TextBox 5">
+          <p:cNvPr id="9" name="TextBox 8">
             <a:extLst>
               <a:ext uri="{FF2B5EF4-FFF2-40B4-BE49-F238E27FC236}">
-                <a16:creationId xmlns:a16="http://schemas.microsoft.com/office/drawing/2014/main" id="{E58EF064-51FF-48A9-8810-E84BE6F6F09D}"/>
+                <a16:creationId xmlns:a16="http://schemas.microsoft.com/office/drawing/2014/main" id="{8739A337-14F8-4CBE-B90D-58B5D835AE8C}"/>
               </a:ext>
             </a:extLst>
           </p:cNvPr>
@@ -11795,7 +11419,7 @@
         <p:spPr>
           <a:xfrm>
             <a:off x="3810000" y="621916"/>
-            <a:ext cx="5273842" cy="5632311"/>
+            <a:ext cx="5330206" cy="5262979"/>
           </a:xfrm>
           <a:prstGeom prst="rect">
             <a:avLst/>
@@ -11826,50 +11450,31 @@
               <a:defRPr/>
             </a:pPr>
             <a:r>
-              <a:rPr kumimoji="0" lang="en-US" sz="2400" b="0" i="0" u="none" strike="noStrike" kern="1200" cap="none" spc="0" normalizeH="0" baseline="0" noProof="0" dirty="0">
-                <a:ln>
-                  <a:noFill/>
-                </a:ln>
-                <a:solidFill>
-                  <a:srgbClr val="404040"/>
-                </a:solidFill>
-                <a:effectLst/>
-                <a:uLnTx/>
-                <a:uFillTx/>
-                <a:latin typeface="Arial" charset="0"/>
-                <a:ea typeface="ＭＳ Ｐゴシック" charset="-128"/>
-              </a:rPr>
-              <a:t>Step </a:t>
-            </a:r>
-            <a:r>
               <a:rPr lang="en-US" dirty="0">
                 <a:solidFill>
                   <a:srgbClr val="404040"/>
                 </a:solidFill>
               </a:rPr>
-              <a:t>1</a:t>
-            </a:r>
-            <a:r>
-              <a:rPr kumimoji="0" lang="en-US" sz="2400" b="0" i="0" u="none" strike="noStrike" kern="1200" cap="none" spc="0" normalizeH="0" baseline="0" noProof="0" dirty="0">
-                <a:ln>
-                  <a:noFill/>
-                </a:ln>
-                <a:solidFill>
-                  <a:srgbClr val="404040"/>
-                </a:solidFill>
-                <a:effectLst/>
-                <a:uLnTx/>
-                <a:uFillTx/>
-                <a:latin typeface="Arial" charset="0"/>
-                <a:ea typeface="ＭＳ Ｐゴシック" charset="-128"/>
-              </a:rPr>
-              <a:t>: Selector Gadget Website</a:t>
-            </a:r>
-          </a:p>
-          <a:p>
-            <a:pPr marL="800100" lvl="1" indent="-342900">
+              <a:t>Survey Results</a:t>
+            </a:r>
+          </a:p>
+          <a:p>
+            <a:pPr marL="342900" marR="0" lvl="0" indent="-342900" algn="l" defTabSz="457200" rtl="0" eaLnBrk="1" fontAlgn="base" latinLnBrk="0" hangingPunct="1">
+              <a:lnSpc>
+                <a:spcPct val="100000"/>
+              </a:lnSpc>
+              <a:spcBef>
+                <a:spcPct val="0"/>
+              </a:spcBef>
+              <a:spcAft>
+                <a:spcPct val="0"/>
+              </a:spcAft>
+              <a:buClrTx/>
+              <a:buSzTx/>
               <a:buFont typeface="Arial" panose="020B0604020202020204" pitchFamily="34" charset="0"/>
               <a:buChar char="•"/>
+              <a:tabLst/>
+              <a:defRPr/>
             </a:pPr>
             <a:endParaRPr lang="en-US" dirty="0">
               <a:solidFill>
@@ -11881,28 +11486,7 @@
             <a:pPr marL="800100" lvl="1" indent="-342900">
               <a:buFont typeface="Arial" panose="020B0604020202020204" pitchFamily="34" charset="0"/>
               <a:buChar char="•"/>
-            </a:pPr>
-            <a:r>
-              <a:rPr kumimoji="0" lang="en-US" b="0" i="0" u="none" strike="noStrike" kern="1200" cap="none" spc="0" normalizeH="0" baseline="0" noProof="0" dirty="0">
-                <a:ln>
-                  <a:noFill/>
-                </a:ln>
-                <a:solidFill>
-                  <a:srgbClr val="404040"/>
-                </a:solidFill>
-                <a:effectLst/>
-                <a:uLnTx/>
-                <a:uFillTx/>
-                <a:latin typeface="Arial" charset="0"/>
-                <a:ea typeface="ＭＳ Ｐゴシック" charset="-128"/>
-              </a:rPr>
-              <a:t>Open Source</a:t>
-            </a:r>
-          </a:p>
-          <a:p>
-            <a:pPr marL="800100" lvl="1" indent="-342900">
-              <a:buFont typeface="Arial" panose="020B0604020202020204" pitchFamily="34" charset="0"/>
-              <a:buChar char="•"/>
+              <a:defRPr/>
             </a:pPr>
             <a:r>
               <a:rPr lang="en-US" dirty="0">
@@ -11910,35 +11494,102 @@
                   <a:srgbClr val="404040"/>
                 </a:solidFill>
               </a:rPr>
-              <a:t>Chrome Extension Exists</a:t>
+              <a:t>How Would You Describe </a:t>
+            </a:r>
+          </a:p>
+          <a:p>
+            <a:pPr lvl="1">
+              <a:defRPr/>
+            </a:pPr>
+            <a:r>
+              <a:rPr lang="en-US" dirty="0">
+                <a:solidFill>
+                  <a:srgbClr val="404040"/>
+                </a:solidFill>
+              </a:rPr>
+              <a:t>    Dr. Mario’s Teaching?</a:t>
+            </a:r>
+          </a:p>
+          <a:p>
+            <a:pPr marL="1257300" lvl="2" indent="-342900">
+              <a:buFont typeface="Arial" panose="020B0604020202020204" pitchFamily="34" charset="0"/>
+              <a:buChar char="•"/>
+              <a:defRPr/>
+            </a:pPr>
+            <a:r>
+              <a:rPr lang="en-US" dirty="0">
+                <a:solidFill>
+                  <a:srgbClr val="404040"/>
+                </a:solidFill>
+              </a:rPr>
+              <a:t>Magical</a:t>
+            </a:r>
+          </a:p>
+          <a:p>
+            <a:pPr marL="1257300" lvl="2" indent="-342900">
+              <a:buFont typeface="Arial" panose="020B0604020202020204" pitchFamily="34" charset="0"/>
+              <a:buChar char="•"/>
+              <a:defRPr/>
+            </a:pPr>
+            <a:r>
+              <a:rPr lang="en-US" dirty="0">
+                <a:solidFill>
+                  <a:srgbClr val="404040"/>
+                </a:solidFill>
+              </a:rPr>
+              <a:t>Alright</a:t>
+            </a:r>
+          </a:p>
+          <a:p>
+            <a:pPr marL="1257300" lvl="2" indent="-342900">
+              <a:buFont typeface="Arial" panose="020B0604020202020204" pitchFamily="34" charset="0"/>
+              <a:buChar char="•"/>
+              <a:defRPr/>
+            </a:pPr>
+            <a:r>
+              <a:rPr lang="en-US" dirty="0">
+                <a:solidFill>
+                  <a:srgbClr val="404040"/>
+                </a:solidFill>
+              </a:rPr>
+              <a:t>Regular</a:t>
+            </a:r>
+          </a:p>
+          <a:p>
+            <a:pPr marL="1257300" lvl="2" indent="-342900">
+              <a:buFont typeface="Arial" panose="020B0604020202020204" pitchFamily="34" charset="0"/>
+              <a:buChar char="•"/>
+              <a:defRPr/>
+            </a:pPr>
+            <a:r>
+              <a:rPr lang="en-US" dirty="0">
+                <a:solidFill>
+                  <a:srgbClr val="404040"/>
+                </a:solidFill>
+              </a:rPr>
+              <a:t>Inferior</a:t>
+            </a:r>
+          </a:p>
+          <a:p>
+            <a:pPr marL="1257300" lvl="2" indent="-342900">
+              <a:buFont typeface="Arial" panose="020B0604020202020204" pitchFamily="34" charset="0"/>
+              <a:buChar char="•"/>
+              <a:defRPr/>
+            </a:pPr>
+            <a:r>
+              <a:rPr lang="en-US" dirty="0">
+                <a:solidFill>
+                  <a:srgbClr val="404040"/>
+                </a:solidFill>
+              </a:rPr>
+              <a:t>Offensive</a:t>
             </a:r>
           </a:p>
           <a:p>
             <a:pPr marL="800100" lvl="1" indent="-342900">
               <a:buFont typeface="Arial" panose="020B0604020202020204" pitchFamily="34" charset="0"/>
               <a:buChar char="•"/>
-            </a:pPr>
-            <a:r>
-              <a:rPr kumimoji="0" lang="en-US" b="0" i="0" u="none" strike="noStrike" kern="1200" cap="none" spc="0" normalizeH="0" baseline="0" noProof="0" dirty="0">
-                <a:ln>
-                  <a:noFill/>
-                </a:ln>
-                <a:solidFill>
-                  <a:srgbClr val="404040"/>
-                </a:solidFill>
-                <a:effectLst/>
-                <a:uLnTx/>
-                <a:uFillTx/>
-                <a:latin typeface="Arial" charset="0"/>
-                <a:ea typeface="ＭＳ Ｐゴシック" charset="-128"/>
-              </a:rPr>
-              <a:t>Easy: Drag Link to Bookmark Bar as Webpage Explains</a:t>
-            </a:r>
-          </a:p>
-          <a:p>
-            <a:pPr marL="800100" lvl="1" indent="-342900">
-              <a:buFont typeface="Arial" panose="020B0604020202020204" pitchFamily="34" charset="0"/>
-              <a:buChar char="•"/>
+              <a:defRPr/>
             </a:pPr>
             <a:endParaRPr lang="en-US" dirty="0">
               <a:solidFill>
@@ -11947,7 +11598,38 @@
             </a:endParaRPr>
           </a:p>
           <a:p>
-            <a:pPr lvl="1"/>
+            <a:pPr marL="800100" lvl="1" indent="-342900">
+              <a:buFont typeface="Arial" panose="020B0604020202020204" pitchFamily="34" charset="0"/>
+              <a:buChar char="•"/>
+              <a:defRPr/>
+            </a:pPr>
+            <a:r>
+              <a:rPr lang="en-US" dirty="0">
+                <a:solidFill>
+                  <a:srgbClr val="404040"/>
+                </a:solidFill>
+              </a:rPr>
+              <a:t>Class of 80 Students Answer End-of-the-Year Survey.</a:t>
+            </a:r>
+          </a:p>
+          <a:p>
+            <a:pPr marL="342900" marR="0" lvl="0" indent="-342900" algn="l" defTabSz="457200" rtl="0" eaLnBrk="1" fontAlgn="base" latinLnBrk="0" hangingPunct="1">
+              <a:lnSpc>
+                <a:spcPct val="100000"/>
+              </a:lnSpc>
+              <a:spcBef>
+                <a:spcPct val="0"/>
+              </a:spcBef>
+              <a:spcAft>
+                <a:spcPct val="0"/>
+              </a:spcAft>
+              <a:buClrTx/>
+              <a:buSzTx/>
+              <a:buFont typeface="Arial" panose="020B0604020202020204" pitchFamily="34" charset="0"/>
+              <a:buChar char="•"/>
+              <a:tabLst/>
+              <a:defRPr/>
+            </a:pPr>
             <a:endParaRPr lang="en-US" dirty="0">
               <a:solidFill>
                 <a:srgbClr val="404040"/>
@@ -11955,164 +11637,16 @@
             </a:endParaRPr>
           </a:p>
           <a:p>
-            <a:pPr lvl="1"/>
+            <a:pPr marL="800100" lvl="1" indent="-342900">
+              <a:buFont typeface="Arial" panose="020B0604020202020204" pitchFamily="34" charset="0"/>
+              <a:buChar char="•"/>
+              <a:defRPr/>
+            </a:pPr>
             <a:endParaRPr lang="en-US" dirty="0">
               <a:solidFill>
                 <a:srgbClr val="404040"/>
               </a:solidFill>
             </a:endParaRPr>
-          </a:p>
-          <a:p>
-            <a:pPr marL="342900" indent="-342900">
-              <a:buFont typeface="Arial" panose="020B0604020202020204" pitchFamily="34" charset="0"/>
-              <a:buChar char="•"/>
-            </a:pPr>
-            <a:r>
-              <a:rPr kumimoji="0" lang="en-US" b="0" i="0" u="none" strike="noStrike" kern="1200" cap="none" spc="0" normalizeH="0" baseline="0" noProof="0" dirty="0">
-                <a:ln>
-                  <a:noFill/>
-                </a:ln>
-                <a:solidFill>
-                  <a:srgbClr val="404040"/>
-                </a:solidFill>
-                <a:effectLst/>
-                <a:uLnTx/>
-                <a:uFillTx/>
-                <a:latin typeface="Arial" charset="0"/>
-                <a:ea typeface="ＭＳ Ｐゴシック" charset="-128"/>
-              </a:rPr>
-              <a:t>Step 2: Observe the Article on 2018’s Safest and Most Dangerous States</a:t>
-            </a:r>
-          </a:p>
-          <a:p>
-            <a:pPr lvl="1"/>
-            <a:endParaRPr lang="en-US" dirty="0">
-              <a:solidFill>
-                <a:srgbClr val="404040"/>
-              </a:solidFill>
-            </a:endParaRPr>
-          </a:p>
-          <a:p>
-            <a:pPr marL="800100" lvl="1" indent="-342900">
-              <a:buFont typeface="Arial" panose="020B0604020202020204" pitchFamily="34" charset="0"/>
-              <a:buChar char="•"/>
-            </a:pPr>
-            <a:r>
-              <a:rPr lang="en-US" dirty="0">
-                <a:solidFill>
-                  <a:srgbClr val="404040"/>
-                </a:solidFill>
-              </a:rPr>
-              <a:t>What info could be of use?</a:t>
-            </a:r>
-          </a:p>
-          <a:p>
-            <a:pPr marL="800100" lvl="1" indent="-342900">
-              <a:buFont typeface="Arial" panose="020B0604020202020204" pitchFamily="34" charset="0"/>
-              <a:buChar char="•"/>
-            </a:pPr>
-            <a:r>
-              <a:rPr lang="en-US" dirty="0">
-                <a:solidFill>
-                  <a:srgbClr val="404040"/>
-                </a:solidFill>
-              </a:rPr>
-              <a:t>Do you agree identification?</a:t>
-            </a:r>
-          </a:p>
-        </p:txBody>
-      </p:sp>
-      <p:pic>
-        <p:nvPicPr>
-          <p:cNvPr id="4" name="Picture 3">
-            <a:extLst>
-              <a:ext uri="{FF2B5EF4-FFF2-40B4-BE49-F238E27FC236}">
-                <a16:creationId xmlns:a16="http://schemas.microsoft.com/office/drawing/2014/main" id="{ACF5A0A5-80E1-4092-8E37-E996A42507E6}"/>
-              </a:ext>
-            </a:extLst>
-          </p:cNvPr>
-          <p:cNvPicPr>
-            <a:picLocks noChangeAspect="1"/>
-          </p:cNvPicPr>
-          <p:nvPr/>
-        </p:nvPicPr>
-        <p:blipFill>
-          <a:blip r:embed="rId4"/>
-          <a:stretch>
-            <a:fillRect/>
-          </a:stretch>
-        </p:blipFill>
-        <p:spPr>
-          <a:xfrm>
-            <a:off x="3625112" y="3036806"/>
-            <a:ext cx="5381625" cy="495300"/>
-          </a:xfrm>
-          <a:prstGeom prst="rect">
-            <a:avLst/>
-          </a:prstGeom>
-          <a:ln>
-            <a:solidFill>
-              <a:srgbClr val="404040"/>
-            </a:solidFill>
-          </a:ln>
-        </p:spPr>
-        <p:style>
-          <a:lnRef idx="2">
-            <a:schemeClr val="dk1"/>
-          </a:lnRef>
-          <a:fillRef idx="1">
-            <a:schemeClr val="lt1"/>
-          </a:fillRef>
-          <a:effectRef idx="0">
-            <a:schemeClr val="dk1"/>
-          </a:effectRef>
-          <a:fontRef idx="minor">
-            <a:schemeClr val="dk1"/>
-          </a:fontRef>
-        </p:style>
-      </p:pic>
-      <p:sp>
-        <p:nvSpPr>
-          <p:cNvPr id="5" name="Oval 4">
-            <a:extLst>
-              <a:ext uri="{FF2B5EF4-FFF2-40B4-BE49-F238E27FC236}">
-                <a16:creationId xmlns:a16="http://schemas.microsoft.com/office/drawing/2014/main" id="{1A90A6D0-6DC3-46CA-A179-A72282BBB8C7}"/>
-              </a:ext>
-            </a:extLst>
-          </p:cNvPr>
-          <p:cNvSpPr/>
-          <p:nvPr/>
-        </p:nvSpPr>
-        <p:spPr>
-          <a:xfrm>
-            <a:off x="7255042" y="2903456"/>
-            <a:ext cx="1828800" cy="762000"/>
-          </a:xfrm>
-          <a:prstGeom prst="ellipse">
-            <a:avLst/>
-          </a:prstGeom>
-          <a:noFill/>
-        </p:spPr>
-        <p:style>
-          <a:lnRef idx="2">
-            <a:schemeClr val="dk1"/>
-          </a:lnRef>
-          <a:fillRef idx="1">
-            <a:schemeClr val="lt1"/>
-          </a:fillRef>
-          <a:effectRef idx="0">
-            <a:schemeClr val="dk1"/>
-          </a:effectRef>
-          <a:fontRef idx="minor">
-            <a:schemeClr val="dk1"/>
-          </a:fontRef>
-        </p:style>
-        <p:txBody>
-          <a:bodyPr rtlCol="0" anchor="ctr"/>
-          <a:lstStyle/>
-          <a:p>
-            <a:pPr algn="ctr"/>
-            <a:endParaRPr lang="en-US"/>
           </a:p>
         </p:txBody>
       </p:sp>
@@ -12122,7 +11656,7 @@
     </p:custDataLst>
     <p:extLst>
       <p:ext uri="{BB962C8B-B14F-4D97-AF65-F5344CB8AC3E}">
-        <p14:creationId xmlns:p14="http://schemas.microsoft.com/office/powerpoint/2010/main" val="224392046"/>
+        <p14:creationId xmlns:p14="http://schemas.microsoft.com/office/powerpoint/2010/main" val="728785634"/>
       </p:ext>
     </p:extLst>
   </p:cSld>
@@ -12286,51 +11820,16 @@
               </a:lnSpc>
             </a:pPr>
             <a:r>
-              <a:rPr lang="en-US" sz="2400" dirty="0">
+              <a:rPr lang="en-US" sz="2400" kern="1200" dirty="0">
                 <a:solidFill>
                   <a:schemeClr val="bg1"/>
                 </a:solidFill>
+                <a:latin typeface="+mj-lt"/>
+                <a:ea typeface="+mj-ea"/>
+                <a:cs typeface="+mj-cs"/>
               </a:rPr>
-              <a:t>Part 2:</a:t>
-            </a:r>
-            <a:br>
-              <a:rPr lang="en-US" sz="2400" dirty="0">
-                <a:solidFill>
-                  <a:schemeClr val="bg1"/>
-                </a:solidFill>
-              </a:rPr>
-            </a:br>
-            <a:r>
-              <a:rPr lang="en-US" sz="2400" dirty="0">
-                <a:solidFill>
-                  <a:schemeClr val="bg1"/>
-                </a:solidFill>
-              </a:rPr>
-              <a:t>Inclusion of </a:t>
-            </a:r>
-            <a:br>
-              <a:rPr lang="en-US" sz="2400" dirty="0">
-                <a:solidFill>
-                  <a:schemeClr val="bg1"/>
-                </a:solidFill>
-              </a:rPr>
-            </a:br>
-            <a:r>
-              <a:rPr lang="en-US" sz="2400" dirty="0">
-                <a:solidFill>
-                  <a:schemeClr val="bg1"/>
-                </a:solidFill>
-              </a:rPr>
-              <a:t>Expert Opinion</a:t>
-            </a:r>
-            <a:endParaRPr lang="en-US" sz="2400" kern="1200" dirty="0">
-              <a:solidFill>
-                <a:schemeClr val="bg1"/>
-              </a:solidFill>
-              <a:latin typeface="+mj-lt"/>
-              <a:ea typeface="+mj-ea"/>
-              <a:cs typeface="+mj-cs"/>
-            </a:endParaRPr>
+              <a:t>Level 1: Motivation</a:t>
+            </a:r>
           </a:p>
         </p:txBody>
       </p:sp>
@@ -12366,10 +11865,10 @@
       </p:pic>
       <p:sp>
         <p:nvSpPr>
-          <p:cNvPr id="6" name="TextBox 5">
+          <p:cNvPr id="9" name="TextBox 8">
             <a:extLst>
               <a:ext uri="{FF2B5EF4-FFF2-40B4-BE49-F238E27FC236}">
-                <a16:creationId xmlns:a16="http://schemas.microsoft.com/office/drawing/2014/main" id="{E58EF064-51FF-48A9-8810-E84BE6F6F09D}"/>
+                <a16:creationId xmlns:a16="http://schemas.microsoft.com/office/drawing/2014/main" id="{8739A337-14F8-4CBE-B90D-58B5D835AE8C}"/>
               </a:ext>
             </a:extLst>
           </p:cNvPr>
@@ -12379,7 +11878,7 @@
         <p:spPr>
           <a:xfrm>
             <a:off x="3810000" y="621916"/>
-            <a:ext cx="5273842" cy="5262979"/>
+            <a:ext cx="5330206" cy="6001643"/>
           </a:xfrm>
           <a:prstGeom prst="rect">
             <a:avLst/>
@@ -12410,38 +11909,16 @@
               <a:defRPr/>
             </a:pPr>
             <a:r>
-              <a:rPr kumimoji="0" lang="en-US" sz="2400" b="0" i="0" u="none" strike="noStrike" kern="1200" cap="none" spc="0" normalizeH="0" baseline="0" noProof="0" dirty="0">
-                <a:ln>
-                  <a:noFill/>
-                </a:ln>
+              <a:rPr lang="en-US" dirty="0">
                 <a:solidFill>
                   <a:srgbClr val="404040"/>
                 </a:solidFill>
-                <a:effectLst/>
-                <a:uLnTx/>
-                <a:uFillTx/>
-                <a:latin typeface="Arial" charset="0"/>
-                <a:ea typeface="ＭＳ Ｐゴシック" charset="-128"/>
               </a:rPr>
-              <a:t>Step 3: Information of Interest</a:t>
-            </a:r>
-          </a:p>
-          <a:p>
-            <a:pPr marL="342900" marR="0" lvl="0" indent="-342900" algn="l" defTabSz="457200" rtl="0" eaLnBrk="1" fontAlgn="base" latinLnBrk="0" hangingPunct="1">
-              <a:lnSpc>
-                <a:spcPct val="100000"/>
-              </a:lnSpc>
-              <a:spcBef>
-                <a:spcPct val="0"/>
-              </a:spcBef>
-              <a:spcAft>
-                <a:spcPct val="0"/>
-              </a:spcAft>
-              <a:buClrTx/>
-              <a:buSzTx/>
-              <a:buFont typeface="Arial" panose="020B0604020202020204" pitchFamily="34" charset="0"/>
-              <a:buChar char="•"/>
-              <a:tabLst/>
+              <a:t>Survey Results (Cont.)</a:t>
+            </a:r>
+          </a:p>
+          <a:p>
+            <a:pPr lvl="1">
               <a:defRPr/>
             </a:pPr>
             <a:endParaRPr lang="en-US" dirty="0">
@@ -12454,6 +11931,7 @@
             <a:pPr marL="800100" lvl="1" indent="-342900">
               <a:buFont typeface="Arial" panose="020B0604020202020204" pitchFamily="34" charset="0"/>
               <a:buChar char="•"/>
+              <a:defRPr/>
             </a:pPr>
             <a:r>
               <a:rPr lang="en-US" dirty="0">
@@ -12461,13 +11939,14 @@
                   <a:srgbClr val="404040"/>
                 </a:solidFill>
               </a:rPr>
-              <a:t>Safe vs Dangerous</a:t>
+              <a:t>Distribution of Results</a:t>
             </a:r>
           </a:p>
           <a:p>
             <a:pPr marL="800100" lvl="1" indent="-342900">
               <a:buFont typeface="Arial" panose="020B0604020202020204" pitchFamily="34" charset="0"/>
               <a:buChar char="•"/>
+              <a:defRPr/>
             </a:pPr>
             <a:endParaRPr lang="en-US" dirty="0">
               <a:solidFill>
@@ -12479,6 +11958,7 @@
             <a:pPr marL="800100" lvl="1" indent="-342900">
               <a:buFont typeface="Arial" panose="020B0604020202020204" pitchFamily="34" charset="0"/>
               <a:buChar char="•"/>
+              <a:defRPr/>
             </a:pPr>
             <a:endParaRPr lang="en-US" dirty="0">
               <a:solidFill>
@@ -12490,6 +11970,7 @@
             <a:pPr marL="800100" lvl="1" indent="-342900">
               <a:buFont typeface="Arial" panose="020B0604020202020204" pitchFamily="34" charset="0"/>
               <a:buChar char="•"/>
+              <a:defRPr/>
             </a:pPr>
             <a:endParaRPr lang="en-US" dirty="0">
               <a:solidFill>
@@ -12501,6 +11982,7 @@
             <a:pPr marL="800100" lvl="1" indent="-342900">
               <a:buFont typeface="Arial" panose="020B0604020202020204" pitchFamily="34" charset="0"/>
               <a:buChar char="•"/>
+              <a:defRPr/>
             </a:pPr>
             <a:endParaRPr lang="en-US" dirty="0">
               <a:solidFill>
@@ -12512,6 +11994,7 @@
             <a:pPr marL="800100" lvl="1" indent="-342900">
               <a:buFont typeface="Arial" panose="020B0604020202020204" pitchFamily="34" charset="0"/>
               <a:buChar char="•"/>
+              <a:defRPr/>
             </a:pPr>
             <a:endParaRPr lang="en-US" dirty="0">
               <a:solidFill>
@@ -12523,6 +12006,7 @@
             <a:pPr marL="800100" lvl="1" indent="-342900">
               <a:buFont typeface="Arial" panose="020B0604020202020204" pitchFamily="34" charset="0"/>
               <a:buChar char="•"/>
+              <a:defRPr/>
             </a:pPr>
             <a:endParaRPr lang="en-US" dirty="0">
               <a:solidFill>
@@ -12534,6 +12018,7 @@
             <a:pPr marL="800100" lvl="1" indent="-342900">
               <a:buFont typeface="Arial" panose="020B0604020202020204" pitchFamily="34" charset="0"/>
               <a:buChar char="•"/>
+              <a:defRPr/>
             </a:pPr>
             <a:endParaRPr lang="en-US" dirty="0">
               <a:solidFill>
@@ -12545,6 +12030,7 @@
             <a:pPr marL="800100" lvl="1" indent="-342900">
               <a:buFont typeface="Arial" panose="020B0604020202020204" pitchFamily="34" charset="0"/>
               <a:buChar char="•"/>
+              <a:defRPr/>
             </a:pPr>
             <a:endParaRPr lang="en-US" dirty="0">
               <a:solidFill>
@@ -12556,6 +12042,43 @@
             <a:pPr marL="800100" lvl="1" indent="-342900">
               <a:buFont typeface="Arial" panose="020B0604020202020204" pitchFamily="34" charset="0"/>
               <a:buChar char="•"/>
+              <a:defRPr/>
+            </a:pPr>
+            <a:endParaRPr lang="en-US" dirty="0">
+              <a:solidFill>
+                <a:srgbClr val="404040"/>
+              </a:solidFill>
+            </a:endParaRPr>
+          </a:p>
+          <a:p>
+            <a:pPr marL="800100" lvl="1" indent="-342900">
+              <a:buFont typeface="Arial" panose="020B0604020202020204" pitchFamily="34" charset="0"/>
+              <a:buChar char="•"/>
+              <a:defRPr/>
+            </a:pPr>
+            <a:endParaRPr lang="en-US" dirty="0">
+              <a:solidFill>
+                <a:srgbClr val="404040"/>
+              </a:solidFill>
+            </a:endParaRPr>
+          </a:p>
+          <a:p>
+            <a:pPr marL="800100" lvl="1" indent="-342900">
+              <a:buFont typeface="Arial" panose="020B0604020202020204" pitchFamily="34" charset="0"/>
+              <a:buChar char="•"/>
+              <a:defRPr/>
+            </a:pPr>
+            <a:endParaRPr lang="en-US" dirty="0">
+              <a:solidFill>
+                <a:srgbClr val="404040"/>
+              </a:solidFill>
+            </a:endParaRPr>
+          </a:p>
+          <a:p>
+            <a:pPr marL="800100" lvl="1" indent="-342900">
+              <a:buFont typeface="Arial" panose="020B0604020202020204" pitchFamily="34" charset="0"/>
+              <a:buChar char="•"/>
+              <a:defRPr/>
             </a:pPr>
             <a:r>
               <a:rPr lang="en-US" dirty="0">
@@ -12563,8 +12086,20 @@
                   <a:srgbClr val="404040"/>
                 </a:solidFill>
               </a:rPr>
-              <a:t>Goal: Scrape this Information into Vectors in R to Create a Table</a:t>
-            </a:r>
+              <a:t>What is Wrong?</a:t>
+            </a:r>
+          </a:p>
+          <a:p>
+            <a:pPr marL="800100" lvl="1" indent="-342900">
+              <a:buFont typeface="Arial" panose="020B0604020202020204" pitchFamily="34" charset="0"/>
+              <a:buChar char="•"/>
+              <a:defRPr/>
+            </a:pPr>
+            <a:endParaRPr lang="en-US" dirty="0">
+              <a:solidFill>
+                <a:srgbClr val="404040"/>
+              </a:solidFill>
+            </a:endParaRPr>
           </a:p>
         </p:txBody>
       </p:sp>
@@ -12573,7 +12108,7 @@
           <p:cNvPr id="3" name="Picture 2">
             <a:extLst>
               <a:ext uri="{FF2B5EF4-FFF2-40B4-BE49-F238E27FC236}">
-                <a16:creationId xmlns:a16="http://schemas.microsoft.com/office/drawing/2014/main" id="{5BD2A8A8-0B17-4AB5-9FFF-5FF1BF3E97B3}"/>
+                <a16:creationId xmlns:a16="http://schemas.microsoft.com/office/drawing/2014/main" id="{DAC8EDB0-3B4E-4AEF-AC81-E31F3F5887FD}"/>
               </a:ext>
             </a:extLst>
           </p:cNvPr>
@@ -12590,57 +12125,8 @@
         </p:blipFill>
         <p:spPr>
           <a:xfrm>
-            <a:off x="4721598" y="1905000"/>
-            <a:ext cx="1657350" cy="2543175"/>
-          </a:xfrm>
-          <a:prstGeom prst="rect">
-            <a:avLst/>
-          </a:prstGeom>
-          <a:ln>
-            <a:solidFill>
-              <a:srgbClr val="404040"/>
-            </a:solidFill>
-          </a:ln>
-        </p:spPr>
-        <p:style>
-          <a:lnRef idx="2">
-            <a:schemeClr val="dk1"/>
-          </a:lnRef>
-          <a:fillRef idx="1">
-            <a:schemeClr val="lt1"/>
-          </a:fillRef>
-          <a:effectRef idx="0">
-            <a:schemeClr val="dk1"/>
-          </a:effectRef>
-          <a:fontRef idx="minor">
-            <a:schemeClr val="dk1"/>
-          </a:fontRef>
-        </p:style>
-      </p:pic>
-      <p:pic>
-        <p:nvPicPr>
-          <p:cNvPr id="7" name="Picture 6">
-            <a:extLst>
-              <a:ext uri="{FF2B5EF4-FFF2-40B4-BE49-F238E27FC236}">
-                <a16:creationId xmlns:a16="http://schemas.microsoft.com/office/drawing/2014/main" id="{7414AB0B-6156-4095-962D-7DCF640711A0}"/>
-              </a:ext>
-            </a:extLst>
-          </p:cNvPr>
-          <p:cNvPicPr>
-            <a:picLocks noChangeAspect="1"/>
-          </p:cNvPicPr>
-          <p:nvPr/>
-        </p:nvPicPr>
-        <p:blipFill>
-          <a:blip r:embed="rId5"/>
-          <a:stretch>
-            <a:fillRect/>
-          </a:stretch>
-        </p:blipFill>
-        <p:spPr>
-          <a:xfrm>
-            <a:off x="6701028" y="1904999"/>
-            <a:ext cx="1571625" cy="2543175"/>
+            <a:off x="3592903" y="1828800"/>
+            <a:ext cx="5474897" cy="3743680"/>
           </a:xfrm>
           <a:prstGeom prst="rect">
             <a:avLst/>
@@ -12672,7 +12158,7 @@
     </p:custDataLst>
     <p:extLst>
       <p:ext uri="{BB962C8B-B14F-4D97-AF65-F5344CB8AC3E}">
-        <p14:creationId xmlns:p14="http://schemas.microsoft.com/office/powerpoint/2010/main" val="3799021533"/>
+        <p14:creationId xmlns:p14="http://schemas.microsoft.com/office/powerpoint/2010/main" val="1537420041"/>
       </p:ext>
     </p:extLst>
   </p:cSld>
@@ -12836,51 +12322,16 @@
               </a:lnSpc>
             </a:pPr>
             <a:r>
-              <a:rPr lang="en-US" sz="2400" dirty="0">
+              <a:rPr lang="en-US" sz="2400" kern="1200" dirty="0">
                 <a:solidFill>
                   <a:schemeClr val="bg1"/>
                 </a:solidFill>
+                <a:latin typeface="+mj-lt"/>
+                <a:ea typeface="+mj-ea"/>
+                <a:cs typeface="+mj-cs"/>
               </a:rPr>
-              <a:t>Part 2:</a:t>
-            </a:r>
-            <a:br>
-              <a:rPr lang="en-US" sz="2400" dirty="0">
-                <a:solidFill>
-                  <a:schemeClr val="bg1"/>
-                </a:solidFill>
-              </a:rPr>
-            </a:br>
-            <a:r>
-              <a:rPr lang="en-US" sz="2400" dirty="0">
-                <a:solidFill>
-                  <a:schemeClr val="bg1"/>
-                </a:solidFill>
-              </a:rPr>
-              <a:t>Inclusion of </a:t>
-            </a:r>
-            <a:br>
-              <a:rPr lang="en-US" sz="2400" dirty="0">
-                <a:solidFill>
-                  <a:schemeClr val="bg1"/>
-                </a:solidFill>
-              </a:rPr>
-            </a:br>
-            <a:r>
-              <a:rPr lang="en-US" sz="2400" dirty="0">
-                <a:solidFill>
-                  <a:schemeClr val="bg1"/>
-                </a:solidFill>
-              </a:rPr>
-              <a:t>Expert Opinion</a:t>
-            </a:r>
-            <a:endParaRPr lang="en-US" sz="2400" kern="1200" dirty="0">
-              <a:solidFill>
-                <a:schemeClr val="bg1"/>
-              </a:solidFill>
-              <a:latin typeface="+mj-lt"/>
-              <a:ea typeface="+mj-ea"/>
-              <a:cs typeface="+mj-cs"/>
-            </a:endParaRPr>
+              <a:t>Level 1: Motivation</a:t>
+            </a:r>
           </a:p>
         </p:txBody>
       </p:sp>
@@ -12916,10 +12367,10 @@
       </p:pic>
       <p:sp>
         <p:nvSpPr>
-          <p:cNvPr id="6" name="TextBox 5">
+          <p:cNvPr id="9" name="TextBox 8">
             <a:extLst>
               <a:ext uri="{FF2B5EF4-FFF2-40B4-BE49-F238E27FC236}">
-                <a16:creationId xmlns:a16="http://schemas.microsoft.com/office/drawing/2014/main" id="{E58EF064-51FF-48A9-8810-E84BE6F6F09D}"/>
+                <a16:creationId xmlns:a16="http://schemas.microsoft.com/office/drawing/2014/main" id="{8739A337-14F8-4CBE-B90D-58B5D835AE8C}"/>
               </a:ext>
             </a:extLst>
           </p:cNvPr>
@@ -12929,7 +12380,7 @@
         <p:spPr>
           <a:xfrm>
             <a:off x="3810000" y="621916"/>
-            <a:ext cx="5273842" cy="4524315"/>
+            <a:ext cx="5330206" cy="6370975"/>
           </a:xfrm>
           <a:prstGeom prst="rect">
             <a:avLst/>
@@ -12960,62 +12411,16 @@
               <a:defRPr/>
             </a:pPr>
             <a:r>
-              <a:rPr kumimoji="0" lang="en-US" sz="2400" b="0" i="0" u="none" strike="noStrike" kern="1200" cap="none" spc="0" normalizeH="0" baseline="0" noProof="0" dirty="0">
-                <a:ln>
-                  <a:noFill/>
-                </a:ln>
-                <a:solidFill>
-                  <a:srgbClr val="404040"/>
-                </a:solidFill>
-                <a:effectLst/>
-                <a:uLnTx/>
-                <a:uFillTx/>
-                <a:latin typeface="Arial" charset="0"/>
-                <a:ea typeface="ＭＳ Ｐゴシック" charset="-128"/>
-              </a:rPr>
-              <a:t>Step </a:t>
-            </a:r>
-            <a:r>
               <a:rPr lang="en-US" dirty="0">
                 <a:solidFill>
                   <a:srgbClr val="404040"/>
                 </a:solidFill>
               </a:rPr>
-              <a:t>4</a:t>
-            </a:r>
-            <a:r>
-              <a:rPr kumimoji="0" lang="en-US" sz="2400" b="0" i="0" u="none" strike="noStrike" kern="1200" cap="none" spc="0" normalizeH="0" baseline="0" noProof="0" dirty="0">
-                <a:ln>
-                  <a:noFill/>
-                </a:ln>
-                <a:solidFill>
-                  <a:srgbClr val="404040"/>
-                </a:solidFill>
-                <a:effectLst/>
-                <a:uLnTx/>
-                <a:uFillTx/>
-                <a:latin typeface="Arial" charset="0"/>
-                <a:ea typeface="ＭＳ Ｐゴシック" charset="-128"/>
-              </a:rPr>
-              <a:t>: Identifying CSS Selector</a:t>
-            </a:r>
-          </a:p>
-          <a:p>
-            <a:pPr marL="342900" marR="0" lvl="0" indent="-342900" algn="l" defTabSz="457200" rtl="0" eaLnBrk="1" fontAlgn="base" latinLnBrk="0" hangingPunct="1">
-              <a:lnSpc>
-                <a:spcPct val="100000"/>
-              </a:lnSpc>
-              <a:spcBef>
-                <a:spcPct val="0"/>
-              </a:spcBef>
-              <a:spcAft>
-                <a:spcPct val="0"/>
-              </a:spcAft>
-              <a:buClrTx/>
-              <a:buSzTx/>
-              <a:buFont typeface="Arial" panose="020B0604020202020204" pitchFamily="34" charset="0"/>
-              <a:buChar char="•"/>
-              <a:tabLst/>
+              <a:t>Survey Results (Cont.)</a:t>
+            </a:r>
+          </a:p>
+          <a:p>
+            <a:pPr lvl="1">
               <a:defRPr/>
             </a:pPr>
             <a:endParaRPr lang="en-US" dirty="0">
@@ -13028,6 +12433,7 @@
             <a:pPr marL="800100" lvl="1" indent="-342900">
               <a:buFont typeface="Arial" panose="020B0604020202020204" pitchFamily="34" charset="0"/>
               <a:buChar char="•"/>
+              <a:defRPr/>
             </a:pPr>
             <a:r>
               <a:rPr lang="en-US" dirty="0">
@@ -13035,48 +12441,14 @@
                   <a:srgbClr val="404040"/>
                 </a:solidFill>
               </a:rPr>
-              <a:t>Go to Web Page</a:t>
-            </a:r>
-            <a:r>
-              <a:rPr kumimoji="0" lang="en-US" b="0" i="0" u="none" strike="noStrike" kern="1200" cap="none" spc="0" normalizeH="0" baseline="0" noProof="0" dirty="0">
-                <a:ln>
-                  <a:noFill/>
-                </a:ln>
-                <a:solidFill>
-                  <a:srgbClr val="404040"/>
-                </a:solidFill>
-                <a:effectLst/>
-                <a:uLnTx/>
-                <a:uFillTx/>
-                <a:latin typeface="Arial" charset="0"/>
-                <a:ea typeface="ＭＳ Ｐゴシック" charset="-128"/>
-              </a:rPr>
-              <a:t> </a:t>
+              <a:t>Misspelling “Offensive” is Offensive</a:t>
             </a:r>
           </a:p>
           <a:p>
             <a:pPr marL="800100" lvl="1" indent="-342900">
               <a:buFont typeface="Arial" panose="020B0604020202020204" pitchFamily="34" charset="0"/>
               <a:buChar char="•"/>
-            </a:pPr>
-            <a:endParaRPr kumimoji="0" lang="en-US" b="0" i="0" u="none" strike="noStrike" kern="1200" cap="none" spc="0" normalizeH="0" baseline="0" noProof="0" dirty="0">
-              <a:ln>
-                <a:noFill/>
-              </a:ln>
-              <a:solidFill>
-                <a:srgbClr val="404040"/>
-              </a:solidFill>
-              <a:effectLst/>
-              <a:uLnTx/>
-              <a:uFillTx/>
-              <a:latin typeface="Arial" charset="0"/>
-              <a:ea typeface="ＭＳ Ｐゴシック" charset="-128"/>
-            </a:endParaRPr>
-          </a:p>
-          <a:p>
-            <a:pPr marL="800100" lvl="1" indent="-342900">
-              <a:buFont typeface="Arial" panose="020B0604020202020204" pitchFamily="34" charset="0"/>
-              <a:buChar char="•"/>
+              <a:defRPr/>
             </a:pPr>
             <a:endParaRPr lang="en-US" dirty="0">
               <a:solidFill>
@@ -13088,6 +12460,7 @@
             <a:pPr marL="800100" lvl="1" indent="-342900">
               <a:buFont typeface="Arial" panose="020B0604020202020204" pitchFamily="34" charset="0"/>
               <a:buChar char="•"/>
+              <a:defRPr/>
             </a:pPr>
             <a:r>
               <a:rPr lang="en-US" dirty="0">
@@ -13095,29 +12468,14 @@
                   <a:srgbClr val="404040"/>
                 </a:solidFill>
               </a:rPr>
-              <a:t>Choose </a:t>
-            </a:r>
-            <a:r>
-              <a:rPr lang="en-US" dirty="0" err="1">
-                <a:solidFill>
-                  <a:srgbClr val="404040"/>
-                </a:solidFill>
-              </a:rPr>
-              <a:t>SelectorGadget</a:t>
-            </a:r>
-            <a:r>
-              <a:rPr lang="en-US" dirty="0">
-                <a:solidFill>
-                  <a:srgbClr val="404040"/>
-                </a:solidFill>
-              </a:rPr>
-              <a:t> in Bookmark Tab</a:t>
+              <a:t>Ordinal Categorical Variable</a:t>
             </a:r>
           </a:p>
           <a:p>
             <a:pPr marL="800100" lvl="1" indent="-342900">
               <a:buFont typeface="Arial" panose="020B0604020202020204" pitchFamily="34" charset="0"/>
               <a:buChar char="•"/>
+              <a:defRPr/>
             </a:pPr>
             <a:endParaRPr lang="en-US" dirty="0">
               <a:solidFill>
@@ -13129,6 +12487,7 @@
             <a:pPr marL="800100" lvl="1" indent="-342900">
               <a:buFont typeface="Arial" panose="020B0604020202020204" pitchFamily="34" charset="0"/>
               <a:buChar char="•"/>
+              <a:defRPr/>
             </a:pPr>
             <a:endParaRPr lang="en-US" dirty="0">
               <a:solidFill>
@@ -13140,20 +12499,7 @@
             <a:pPr marL="800100" lvl="1" indent="-342900">
               <a:buFont typeface="Arial" panose="020B0604020202020204" pitchFamily="34" charset="0"/>
               <a:buChar char="•"/>
-            </a:pPr>
-            <a:r>
-              <a:rPr lang="en-US" dirty="0">
-                <a:solidFill>
-                  <a:srgbClr val="404040"/>
-                </a:solidFill>
-              </a:rPr>
-              <a:t>Locate This Box</a:t>
-            </a:r>
-          </a:p>
-          <a:p>
-            <a:pPr marL="800100" lvl="1" indent="-342900">
-              <a:buFont typeface="Arial" panose="020B0604020202020204" pitchFamily="34" charset="0"/>
-              <a:buChar char="•"/>
+              <a:defRPr/>
             </a:pPr>
             <a:endParaRPr lang="en-US" dirty="0">
               <a:solidFill>
@@ -13165,6 +12511,7 @@
             <a:pPr marL="800100" lvl="1" indent="-342900">
               <a:buFont typeface="Arial" panose="020B0604020202020204" pitchFamily="34" charset="0"/>
               <a:buChar char="•"/>
+              <a:defRPr/>
             </a:pPr>
             <a:endParaRPr lang="en-US" dirty="0">
               <a:solidFill>
@@ -13172,6 +12519,90 @@
               </a:solidFill>
             </a:endParaRPr>
           </a:p>
+          <a:p>
+            <a:pPr marL="800100" lvl="1" indent="-342900">
+              <a:buFont typeface="Arial" panose="020B0604020202020204" pitchFamily="34" charset="0"/>
+              <a:buChar char="•"/>
+              <a:defRPr/>
+            </a:pPr>
+            <a:endParaRPr lang="en-US" dirty="0">
+              <a:solidFill>
+                <a:srgbClr val="404040"/>
+              </a:solidFill>
+            </a:endParaRPr>
+          </a:p>
+          <a:p>
+            <a:pPr marL="800100" lvl="1" indent="-342900">
+              <a:buFont typeface="Arial" panose="020B0604020202020204" pitchFamily="34" charset="0"/>
+              <a:buChar char="•"/>
+              <a:defRPr/>
+            </a:pPr>
+            <a:endParaRPr lang="en-US" dirty="0">
+              <a:solidFill>
+                <a:srgbClr val="404040"/>
+              </a:solidFill>
+            </a:endParaRPr>
+          </a:p>
+          <a:p>
+            <a:pPr marL="800100" lvl="1" indent="-342900">
+              <a:buFont typeface="Arial" panose="020B0604020202020204" pitchFamily="34" charset="0"/>
+              <a:buChar char="•"/>
+              <a:defRPr/>
+            </a:pPr>
+            <a:endParaRPr lang="en-US" dirty="0">
+              <a:solidFill>
+                <a:srgbClr val="404040"/>
+              </a:solidFill>
+            </a:endParaRPr>
+          </a:p>
+          <a:p>
+            <a:pPr marL="800100" lvl="1" indent="-342900">
+              <a:buFont typeface="Arial" panose="020B0604020202020204" pitchFamily="34" charset="0"/>
+              <a:buChar char="•"/>
+              <a:defRPr/>
+            </a:pPr>
+            <a:endParaRPr lang="en-US" dirty="0">
+              <a:solidFill>
+                <a:srgbClr val="404040"/>
+              </a:solidFill>
+            </a:endParaRPr>
+          </a:p>
+          <a:p>
+            <a:pPr marL="800100" lvl="1" indent="-342900">
+              <a:buFont typeface="Arial" panose="020B0604020202020204" pitchFamily="34" charset="0"/>
+              <a:buChar char="•"/>
+              <a:defRPr/>
+            </a:pPr>
+            <a:endParaRPr lang="en-US" dirty="0">
+              <a:solidFill>
+                <a:srgbClr val="404040"/>
+              </a:solidFill>
+            </a:endParaRPr>
+          </a:p>
+          <a:p>
+            <a:pPr marL="800100" lvl="1" indent="-342900">
+              <a:buFont typeface="Arial" panose="020B0604020202020204" pitchFamily="34" charset="0"/>
+              <a:buChar char="•"/>
+              <a:defRPr/>
+            </a:pPr>
+            <a:endParaRPr lang="en-US" dirty="0">
+              <a:solidFill>
+                <a:srgbClr val="404040"/>
+              </a:solidFill>
+            </a:endParaRPr>
+          </a:p>
+          <a:p>
+            <a:pPr marL="800100" lvl="1" indent="-342900">
+              <a:buFont typeface="Arial" panose="020B0604020202020204" pitchFamily="34" charset="0"/>
+              <a:buChar char="•"/>
+              <a:defRPr/>
+            </a:pPr>
+            <a:endParaRPr lang="en-US" dirty="0">
+              <a:solidFill>
+                <a:srgbClr val="404040"/>
+              </a:solidFill>
+            </a:endParaRPr>
+          </a:p>
         </p:txBody>
       </p:sp>
       <p:pic>
@@ -13179,7 +12610,7 @@
           <p:cNvPr id="4" name="Picture 3">
             <a:extLst>
               <a:ext uri="{FF2B5EF4-FFF2-40B4-BE49-F238E27FC236}">
-                <a16:creationId xmlns:a16="http://schemas.microsoft.com/office/drawing/2014/main" id="{CAE97E30-086D-46F9-8209-1F346D25C360}"/>
+                <a16:creationId xmlns:a16="http://schemas.microsoft.com/office/drawing/2014/main" id="{7A808AF0-F2D0-404B-A1B0-5F4BEE7AE7C6}"/>
               </a:ext>
             </a:extLst>
           </p:cNvPr>
@@ -13196,8 +12627,8 @@
         </p:blipFill>
         <p:spPr>
           <a:xfrm>
-            <a:off x="3894221" y="1792705"/>
-            <a:ext cx="5105400" cy="250499"/>
+            <a:off x="3581400" y="2971800"/>
+            <a:ext cx="5486400" cy="3814714"/>
           </a:xfrm>
           <a:prstGeom prst="rect">
             <a:avLst/>
@@ -13223,205 +12654,13 @@
           </a:fontRef>
         </p:style>
       </p:pic>
-      <p:pic>
-        <p:nvPicPr>
-          <p:cNvPr id="5" name="Picture 4">
-            <a:extLst>
-              <a:ext uri="{FF2B5EF4-FFF2-40B4-BE49-F238E27FC236}">
-                <a16:creationId xmlns:a16="http://schemas.microsoft.com/office/drawing/2014/main" id="{2DAFF964-2FC7-4349-87EE-D022C4C49B96}"/>
-              </a:ext>
-            </a:extLst>
-          </p:cNvPr>
-          <p:cNvPicPr>
-            <a:picLocks noChangeAspect="1"/>
-          </p:cNvPicPr>
-          <p:nvPr/>
-        </p:nvPicPr>
-        <p:blipFill>
-          <a:blip r:embed="rId5"/>
-          <a:stretch>
-            <a:fillRect/>
-          </a:stretch>
-        </p:blipFill>
-        <p:spPr>
-          <a:xfrm>
-            <a:off x="3874168" y="3235067"/>
-            <a:ext cx="5105400" cy="380865"/>
-          </a:xfrm>
-          <a:prstGeom prst="rect">
-            <a:avLst/>
-          </a:prstGeom>
-          <a:ln>
-            <a:solidFill>
-              <a:srgbClr val="404040"/>
-            </a:solidFill>
-          </a:ln>
-        </p:spPr>
-        <p:style>
-          <a:lnRef idx="2">
-            <a:schemeClr val="dk1"/>
-          </a:lnRef>
-          <a:fillRef idx="1">
-            <a:schemeClr val="lt1"/>
-          </a:fillRef>
-          <a:effectRef idx="0">
-            <a:schemeClr val="dk1"/>
-          </a:effectRef>
-          <a:fontRef idx="minor">
-            <a:schemeClr val="dk1"/>
-          </a:fontRef>
-        </p:style>
-      </p:pic>
-      <p:cxnSp>
-        <p:nvCxnSpPr>
-          <p:cNvPr id="10" name="Straight Arrow Connector 9">
-            <a:extLst>
-              <a:ext uri="{FF2B5EF4-FFF2-40B4-BE49-F238E27FC236}">
-                <a16:creationId xmlns:a16="http://schemas.microsoft.com/office/drawing/2014/main" id="{ECEA8A92-7E7A-4509-A033-2F48B34B1736}"/>
-              </a:ext>
-            </a:extLst>
-          </p:cNvPr>
-          <p:cNvCxnSpPr/>
-          <p:nvPr/>
-        </p:nvCxnSpPr>
-        <p:spPr>
-          <a:xfrm>
-            <a:off x="7391400" y="2514600"/>
-            <a:ext cx="533400" cy="457200"/>
-          </a:xfrm>
-          <a:prstGeom prst="straightConnector1">
-            <a:avLst/>
-          </a:prstGeom>
-          <a:ln>
-            <a:solidFill>
-              <a:srgbClr val="404040"/>
-            </a:solidFill>
-            <a:tailEnd type="triangle"/>
-          </a:ln>
-        </p:spPr>
-        <p:style>
-          <a:lnRef idx="2">
-            <a:schemeClr val="accent1"/>
-          </a:lnRef>
-          <a:fillRef idx="0">
-            <a:schemeClr val="accent1"/>
-          </a:fillRef>
-          <a:effectRef idx="1">
-            <a:schemeClr val="accent1"/>
-          </a:effectRef>
-          <a:fontRef idx="minor">
-            <a:schemeClr val="tx1"/>
-          </a:fontRef>
-        </p:style>
-      </p:cxnSp>
-      <p:pic>
-        <p:nvPicPr>
-          <p:cNvPr id="11" name="Picture 10">
-            <a:extLst>
-              <a:ext uri="{FF2B5EF4-FFF2-40B4-BE49-F238E27FC236}">
-                <a16:creationId xmlns:a16="http://schemas.microsoft.com/office/drawing/2014/main" id="{9DF26DDA-C541-49CA-8E86-925173F760A0}"/>
-              </a:ext>
-            </a:extLst>
-          </p:cNvPr>
-          <p:cNvPicPr>
-            <a:picLocks noChangeAspect="1"/>
-          </p:cNvPicPr>
-          <p:nvPr/>
-        </p:nvPicPr>
-        <p:blipFill>
-          <a:blip r:embed="rId6"/>
-          <a:stretch>
-            <a:fillRect/>
-          </a:stretch>
-        </p:blipFill>
-        <p:spPr>
-          <a:xfrm>
-            <a:off x="3862137" y="4525047"/>
-            <a:ext cx="5169568" cy="363294"/>
-          </a:xfrm>
-          <a:prstGeom prst="rect">
-            <a:avLst/>
-          </a:prstGeom>
-          <a:ln>
-            <a:solidFill>
-              <a:srgbClr val="404040"/>
-            </a:solidFill>
-          </a:ln>
-        </p:spPr>
-        <p:style>
-          <a:lnRef idx="2">
-            <a:schemeClr val="dk1"/>
-          </a:lnRef>
-          <a:fillRef idx="1">
-            <a:schemeClr val="lt1"/>
-          </a:fillRef>
-          <a:effectRef idx="0">
-            <a:schemeClr val="dk1"/>
-          </a:effectRef>
-          <a:fontRef idx="minor">
-            <a:schemeClr val="dk1"/>
-          </a:fontRef>
-        </p:style>
-      </p:pic>
-      <p:sp>
-        <p:nvSpPr>
-          <p:cNvPr id="12" name="Arrow: Bent-Up 11">
-            <a:extLst>
-              <a:ext uri="{FF2B5EF4-FFF2-40B4-BE49-F238E27FC236}">
-                <a16:creationId xmlns:a16="http://schemas.microsoft.com/office/drawing/2014/main" id="{11FB9CC1-8B44-4464-BE5D-F90D8FA81ADE}"/>
-              </a:ext>
-            </a:extLst>
-          </p:cNvPr>
-          <p:cNvSpPr/>
-          <p:nvPr/>
-        </p:nvSpPr>
-        <p:spPr>
-          <a:xfrm flipV="1">
-            <a:off x="6934200" y="4127722"/>
-            <a:ext cx="533400" cy="291878"/>
-          </a:xfrm>
-          <a:prstGeom prst="bentUpArrow">
-            <a:avLst/>
-          </a:prstGeom>
-          <a:solidFill>
-            <a:srgbClr val="404040"/>
-          </a:solidFill>
-          <a:ln>
-            <a:solidFill>
-              <a:srgbClr val="404040"/>
-            </a:solidFill>
-          </a:ln>
-        </p:spPr>
-        <p:style>
-          <a:lnRef idx="2">
-            <a:schemeClr val="dk1"/>
-          </a:lnRef>
-          <a:fillRef idx="1">
-            <a:schemeClr val="lt1"/>
-          </a:fillRef>
-          <a:effectRef idx="0">
-            <a:schemeClr val="dk1"/>
-          </a:effectRef>
-          <a:fontRef idx="minor">
-            <a:schemeClr val="dk1"/>
-          </a:fontRef>
-        </p:style>
-        <p:txBody>
-          <a:bodyPr rtlCol="0" anchor="ctr"/>
-          <a:lstStyle/>
-          <a:p>
-            <a:pPr algn="ctr"/>
-            <a:endParaRPr lang="en-US"/>
-          </a:p>
-        </p:txBody>
-      </p:sp>
     </p:spTree>
     <p:custDataLst>
       <p:tags r:id="rId1"/>
     </p:custDataLst>
     <p:extLst>
       <p:ext uri="{BB962C8B-B14F-4D97-AF65-F5344CB8AC3E}">
-        <p14:creationId xmlns:p14="http://schemas.microsoft.com/office/powerpoint/2010/main" val="486652674"/>
+        <p14:creationId xmlns:p14="http://schemas.microsoft.com/office/powerpoint/2010/main" val="2173059552"/>
       </p:ext>
     </p:extLst>
   </p:cSld>
@@ -13458,139 +12697,6 @@
           <a:chExt cx="0" cy="0"/>
         </a:xfrm>
       </p:grpSpPr>
-      <p:pic>
-        <p:nvPicPr>
-          <p:cNvPr id="16" name="Picture 15">
-            <a:extLst>
-              <a:ext uri="{FF2B5EF4-FFF2-40B4-BE49-F238E27FC236}">
-                <a16:creationId xmlns:a16="http://schemas.microsoft.com/office/drawing/2014/main" id="{89E62DC3-5571-4046-830D-BE4BD0AF325F}"/>
-              </a:ext>
-            </a:extLst>
-          </p:cNvPr>
-          <p:cNvPicPr>
-            <a:picLocks noChangeAspect="1"/>
-          </p:cNvPicPr>
-          <p:nvPr/>
-        </p:nvPicPr>
-        <p:blipFill>
-          <a:blip r:embed="rId3"/>
-          <a:stretch>
-            <a:fillRect/>
-          </a:stretch>
-        </p:blipFill>
-        <p:spPr>
-          <a:xfrm>
-            <a:off x="6857999" y="3657600"/>
-            <a:ext cx="2166679" cy="3138219"/>
-          </a:xfrm>
-          <a:prstGeom prst="rect">
-            <a:avLst/>
-          </a:prstGeom>
-          <a:ln>
-            <a:solidFill>
-              <a:srgbClr val="404040"/>
-            </a:solidFill>
-          </a:ln>
-        </p:spPr>
-        <p:style>
-          <a:lnRef idx="2">
-            <a:schemeClr val="dk1"/>
-          </a:lnRef>
-          <a:fillRef idx="1">
-            <a:schemeClr val="lt1"/>
-          </a:fillRef>
-          <a:effectRef idx="0">
-            <a:schemeClr val="dk1"/>
-          </a:effectRef>
-          <a:fontRef idx="minor">
-            <a:schemeClr val="dk1"/>
-          </a:fontRef>
-        </p:style>
-      </p:pic>
-      <p:cxnSp>
-        <p:nvCxnSpPr>
-          <p:cNvPr id="20" name="Straight Arrow Connector 19">
-            <a:extLst>
-              <a:ext uri="{FF2B5EF4-FFF2-40B4-BE49-F238E27FC236}">
-                <a16:creationId xmlns:a16="http://schemas.microsoft.com/office/drawing/2014/main" id="{11C076A9-70B3-44A7-AE77-3352B487BCD8}"/>
-              </a:ext>
-            </a:extLst>
-          </p:cNvPr>
-          <p:cNvCxnSpPr/>
-          <p:nvPr/>
-        </p:nvCxnSpPr>
-        <p:spPr>
-          <a:xfrm flipV="1">
-            <a:off x="6324599" y="4426892"/>
-            <a:ext cx="1219201" cy="900933"/>
-          </a:xfrm>
-          <a:prstGeom prst="straightConnector1">
-            <a:avLst/>
-          </a:prstGeom>
-          <a:ln>
-            <a:solidFill>
-              <a:srgbClr val="404040"/>
-            </a:solidFill>
-            <a:tailEnd type="triangle"/>
-          </a:ln>
-        </p:spPr>
-        <p:style>
-          <a:lnRef idx="2">
-            <a:schemeClr val="accent1"/>
-          </a:lnRef>
-          <a:fillRef idx="0">
-            <a:schemeClr val="accent1"/>
-          </a:fillRef>
-          <a:effectRef idx="1">
-            <a:schemeClr val="accent1"/>
-          </a:effectRef>
-          <a:fontRef idx="minor">
-            <a:schemeClr val="tx1"/>
-          </a:fontRef>
-        </p:style>
-      </p:cxnSp>
-      <p:cxnSp>
-        <p:nvCxnSpPr>
-          <p:cNvPr id="18" name="Straight Arrow Connector 17">
-            <a:extLst>
-              <a:ext uri="{FF2B5EF4-FFF2-40B4-BE49-F238E27FC236}">
-                <a16:creationId xmlns:a16="http://schemas.microsoft.com/office/drawing/2014/main" id="{84B8B026-07C0-4175-AB1C-86322D310C38}"/>
-              </a:ext>
-            </a:extLst>
-          </p:cNvPr>
-          <p:cNvCxnSpPr/>
-          <p:nvPr/>
-        </p:nvCxnSpPr>
-        <p:spPr>
-          <a:xfrm flipV="1">
-            <a:off x="6248400" y="3962400"/>
-            <a:ext cx="990600" cy="1264309"/>
-          </a:xfrm>
-          <a:prstGeom prst="straightConnector1">
-            <a:avLst/>
-          </a:prstGeom>
-          <a:ln>
-            <a:solidFill>
-              <a:srgbClr val="404040"/>
-            </a:solidFill>
-            <a:tailEnd type="triangle"/>
-          </a:ln>
-        </p:spPr>
-        <p:style>
-          <a:lnRef idx="2">
-            <a:schemeClr val="accent1"/>
-          </a:lnRef>
-          <a:fillRef idx="0">
-            <a:schemeClr val="accent1"/>
-          </a:fillRef>
-          <a:effectRef idx="1">
-            <a:schemeClr val="accent1"/>
-          </a:effectRef>
-          <a:fontRef idx="minor">
-            <a:schemeClr val="tx1"/>
-          </a:fontRef>
-        </p:style>
-      </p:cxnSp>
       <p:sp>
         <p:nvSpPr>
           <p:cNvPr id="15" name="Rectangle 12">
@@ -13718,51 +12824,16 @@
               </a:lnSpc>
             </a:pPr>
             <a:r>
-              <a:rPr lang="en-US" sz="2400" dirty="0">
+              <a:rPr lang="en-US" sz="2400" kern="1200" dirty="0">
                 <a:solidFill>
                   <a:schemeClr val="bg1"/>
                 </a:solidFill>
+                <a:latin typeface="+mj-lt"/>
+                <a:ea typeface="+mj-ea"/>
+                <a:cs typeface="+mj-cs"/>
               </a:rPr>
-              <a:t>Part 2:</a:t>
-            </a:r>
-            <a:br>
-              <a:rPr lang="en-US" sz="2400" dirty="0">
-                <a:solidFill>
-                  <a:schemeClr val="bg1"/>
-                </a:solidFill>
-              </a:rPr>
-            </a:br>
-            <a:r>
-              <a:rPr lang="en-US" sz="2400" dirty="0">
-                <a:solidFill>
-                  <a:schemeClr val="bg1"/>
-                </a:solidFill>
-              </a:rPr>
-              <a:t>Inclusion of </a:t>
-            </a:r>
-            <a:br>
-              <a:rPr lang="en-US" sz="2400" dirty="0">
-                <a:solidFill>
-                  <a:schemeClr val="bg1"/>
-                </a:solidFill>
-              </a:rPr>
-            </a:br>
-            <a:r>
-              <a:rPr lang="en-US" sz="2400" dirty="0">
-                <a:solidFill>
-                  <a:schemeClr val="bg1"/>
-                </a:solidFill>
-              </a:rPr>
-              <a:t>Expert Opinion</a:t>
-            </a:r>
-            <a:endParaRPr lang="en-US" sz="2400" kern="1200" dirty="0">
-              <a:solidFill>
-                <a:schemeClr val="bg1"/>
-              </a:solidFill>
-              <a:latin typeface="+mj-lt"/>
-              <a:ea typeface="+mj-ea"/>
-              <a:cs typeface="+mj-cs"/>
-            </a:endParaRPr>
+              <a:t>Level 1: Motivation</a:t>
+            </a:r>
           </a:p>
         </p:txBody>
       </p:sp>
@@ -13781,7 +12852,7 @@
           <p:nvPr/>
         </p:nvPicPr>
         <p:blipFill rotWithShape="1">
-          <a:blip r:embed="rId4"/>
+          <a:blip r:embed="rId3"/>
           <a:srcRect l="8000" r="9400"/>
           <a:stretch/>
         </p:blipFill>
@@ -13798,10 +12869,10 @@
       </p:pic>
       <p:sp>
         <p:nvSpPr>
-          <p:cNvPr id="6" name="TextBox 5">
+          <p:cNvPr id="9" name="TextBox 8">
             <a:extLst>
               <a:ext uri="{FF2B5EF4-FFF2-40B4-BE49-F238E27FC236}">
-                <a16:creationId xmlns:a16="http://schemas.microsoft.com/office/drawing/2014/main" id="{E58EF064-51FF-48A9-8810-E84BE6F6F09D}"/>
+                <a16:creationId xmlns:a16="http://schemas.microsoft.com/office/drawing/2014/main" id="{8739A337-14F8-4CBE-B90D-58B5D835AE8C}"/>
               </a:ext>
             </a:extLst>
           </p:cNvPr>
@@ -13811,7 +12882,7 @@
         <p:spPr>
           <a:xfrm>
             <a:off x="3810000" y="621916"/>
-            <a:ext cx="5273842" cy="6001643"/>
+            <a:ext cx="5330206" cy="6740307"/>
           </a:xfrm>
           <a:prstGeom prst="rect">
             <a:avLst/>
@@ -13842,62 +12913,16 @@
               <a:defRPr/>
             </a:pPr>
             <a:r>
-              <a:rPr kumimoji="0" lang="en-US" sz="2400" b="0" i="0" u="none" strike="noStrike" kern="1200" cap="none" spc="0" normalizeH="0" baseline="0" noProof="0" dirty="0">
-                <a:ln>
-                  <a:noFill/>
-                </a:ln>
-                <a:solidFill>
-                  <a:srgbClr val="404040"/>
-                </a:solidFill>
-                <a:effectLst/>
-                <a:uLnTx/>
-                <a:uFillTx/>
-                <a:latin typeface="Arial" charset="0"/>
-                <a:ea typeface="ＭＳ Ｐゴシック" charset="-128"/>
-              </a:rPr>
-              <a:t>Step </a:t>
-            </a:r>
-            <a:r>
               <a:rPr lang="en-US" dirty="0">
                 <a:solidFill>
                   <a:srgbClr val="404040"/>
                 </a:solidFill>
               </a:rPr>
-              <a:t>4</a:t>
-            </a:r>
-            <a:r>
-              <a:rPr kumimoji="0" lang="en-US" sz="2400" b="0" i="0" u="none" strike="noStrike" kern="1200" cap="none" spc="0" normalizeH="0" baseline="0" noProof="0" dirty="0">
-                <a:ln>
-                  <a:noFill/>
-                </a:ln>
-                <a:solidFill>
-                  <a:srgbClr val="404040"/>
-                </a:solidFill>
-                <a:effectLst/>
-                <a:uLnTx/>
-                <a:uFillTx/>
-                <a:latin typeface="Arial" charset="0"/>
-                <a:ea typeface="ＭＳ Ｐゴシック" charset="-128"/>
-              </a:rPr>
-              <a:t>: Continued</a:t>
-            </a:r>
-          </a:p>
-          <a:p>
-            <a:pPr marL="342900" marR="0" lvl="0" indent="-342900" algn="l" defTabSz="457200" rtl="0" eaLnBrk="1" fontAlgn="base" latinLnBrk="0" hangingPunct="1">
-              <a:lnSpc>
-                <a:spcPct val="100000"/>
-              </a:lnSpc>
-              <a:spcBef>
-                <a:spcPct val="0"/>
-              </a:spcBef>
-              <a:spcAft>
-                <a:spcPct val="0"/>
-              </a:spcAft>
-              <a:buClrTx/>
-              <a:buSzTx/>
-              <a:buFont typeface="Arial" panose="020B0604020202020204" pitchFamily="34" charset="0"/>
-              <a:buChar char="•"/>
-              <a:tabLst/>
+              <a:t>Urbanicity</a:t>
+            </a:r>
+          </a:p>
+          <a:p>
+            <a:pPr lvl="1">
               <a:defRPr/>
             </a:pPr>
             <a:endParaRPr lang="en-US" dirty="0">
@@ -13910,6 +12935,7 @@
             <a:pPr marL="800100" lvl="1" indent="-342900">
               <a:buFont typeface="Arial" panose="020B0604020202020204" pitchFamily="34" charset="0"/>
               <a:buChar char="•"/>
+              <a:defRPr/>
             </a:pPr>
             <a:r>
               <a:rPr lang="en-US" dirty="0">
@@ -13917,13 +12943,12 @@
                   <a:srgbClr val="404040"/>
                 </a:solidFill>
               </a:rPr>
-              <a:t>Find Content You Want</a:t>
-            </a:r>
-          </a:p>
-          <a:p>
-            <a:pPr marL="800100" lvl="1" indent="-342900">
-              <a:buFont typeface="Arial" panose="020B0604020202020204" pitchFamily="34" charset="0"/>
-              <a:buChar char="•"/>
+              <a:t>Classification {1,2,3,4}</a:t>
+            </a:r>
+          </a:p>
+          <a:p>
+            <a:pPr lvl="1">
+              <a:defRPr/>
             </a:pPr>
             <a:endParaRPr lang="en-US" dirty="0">
               <a:solidFill>
@@ -13935,6 +12960,22 @@
             <a:pPr marL="800100" lvl="1" indent="-342900">
               <a:buFont typeface="Arial" panose="020B0604020202020204" pitchFamily="34" charset="0"/>
               <a:buChar char="•"/>
+              <a:defRPr/>
+            </a:pPr>
+            <a:r>
+              <a:rPr lang="en-US" dirty="0">
+                <a:solidFill>
+                  <a:srgbClr val="404040"/>
+                </a:solidFill>
+              </a:rPr>
+              <a:t>Sample 1000 Households and Record Their Urbanicity</a:t>
+            </a:r>
+          </a:p>
+          <a:p>
+            <a:pPr marL="800100" lvl="1" indent="-342900">
+              <a:buFont typeface="Arial" panose="020B0604020202020204" pitchFamily="34" charset="0"/>
+              <a:buChar char="•"/>
+              <a:defRPr/>
             </a:pPr>
             <a:endParaRPr lang="en-US" dirty="0">
               <a:solidFill>
@@ -13946,6 +12987,7 @@
             <a:pPr marL="800100" lvl="1" indent="-342900">
               <a:buFont typeface="Arial" panose="020B0604020202020204" pitchFamily="34" charset="0"/>
               <a:buChar char="•"/>
+              <a:defRPr/>
             </a:pPr>
             <a:endParaRPr lang="en-US" dirty="0">
               <a:solidFill>
@@ -13957,6 +12999,7 @@
             <a:pPr marL="800100" lvl="1" indent="-342900">
               <a:buFont typeface="Arial" panose="020B0604020202020204" pitchFamily="34" charset="0"/>
               <a:buChar char="•"/>
+              <a:defRPr/>
             </a:pPr>
             <a:endParaRPr lang="en-US" dirty="0">
               <a:solidFill>
@@ -13968,6 +13011,7 @@
             <a:pPr marL="800100" lvl="1" indent="-342900">
               <a:buFont typeface="Arial" panose="020B0604020202020204" pitchFamily="34" charset="0"/>
               <a:buChar char="•"/>
+              <a:defRPr/>
             </a:pPr>
             <a:endParaRPr lang="en-US" dirty="0">
               <a:solidFill>
@@ -13979,6 +13023,79 @@
             <a:pPr marL="800100" lvl="1" indent="-342900">
               <a:buFont typeface="Arial" panose="020B0604020202020204" pitchFamily="34" charset="0"/>
               <a:buChar char="•"/>
+              <a:defRPr/>
+            </a:pPr>
+            <a:endParaRPr lang="en-US" dirty="0">
+              <a:solidFill>
+                <a:srgbClr val="404040"/>
+              </a:solidFill>
+            </a:endParaRPr>
+          </a:p>
+          <a:p>
+            <a:pPr marL="800100" lvl="1" indent="-342900">
+              <a:buFont typeface="Arial" panose="020B0604020202020204" pitchFamily="34" charset="0"/>
+              <a:buChar char="•"/>
+              <a:defRPr/>
+            </a:pPr>
+            <a:endParaRPr lang="en-US" dirty="0">
+              <a:solidFill>
+                <a:srgbClr val="404040"/>
+              </a:solidFill>
+            </a:endParaRPr>
+          </a:p>
+          <a:p>
+            <a:pPr marL="800100" lvl="1" indent="-342900">
+              <a:buFont typeface="Arial" panose="020B0604020202020204" pitchFamily="34" charset="0"/>
+              <a:buChar char="•"/>
+              <a:defRPr/>
+            </a:pPr>
+            <a:endParaRPr lang="en-US" dirty="0">
+              <a:solidFill>
+                <a:srgbClr val="404040"/>
+              </a:solidFill>
+            </a:endParaRPr>
+          </a:p>
+          <a:p>
+            <a:pPr marL="800100" lvl="1" indent="-342900">
+              <a:buFont typeface="Arial" panose="020B0604020202020204" pitchFamily="34" charset="0"/>
+              <a:buChar char="•"/>
+              <a:defRPr/>
+            </a:pPr>
+            <a:endParaRPr lang="en-US" dirty="0">
+              <a:solidFill>
+                <a:srgbClr val="404040"/>
+              </a:solidFill>
+            </a:endParaRPr>
+          </a:p>
+          <a:p>
+            <a:pPr marL="800100" lvl="1" indent="-342900">
+              <a:buFont typeface="Arial" panose="020B0604020202020204" pitchFamily="34" charset="0"/>
+              <a:buChar char="•"/>
+              <a:defRPr/>
+            </a:pPr>
+            <a:endParaRPr lang="en-US" dirty="0">
+              <a:solidFill>
+                <a:srgbClr val="404040"/>
+              </a:solidFill>
+            </a:endParaRPr>
+          </a:p>
+          <a:p>
+            <a:pPr marL="800100" lvl="1" indent="-342900">
+              <a:buFont typeface="Arial" panose="020B0604020202020204" pitchFamily="34" charset="0"/>
+              <a:buChar char="•"/>
+              <a:defRPr/>
+            </a:pPr>
+            <a:endParaRPr lang="en-US" sz="1400" dirty="0">
+              <a:solidFill>
+                <a:srgbClr val="404040"/>
+              </a:solidFill>
+            </a:endParaRPr>
+          </a:p>
+          <a:p>
+            <a:pPr marL="800100" lvl="1" indent="-342900">
+              <a:buFont typeface="Arial" panose="020B0604020202020204" pitchFamily="34" charset="0"/>
+              <a:buChar char="•"/>
+              <a:defRPr/>
             </a:pPr>
             <a:r>
               <a:rPr lang="en-US" dirty="0">
@@ -13986,24 +13103,14 @@
                   <a:srgbClr val="404040"/>
                 </a:solidFill>
               </a:rPr>
-              <a:t>Point and Click </a:t>
-            </a:r>
-          </a:p>
-          <a:p>
-            <a:pPr lvl="1"/>
-            <a:r>
-              <a:rPr lang="en-US" dirty="0">
-                <a:solidFill>
-                  <a:srgbClr val="404040"/>
-                </a:solidFill>
-              </a:rPr>
-              <a:t>    to Select Info</a:t>
+              <a:t>What Would Make this Better?</a:t>
             </a:r>
           </a:p>
           <a:p>
             <a:pPr marL="800100" lvl="1" indent="-342900">
               <a:buFont typeface="Arial" panose="020B0604020202020204" pitchFamily="34" charset="0"/>
               <a:buChar char="•"/>
+              <a:defRPr/>
             </a:pPr>
             <a:endParaRPr lang="en-US" dirty="0">
               <a:solidFill>
@@ -14011,75 +13118,14 @@
               </a:solidFill>
             </a:endParaRPr>
           </a:p>
-          <a:p>
-            <a:pPr marL="800100" lvl="1" indent="-342900">
-              <a:buFont typeface="Arial" panose="020B0604020202020204" pitchFamily="34" charset="0"/>
-              <a:buChar char="•"/>
-            </a:pPr>
-            <a:r>
-              <a:rPr lang="en-US" dirty="0">
-                <a:solidFill>
-                  <a:srgbClr val="404040"/>
-                </a:solidFill>
-              </a:rPr>
-              <a:t>Info We Want is</a:t>
-            </a:r>
-          </a:p>
-          <a:p>
-            <a:pPr lvl="1"/>
-            <a:r>
-              <a:rPr lang="en-US" dirty="0">
-                <a:solidFill>
-                  <a:srgbClr val="404040"/>
-                </a:solidFill>
-              </a:rPr>
-              <a:t>    Highlighted</a:t>
-            </a:r>
-          </a:p>
-          <a:p>
-            <a:pPr marL="800100" lvl="1" indent="-342900">
-              <a:buFont typeface="Arial" panose="020B0604020202020204" pitchFamily="34" charset="0"/>
-              <a:buChar char="•"/>
-            </a:pPr>
-            <a:endParaRPr lang="en-US" dirty="0">
-              <a:solidFill>
-                <a:srgbClr val="404040"/>
-              </a:solidFill>
-            </a:endParaRPr>
-          </a:p>
-          <a:p>
-            <a:pPr marL="800100" lvl="1" indent="-342900">
-              <a:buFont typeface="Arial" panose="020B0604020202020204" pitchFamily="34" charset="0"/>
-              <a:buChar char="•"/>
-            </a:pPr>
-            <a:r>
-              <a:rPr lang="en-US" dirty="0">
-                <a:solidFill>
-                  <a:srgbClr val="404040"/>
-                </a:solidFill>
-              </a:rPr>
-              <a:t>Info We Don’t </a:t>
-            </a:r>
-          </a:p>
-          <a:p>
-            <a:pPr lvl="1"/>
-            <a:r>
-              <a:rPr lang="en-US" dirty="0">
-                <a:solidFill>
-                  <a:srgbClr val="404040"/>
-                </a:solidFill>
-              </a:rPr>
-              <a:t>    Want, As Well</a:t>
-            </a:r>
-          </a:p>
         </p:txBody>
       </p:sp>
       <p:pic>
         <p:nvPicPr>
-          <p:cNvPr id="9" name="Picture 8">
+          <p:cNvPr id="4" name="Picture 3">
             <a:extLst>
               <a:ext uri="{FF2B5EF4-FFF2-40B4-BE49-F238E27FC236}">
-                <a16:creationId xmlns:a16="http://schemas.microsoft.com/office/drawing/2014/main" id="{21BED908-A51A-465B-81C4-C7F72E7296D1}"/>
+                <a16:creationId xmlns:a16="http://schemas.microsoft.com/office/drawing/2014/main" id="{06950A2D-05F9-417C-9933-F69FA61E7C9E}"/>
               </a:ext>
             </a:extLst>
           </p:cNvPr>
@@ -14089,15 +13135,15 @@
           <p:nvPr/>
         </p:nvPicPr>
         <p:blipFill>
-          <a:blip r:embed="rId5"/>
+          <a:blip r:embed="rId4"/>
           <a:stretch>
             <a:fillRect/>
           </a:stretch>
         </p:blipFill>
         <p:spPr>
           <a:xfrm>
-            <a:off x="3733800" y="1819275"/>
-            <a:ext cx="5290879" cy="1609725"/>
+            <a:off x="3886200" y="2895600"/>
+            <a:ext cx="4989203" cy="3395672"/>
           </a:xfrm>
           <a:prstGeom prst="rect">
             <a:avLst/>
@@ -14123,209 +13169,13 @@
           </a:fontRef>
         </p:style>
       </p:pic>
-      <p:sp>
-        <p:nvSpPr>
-          <p:cNvPr id="13" name="TextBox 12">
-            <a:extLst>
-              <a:ext uri="{FF2B5EF4-FFF2-40B4-BE49-F238E27FC236}">
-                <a16:creationId xmlns:a16="http://schemas.microsoft.com/office/drawing/2014/main" id="{AE337DC7-093D-4CE6-87C1-98AA12F555F1}"/>
-              </a:ext>
-            </a:extLst>
-          </p:cNvPr>
-          <p:cNvSpPr txBox="1"/>
-          <p:nvPr/>
-        </p:nvSpPr>
-        <p:spPr>
-          <a:xfrm>
-            <a:off x="5334000" y="2817167"/>
-            <a:ext cx="3581400" cy="461665"/>
-          </a:xfrm>
-          <a:prstGeom prst="rect">
-            <a:avLst/>
-          </a:prstGeom>
-          <a:solidFill>
-            <a:schemeClr val="bg1">
-              <a:lumMod val="85000"/>
-            </a:schemeClr>
-          </a:solidFill>
-          <a:ln/>
-        </p:spPr>
-        <p:style>
-          <a:lnRef idx="2">
-            <a:schemeClr val="dk1"/>
-          </a:lnRef>
-          <a:fillRef idx="1">
-            <a:schemeClr val="lt1"/>
-          </a:fillRef>
-          <a:effectRef idx="0">
-            <a:schemeClr val="dk1"/>
-          </a:effectRef>
-          <a:fontRef idx="minor">
-            <a:schemeClr val="dk1"/>
-          </a:fontRef>
-        </p:style>
-        <p:txBody>
-          <a:bodyPr wrap="square" rtlCol="0">
-            <a:spAutoFit/>
-          </a:bodyPr>
-          <a:lstStyle/>
-          <a:p>
-            <a:r>
-              <a:rPr lang="en-US" dirty="0"/>
-              <a:t>Hover Over Text We Want</a:t>
-            </a:r>
-          </a:p>
-        </p:txBody>
-      </p:sp>
-      <p:sp>
-        <p:nvSpPr>
-          <p:cNvPr id="14" name="Arrow: Up 13">
-            <a:extLst>
-              <a:ext uri="{FF2B5EF4-FFF2-40B4-BE49-F238E27FC236}">
-                <a16:creationId xmlns:a16="http://schemas.microsoft.com/office/drawing/2014/main" id="{A81B775D-C3A7-437B-A12B-14DBDB4B5FFC}"/>
-              </a:ext>
-            </a:extLst>
-          </p:cNvPr>
-          <p:cNvSpPr/>
-          <p:nvPr/>
-        </p:nvSpPr>
-        <p:spPr>
-          <a:xfrm>
-            <a:off x="5867400" y="2191576"/>
-            <a:ext cx="304800" cy="618712"/>
-          </a:xfrm>
-          <a:prstGeom prst="upArrow">
-            <a:avLst/>
-          </a:prstGeom>
-          <a:solidFill>
-            <a:srgbClr val="404040"/>
-          </a:solidFill>
-          <a:ln>
-            <a:solidFill>
-              <a:srgbClr val="404040"/>
-            </a:solidFill>
-          </a:ln>
-        </p:spPr>
-        <p:style>
-          <a:lnRef idx="2">
-            <a:schemeClr val="dk1"/>
-          </a:lnRef>
-          <a:fillRef idx="1">
-            <a:schemeClr val="lt1"/>
-          </a:fillRef>
-          <a:effectRef idx="0">
-            <a:schemeClr val="dk1"/>
-          </a:effectRef>
-          <a:fontRef idx="minor">
-            <a:schemeClr val="dk1"/>
-          </a:fontRef>
-        </p:style>
-        <p:txBody>
-          <a:bodyPr rtlCol="0" anchor="ctr"/>
-          <a:lstStyle/>
-          <a:p>
-            <a:pPr algn="ctr"/>
-            <a:endParaRPr lang="en-US">
-              <a:ln>
-                <a:solidFill>
-                  <a:srgbClr val="404040"/>
-                </a:solidFill>
-              </a:ln>
-            </a:endParaRPr>
-          </a:p>
-        </p:txBody>
-      </p:sp>
-      <p:cxnSp>
-        <p:nvCxnSpPr>
-          <p:cNvPr id="22" name="Straight Arrow Connector 21">
-            <a:extLst>
-              <a:ext uri="{FF2B5EF4-FFF2-40B4-BE49-F238E27FC236}">
-                <a16:creationId xmlns:a16="http://schemas.microsoft.com/office/drawing/2014/main" id="{B38E5478-124A-4F59-82E2-DCF2920E385F}"/>
-              </a:ext>
-            </a:extLst>
-          </p:cNvPr>
-          <p:cNvCxnSpPr/>
-          <p:nvPr/>
-        </p:nvCxnSpPr>
-        <p:spPr>
-          <a:xfrm>
-            <a:off x="6629400" y="6324600"/>
-            <a:ext cx="914400" cy="381000"/>
-          </a:xfrm>
-          <a:prstGeom prst="straightConnector1">
-            <a:avLst/>
-          </a:prstGeom>
-          <a:ln>
-            <a:solidFill>
-              <a:srgbClr val="404040"/>
-            </a:solidFill>
-            <a:tailEnd type="triangle"/>
-          </a:ln>
-        </p:spPr>
-        <p:style>
-          <a:lnRef idx="2">
-            <a:schemeClr val="accent1"/>
-          </a:lnRef>
-          <a:fillRef idx="0">
-            <a:schemeClr val="accent1"/>
-          </a:fillRef>
-          <a:effectRef idx="1">
-            <a:schemeClr val="accent1"/>
-          </a:effectRef>
-          <a:fontRef idx="minor">
-            <a:schemeClr val="tx1"/>
-          </a:fontRef>
-        </p:style>
-      </p:cxnSp>
-      <p:cxnSp>
-        <p:nvCxnSpPr>
-          <p:cNvPr id="24" name="Straight Arrow Connector 23">
-            <a:extLst>
-              <a:ext uri="{FF2B5EF4-FFF2-40B4-BE49-F238E27FC236}">
-                <a16:creationId xmlns:a16="http://schemas.microsoft.com/office/drawing/2014/main" id="{9675DFEC-7648-4468-8FD3-3236F0F178FC}"/>
-              </a:ext>
-            </a:extLst>
-          </p:cNvPr>
-          <p:cNvCxnSpPr/>
-          <p:nvPr/>
-        </p:nvCxnSpPr>
-        <p:spPr>
-          <a:xfrm flipV="1">
-            <a:off x="6705600" y="5943600"/>
-            <a:ext cx="1828800" cy="52401"/>
-          </a:xfrm>
-          <a:prstGeom prst="straightConnector1">
-            <a:avLst/>
-          </a:prstGeom>
-          <a:ln>
-            <a:solidFill>
-              <a:srgbClr val="404040"/>
-            </a:solidFill>
-            <a:tailEnd type="triangle"/>
-          </a:ln>
-        </p:spPr>
-        <p:style>
-          <a:lnRef idx="2">
-            <a:schemeClr val="accent1"/>
-          </a:lnRef>
-          <a:fillRef idx="0">
-            <a:schemeClr val="accent1"/>
-          </a:fillRef>
-          <a:effectRef idx="1">
-            <a:schemeClr val="accent1"/>
-          </a:effectRef>
-          <a:fontRef idx="minor">
-            <a:schemeClr val="tx1"/>
-          </a:fontRef>
-        </p:style>
-      </p:cxnSp>
     </p:spTree>
     <p:custDataLst>
       <p:tags r:id="rId1"/>
     </p:custDataLst>
     <p:extLst>
       <p:ext uri="{BB962C8B-B14F-4D97-AF65-F5344CB8AC3E}">
-        <p14:creationId xmlns:p14="http://schemas.microsoft.com/office/powerpoint/2010/main" val="2868836385"/>
+        <p14:creationId xmlns:p14="http://schemas.microsoft.com/office/powerpoint/2010/main" val="352391886"/>
       </p:ext>
     </p:extLst>
   </p:cSld>
@@ -14489,51 +13339,16 @@
               </a:lnSpc>
             </a:pPr>
             <a:r>
-              <a:rPr lang="en-US" sz="2400" dirty="0">
+              <a:rPr lang="en-US" sz="2400" kern="1200" dirty="0">
                 <a:solidFill>
                   <a:schemeClr val="bg1"/>
                 </a:solidFill>
+                <a:latin typeface="+mj-lt"/>
+                <a:ea typeface="+mj-ea"/>
+                <a:cs typeface="+mj-cs"/>
               </a:rPr>
-              <a:t>Part 2:</a:t>
-            </a:r>
-            <a:br>
-              <a:rPr lang="en-US" sz="2400" dirty="0">
-                <a:solidFill>
-                  <a:schemeClr val="bg1"/>
-                </a:solidFill>
-              </a:rPr>
-            </a:br>
-            <a:r>
-              <a:rPr lang="en-US" sz="2400" dirty="0">
-                <a:solidFill>
-                  <a:schemeClr val="bg1"/>
-                </a:solidFill>
-              </a:rPr>
-              <a:t>Inclusion of </a:t>
-            </a:r>
-            <a:br>
-              <a:rPr lang="en-US" sz="2400" dirty="0">
-                <a:solidFill>
-                  <a:schemeClr val="bg1"/>
-                </a:solidFill>
-              </a:rPr>
-            </a:br>
-            <a:r>
-              <a:rPr lang="en-US" sz="2400" dirty="0">
-                <a:solidFill>
-                  <a:schemeClr val="bg1"/>
-                </a:solidFill>
-              </a:rPr>
-              <a:t>Expert Opinion</a:t>
-            </a:r>
-            <a:endParaRPr lang="en-US" sz="2400" kern="1200" dirty="0">
-              <a:solidFill>
-                <a:schemeClr val="bg1"/>
-              </a:solidFill>
-              <a:latin typeface="+mj-lt"/>
-              <a:ea typeface="+mj-ea"/>
-              <a:cs typeface="+mj-cs"/>
-            </a:endParaRPr>
+              <a:t>Level 1: Motivation</a:t>
+            </a:r>
           </a:p>
         </p:txBody>
       </p:sp>
@@ -14569,10 +13384,10 @@
       </p:pic>
       <p:sp>
         <p:nvSpPr>
-          <p:cNvPr id="6" name="TextBox 5">
+          <p:cNvPr id="9" name="TextBox 8">
             <a:extLst>
               <a:ext uri="{FF2B5EF4-FFF2-40B4-BE49-F238E27FC236}">
-                <a16:creationId xmlns:a16="http://schemas.microsoft.com/office/drawing/2014/main" id="{E58EF064-51FF-48A9-8810-E84BE6F6F09D}"/>
+                <a16:creationId xmlns:a16="http://schemas.microsoft.com/office/drawing/2014/main" id="{8739A337-14F8-4CBE-B90D-58B5D835AE8C}"/>
               </a:ext>
             </a:extLst>
           </p:cNvPr>
@@ -14582,7 +13397,7 @@
         <p:spPr>
           <a:xfrm>
             <a:off x="3810000" y="621916"/>
-            <a:ext cx="5273842" cy="4893647"/>
+            <a:ext cx="5330206" cy="2554545"/>
           </a:xfrm>
           <a:prstGeom prst="rect">
             <a:avLst/>
@@ -14613,65 +13428,19 @@
               <a:defRPr/>
             </a:pPr>
             <a:r>
-              <a:rPr kumimoji="0" lang="en-US" sz="2400" b="0" i="0" u="none" strike="noStrike" kern="1200" cap="none" spc="0" normalizeH="0" baseline="0" noProof="0" dirty="0">
-                <a:ln>
-                  <a:noFill/>
-                </a:ln>
-                <a:solidFill>
-                  <a:srgbClr val="404040"/>
-                </a:solidFill>
-                <a:effectLst/>
-                <a:uLnTx/>
-                <a:uFillTx/>
-                <a:latin typeface="Arial" charset="0"/>
-                <a:ea typeface="ＭＳ Ｐゴシック" charset="-128"/>
-              </a:rPr>
-              <a:t>Step </a:t>
-            </a:r>
-            <a:r>
               <a:rPr lang="en-US" dirty="0">
                 <a:solidFill>
                   <a:srgbClr val="404040"/>
                 </a:solidFill>
               </a:rPr>
-              <a:t>4</a:t>
-            </a:r>
-            <a:r>
-              <a:rPr kumimoji="0" lang="en-US" sz="2400" b="0" i="0" u="none" strike="noStrike" kern="1200" cap="none" spc="0" normalizeH="0" baseline="0" noProof="0" dirty="0">
-                <a:ln>
-                  <a:noFill/>
-                </a:ln>
-                <a:solidFill>
-                  <a:srgbClr val="404040"/>
-                </a:solidFill>
-                <a:effectLst/>
-                <a:uLnTx/>
-                <a:uFillTx/>
-                <a:latin typeface="Arial" charset="0"/>
-                <a:ea typeface="ＭＳ Ｐゴシック" charset="-128"/>
-              </a:rPr>
-              <a:t>: Continued</a:t>
-            </a:r>
-          </a:p>
-          <a:p>
-            <a:pPr marL="342900" marR="0" lvl="0" indent="-342900" algn="l" defTabSz="457200" rtl="0" eaLnBrk="1" fontAlgn="base" latinLnBrk="0" hangingPunct="1">
-              <a:lnSpc>
-                <a:spcPct val="100000"/>
-              </a:lnSpc>
-              <a:spcBef>
-                <a:spcPct val="0"/>
-              </a:spcBef>
-              <a:spcAft>
-                <a:spcPct val="0"/>
-              </a:spcAft>
-              <a:buClrTx/>
-              <a:buSzTx/>
-              <a:buFont typeface="Arial" panose="020B0604020202020204" pitchFamily="34" charset="0"/>
-              <a:buChar char="•"/>
-              <a:tabLst/>
-              <a:defRPr/>
-            </a:pPr>
-            <a:endParaRPr lang="en-US" dirty="0">
+              <a:t>Urbanicity</a:t>
+            </a:r>
+          </a:p>
+          <a:p>
+            <a:pPr lvl="1">
+              <a:defRPr/>
+            </a:pPr>
+            <a:endParaRPr lang="en-US" sz="1600" dirty="0">
               <a:solidFill>
                 <a:srgbClr val="404040"/>
               </a:solidFill>
@@ -14681,6 +13450,7 @@
             <a:pPr marL="800100" lvl="1" indent="-342900">
               <a:buFont typeface="Arial" panose="020B0604020202020204" pitchFamily="34" charset="0"/>
               <a:buChar char="•"/>
+              <a:defRPr/>
             </a:pPr>
             <a:r>
               <a:rPr lang="en-US" dirty="0">
@@ -14688,79 +13458,14 @@
                   <a:srgbClr val="404040"/>
                 </a:solidFill>
               </a:rPr>
-              <a:t>Find Content You Don’t Want</a:t>
-            </a:r>
-          </a:p>
-          <a:p>
-            <a:pPr marL="800100" lvl="1" indent="-342900">
+              <a:t>Data Dictionary</a:t>
+            </a:r>
+          </a:p>
+          <a:p>
+            <a:pPr marL="1257300" lvl="2" indent="-342900">
               <a:buFont typeface="Arial" panose="020B0604020202020204" pitchFamily="34" charset="0"/>
               <a:buChar char="•"/>
-            </a:pPr>
-            <a:endParaRPr lang="en-US" dirty="0">
-              <a:solidFill>
-                <a:srgbClr val="404040"/>
-              </a:solidFill>
-            </a:endParaRPr>
-          </a:p>
-          <a:p>
-            <a:pPr marL="800100" lvl="1" indent="-342900">
-              <a:buFont typeface="Arial" panose="020B0604020202020204" pitchFamily="34" charset="0"/>
-              <a:buChar char="•"/>
-            </a:pPr>
-            <a:endParaRPr lang="en-US" dirty="0">
-              <a:solidFill>
-                <a:srgbClr val="404040"/>
-              </a:solidFill>
-            </a:endParaRPr>
-          </a:p>
-          <a:p>
-            <a:pPr marL="800100" lvl="1" indent="-342900">
-              <a:buFont typeface="Arial" panose="020B0604020202020204" pitchFamily="34" charset="0"/>
-              <a:buChar char="•"/>
-            </a:pPr>
-            <a:endParaRPr lang="en-US" dirty="0">
-              <a:solidFill>
-                <a:srgbClr val="404040"/>
-              </a:solidFill>
-            </a:endParaRPr>
-          </a:p>
-          <a:p>
-            <a:pPr marL="800100" lvl="1" indent="-342900">
-              <a:buFont typeface="Arial" panose="020B0604020202020204" pitchFamily="34" charset="0"/>
-              <a:buChar char="•"/>
-            </a:pPr>
-            <a:endParaRPr lang="en-US" dirty="0">
-              <a:solidFill>
-                <a:srgbClr val="404040"/>
-              </a:solidFill>
-            </a:endParaRPr>
-          </a:p>
-          <a:p>
-            <a:pPr marL="800100" lvl="1" indent="-342900">
-              <a:buFont typeface="Arial" panose="020B0604020202020204" pitchFamily="34" charset="0"/>
-              <a:buChar char="•"/>
-            </a:pPr>
-            <a:endParaRPr lang="en-US" dirty="0">
-              <a:solidFill>
-                <a:srgbClr val="404040"/>
-              </a:solidFill>
-            </a:endParaRPr>
-          </a:p>
-          <a:p>
-            <a:pPr marL="800100" lvl="1" indent="-342900">
-              <a:buFont typeface="Arial" panose="020B0604020202020204" pitchFamily="34" charset="0"/>
-              <a:buChar char="•"/>
-            </a:pPr>
-            <a:endParaRPr lang="en-US" dirty="0">
-              <a:solidFill>
-                <a:srgbClr val="404040"/>
-              </a:solidFill>
-            </a:endParaRPr>
-          </a:p>
-          <a:p>
-            <a:pPr marL="800100" lvl="1" indent="-342900">
-              <a:buFont typeface="Arial" panose="020B0604020202020204" pitchFamily="34" charset="0"/>
-              <a:buChar char="•"/>
+              <a:defRPr/>
             </a:pPr>
             <a:r>
               <a:rPr lang="en-US" dirty="0">
@@ -14768,32 +13473,29 @@
                   <a:srgbClr val="404040"/>
                 </a:solidFill>
               </a:rPr>
-              <a:t>Point and Click </a:t>
-            </a:r>
-          </a:p>
-          <a:p>
-            <a:pPr lvl="1"/>
+              <a:t>1  = Metropolitan</a:t>
+            </a:r>
+          </a:p>
+          <a:p>
+            <a:pPr marL="1257300" lvl="2" indent="-342900">
+              <a:buFont typeface="Arial" panose="020B0604020202020204" pitchFamily="34" charset="0"/>
+              <a:buChar char="•"/>
+              <a:defRPr/>
+            </a:pPr>
             <a:r>
               <a:rPr lang="en-US" dirty="0">
                 <a:solidFill>
                   <a:srgbClr val="404040"/>
                 </a:solidFill>
               </a:rPr>
-              <a:t>    to Deselect</a:t>
-            </a:r>
-          </a:p>
-          <a:p>
-            <a:pPr lvl="1"/>
-            <a:endParaRPr lang="en-US" dirty="0">
-              <a:solidFill>
-                <a:srgbClr val="404040"/>
-              </a:solidFill>
-            </a:endParaRPr>
-          </a:p>
-          <a:p>
-            <a:pPr marL="800100" lvl="1" indent="-342900">
+              <a:t>2  = Burbs</a:t>
+            </a:r>
+          </a:p>
+          <a:p>
+            <a:pPr marL="1257300" lvl="2" indent="-342900">
               <a:buFont typeface="Arial" panose="020B0604020202020204" pitchFamily="34" charset="0"/>
               <a:buChar char="•"/>
+              <a:defRPr/>
             </a:pPr>
             <a:r>
               <a:rPr lang="en-US" dirty="0">
@@ -14801,17 +13503,32 @@
                   <a:srgbClr val="404040"/>
                 </a:solidFill>
               </a:rPr>
-              <a:t>Locate This Box</a:t>
+              <a:t>3  = Rural</a:t>
+            </a:r>
+          </a:p>
+          <a:p>
+            <a:pPr marL="1257300" lvl="2" indent="-342900">
+              <a:buFont typeface="Arial" panose="020B0604020202020204" pitchFamily="34" charset="0"/>
+              <a:buChar char="•"/>
+              <a:defRPr/>
+            </a:pPr>
+            <a:r>
+              <a:rPr lang="en-US" dirty="0">
+                <a:solidFill>
+                  <a:srgbClr val="404040"/>
+                </a:solidFill>
+              </a:rPr>
+              <a:t>4  = Isolated</a:t>
             </a:r>
           </a:p>
         </p:txBody>
       </p:sp>
       <p:pic>
         <p:nvPicPr>
-          <p:cNvPr id="4" name="Picture 3">
+          <p:cNvPr id="5" name="Picture 4">
             <a:extLst>
               <a:ext uri="{FF2B5EF4-FFF2-40B4-BE49-F238E27FC236}">
-                <a16:creationId xmlns:a16="http://schemas.microsoft.com/office/drawing/2014/main" id="{F1D67117-E66C-43BC-903B-4B982E9C93A5}"/>
+                <a16:creationId xmlns:a16="http://schemas.microsoft.com/office/drawing/2014/main" id="{E317E03A-7F7E-4673-AC9D-4402C37CF5A4}"/>
               </a:ext>
             </a:extLst>
           </p:cNvPr>
@@ -14828,8 +13545,8 @@
         </p:blipFill>
         <p:spPr>
           <a:xfrm>
-            <a:off x="4393812" y="1818234"/>
-            <a:ext cx="4247535" cy="1828800"/>
+            <a:off x="3657600" y="3202838"/>
+            <a:ext cx="5330206" cy="3596655"/>
           </a:xfrm>
           <a:prstGeom prst="rect">
             <a:avLst/>
@@ -14855,258 +13572,13 @@
           </a:fontRef>
         </p:style>
       </p:pic>
-      <p:sp>
-        <p:nvSpPr>
-          <p:cNvPr id="17" name="TextBox 16">
-            <a:extLst>
-              <a:ext uri="{FF2B5EF4-FFF2-40B4-BE49-F238E27FC236}">
-                <a16:creationId xmlns:a16="http://schemas.microsoft.com/office/drawing/2014/main" id="{B6AEE5E8-1E5D-47B2-9BD0-7CD35EE19953}"/>
-              </a:ext>
-            </a:extLst>
-          </p:cNvPr>
-          <p:cNvSpPr txBox="1"/>
-          <p:nvPr/>
-        </p:nvSpPr>
-        <p:spPr>
-          <a:xfrm>
-            <a:off x="4305739" y="3124200"/>
-            <a:ext cx="4423679" cy="461665"/>
-          </a:xfrm>
-          <a:prstGeom prst="rect">
-            <a:avLst/>
-          </a:prstGeom>
-          <a:solidFill>
-            <a:schemeClr val="bg1">
-              <a:lumMod val="85000"/>
-            </a:schemeClr>
-          </a:solidFill>
-          <a:ln/>
-        </p:spPr>
-        <p:style>
-          <a:lnRef idx="2">
-            <a:schemeClr val="dk1"/>
-          </a:lnRef>
-          <a:fillRef idx="1">
-            <a:schemeClr val="lt1"/>
-          </a:fillRef>
-          <a:effectRef idx="0">
-            <a:schemeClr val="dk1"/>
-          </a:effectRef>
-          <a:fontRef idx="minor">
-            <a:schemeClr val="dk1"/>
-          </a:fontRef>
-        </p:style>
-        <p:txBody>
-          <a:bodyPr wrap="square" rtlCol="0">
-            <a:spAutoFit/>
-          </a:bodyPr>
-          <a:lstStyle/>
-          <a:p>
-            <a:r>
-              <a:rPr lang="en-US" dirty="0"/>
-              <a:t>Hover Over Text We Don’t Want</a:t>
-            </a:r>
-          </a:p>
-        </p:txBody>
-      </p:sp>
-      <p:sp>
-        <p:nvSpPr>
-          <p:cNvPr id="19" name="Arrow: Up 18">
-            <a:extLst>
-              <a:ext uri="{FF2B5EF4-FFF2-40B4-BE49-F238E27FC236}">
-                <a16:creationId xmlns:a16="http://schemas.microsoft.com/office/drawing/2014/main" id="{B117B2EF-B2AE-4D20-9117-1CB12ABD3D35}"/>
-              </a:ext>
-            </a:extLst>
-          </p:cNvPr>
-          <p:cNvSpPr/>
-          <p:nvPr/>
-        </p:nvSpPr>
-        <p:spPr>
-          <a:xfrm>
-            <a:off x="6858000" y="2810288"/>
-            <a:ext cx="304800" cy="295688"/>
-          </a:xfrm>
-          <a:prstGeom prst="upArrow">
-            <a:avLst/>
-          </a:prstGeom>
-          <a:solidFill>
-            <a:srgbClr val="404040"/>
-          </a:solidFill>
-          <a:ln>
-            <a:solidFill>
-              <a:srgbClr val="404040"/>
-            </a:solidFill>
-          </a:ln>
-        </p:spPr>
-        <p:style>
-          <a:lnRef idx="2">
-            <a:schemeClr val="dk1"/>
-          </a:lnRef>
-          <a:fillRef idx="1">
-            <a:schemeClr val="lt1"/>
-          </a:fillRef>
-          <a:effectRef idx="0">
-            <a:schemeClr val="dk1"/>
-          </a:effectRef>
-          <a:fontRef idx="minor">
-            <a:schemeClr val="dk1"/>
-          </a:fontRef>
-        </p:style>
-        <p:txBody>
-          <a:bodyPr rtlCol="0" anchor="ctr"/>
-          <a:lstStyle/>
-          <a:p>
-            <a:pPr algn="ctr"/>
-            <a:endParaRPr lang="en-US">
-              <a:ln>
-                <a:solidFill>
-                  <a:srgbClr val="404040"/>
-                </a:solidFill>
-              </a:ln>
-            </a:endParaRPr>
-          </a:p>
-        </p:txBody>
-      </p:sp>
-      <p:pic>
-        <p:nvPicPr>
-          <p:cNvPr id="7" name="Picture 6">
-            <a:extLst>
-              <a:ext uri="{FF2B5EF4-FFF2-40B4-BE49-F238E27FC236}">
-                <a16:creationId xmlns:a16="http://schemas.microsoft.com/office/drawing/2014/main" id="{D82ABADD-7950-42C2-BD46-D212E0EB7F4B}"/>
-              </a:ext>
-            </a:extLst>
-          </p:cNvPr>
-          <p:cNvPicPr>
-            <a:picLocks noChangeAspect="1"/>
-          </p:cNvPicPr>
-          <p:nvPr/>
-        </p:nvPicPr>
-        <p:blipFill>
-          <a:blip r:embed="rId5"/>
-          <a:stretch>
-            <a:fillRect/>
-          </a:stretch>
-        </p:blipFill>
-        <p:spPr>
-          <a:xfrm>
-            <a:off x="7097982" y="3810000"/>
-            <a:ext cx="1535344" cy="2971800"/>
-          </a:xfrm>
-          <a:prstGeom prst="rect">
-            <a:avLst/>
-          </a:prstGeom>
-          <a:ln>
-            <a:solidFill>
-              <a:srgbClr val="404040"/>
-            </a:solidFill>
-          </a:ln>
-        </p:spPr>
-        <p:style>
-          <a:lnRef idx="2">
-            <a:schemeClr val="dk1"/>
-          </a:lnRef>
-          <a:fillRef idx="1">
-            <a:schemeClr val="lt1"/>
-          </a:fillRef>
-          <a:effectRef idx="0">
-            <a:schemeClr val="dk1"/>
-          </a:effectRef>
-          <a:fontRef idx="minor">
-            <a:schemeClr val="dk1"/>
-          </a:fontRef>
-        </p:style>
-      </p:pic>
-      <p:cxnSp>
-        <p:nvCxnSpPr>
-          <p:cNvPr id="11" name="Straight Arrow Connector 10">
-            <a:extLst>
-              <a:ext uri="{FF2B5EF4-FFF2-40B4-BE49-F238E27FC236}">
-                <a16:creationId xmlns:a16="http://schemas.microsoft.com/office/drawing/2014/main" id="{F57A232C-4505-4B48-B625-12E326418DA1}"/>
-              </a:ext>
-            </a:extLst>
-          </p:cNvPr>
-          <p:cNvCxnSpPr/>
-          <p:nvPr/>
-        </p:nvCxnSpPr>
-        <p:spPr>
-          <a:xfrm>
-            <a:off x="6781800" y="4360333"/>
-            <a:ext cx="914400" cy="2269067"/>
-          </a:xfrm>
-          <a:prstGeom prst="straightConnector1">
-            <a:avLst/>
-          </a:prstGeom>
-          <a:ln>
-            <a:solidFill>
-              <a:srgbClr val="404040"/>
-            </a:solidFill>
-            <a:tailEnd type="triangle"/>
-          </a:ln>
-        </p:spPr>
-        <p:style>
-          <a:lnRef idx="2">
-            <a:schemeClr val="accent1"/>
-          </a:lnRef>
-          <a:fillRef idx="0">
-            <a:schemeClr val="accent1"/>
-          </a:fillRef>
-          <a:effectRef idx="1">
-            <a:schemeClr val="accent1"/>
-          </a:effectRef>
-          <a:fontRef idx="minor">
-            <a:schemeClr val="tx1"/>
-          </a:fontRef>
-        </p:style>
-      </p:cxnSp>
-      <p:cxnSp>
-        <p:nvCxnSpPr>
-          <p:cNvPr id="21" name="Straight Arrow Connector 20">
-            <a:extLst>
-              <a:ext uri="{FF2B5EF4-FFF2-40B4-BE49-F238E27FC236}">
-                <a16:creationId xmlns:a16="http://schemas.microsoft.com/office/drawing/2014/main" id="{DDEC9B73-9DFC-4B59-A141-4930368C4128}"/>
-              </a:ext>
-            </a:extLst>
-          </p:cNvPr>
-          <p:cNvCxnSpPr/>
-          <p:nvPr/>
-        </p:nvCxnSpPr>
-        <p:spPr>
-          <a:xfrm>
-            <a:off x="6778704" y="4191000"/>
-            <a:ext cx="1755696" cy="1342787"/>
-          </a:xfrm>
-          <a:prstGeom prst="straightConnector1">
-            <a:avLst/>
-          </a:prstGeom>
-          <a:ln>
-            <a:solidFill>
-              <a:srgbClr val="404040"/>
-            </a:solidFill>
-            <a:tailEnd type="triangle"/>
-          </a:ln>
-        </p:spPr>
-        <p:style>
-          <a:lnRef idx="2">
-            <a:schemeClr val="accent1"/>
-          </a:lnRef>
-          <a:fillRef idx="0">
-            <a:schemeClr val="accent1"/>
-          </a:fillRef>
-          <a:effectRef idx="1">
-            <a:schemeClr val="accent1"/>
-          </a:effectRef>
-          <a:fontRef idx="minor">
-            <a:schemeClr val="tx1"/>
-          </a:fontRef>
-        </p:style>
-      </p:cxnSp>
     </p:spTree>
     <p:custDataLst>
       <p:tags r:id="rId1"/>
     </p:custDataLst>
     <p:extLst>
       <p:ext uri="{BB962C8B-B14F-4D97-AF65-F5344CB8AC3E}">
-        <p14:creationId xmlns:p14="http://schemas.microsoft.com/office/powerpoint/2010/main" val="3682205169"/>
+        <p14:creationId xmlns:p14="http://schemas.microsoft.com/office/powerpoint/2010/main" val="3634581923"/>
       </p:ext>
     </p:extLst>
   </p:cSld>

--- a/Lecture/Lecture 17/Lecture 17.pptx
+++ b/Lecture/Lecture 17/Lecture 17.pptx
@@ -6,10 +6,10 @@
     <p:sldMasterId id="2147483676" r:id="rId2"/>
   </p:sldMasterIdLst>
   <p:notesMasterIdLst>
-    <p:notesMasterId r:id="rId40"/>
+    <p:notesMasterId r:id="rId39"/>
   </p:notesMasterIdLst>
   <p:handoutMasterIdLst>
-    <p:handoutMasterId r:id="rId41"/>
+    <p:handoutMasterId r:id="rId40"/>
   </p:handoutMasterIdLst>
   <p:sldIdLst>
     <p:sldId id="320" r:id="rId3"/>
@@ -41,19 +41,18 @@
     <p:sldId id="430" r:id="rId29"/>
     <p:sldId id="431" r:id="rId30"/>
     <p:sldId id="432" r:id="rId31"/>
-    <p:sldId id="433" r:id="rId32"/>
-    <p:sldId id="434" r:id="rId33"/>
-    <p:sldId id="435" r:id="rId34"/>
-    <p:sldId id="436" r:id="rId35"/>
-    <p:sldId id="437" r:id="rId36"/>
-    <p:sldId id="438" r:id="rId37"/>
-    <p:sldId id="439" r:id="rId38"/>
-    <p:sldId id="329" r:id="rId39"/>
+    <p:sldId id="434" r:id="rId32"/>
+    <p:sldId id="435" r:id="rId33"/>
+    <p:sldId id="436" r:id="rId34"/>
+    <p:sldId id="437" r:id="rId35"/>
+    <p:sldId id="438" r:id="rId36"/>
+    <p:sldId id="439" r:id="rId37"/>
+    <p:sldId id="329" r:id="rId38"/>
   </p:sldIdLst>
   <p:sldSz cx="9144000" cy="6858000" type="screen4x3"/>
   <p:notesSz cx="6858000" cy="9144000"/>
   <p:custDataLst>
-    <p:tags r:id="rId42"/>
+    <p:tags r:id="rId41"/>
   </p:custDataLst>
   <p:defaultTextStyle>
     <a:defPPr>
@@ -324,7 +323,7 @@
               <a:pPr>
                 <a:defRPr/>
               </a:pPr>
-              <a:t>10/7/2018</a:t>
+              <a:t>10/9/2018</a:t>
             </a:fld>
             <a:endParaRPr lang="en-US" dirty="0"/>
           </a:p>
@@ -536,7 +535,7 @@
               <a:pPr>
                 <a:defRPr/>
               </a:pPr>
-              <a:t>10/7/2018</a:t>
+              <a:t>10/9/2018</a:t>
             </a:fld>
             <a:endParaRPr lang="en-US" dirty="0"/>
           </a:p>
@@ -1055,7 +1054,7 @@
               <a:pPr>
                 <a:defRPr/>
               </a:pPr>
-              <a:t>10/7/2018</a:t>
+              <a:t>10/9/2018</a:t>
             </a:fld>
             <a:endParaRPr lang="en-US" dirty="0"/>
           </a:p>
@@ -1245,7 +1244,7 @@
               <a:pPr>
                 <a:defRPr/>
               </a:pPr>
-              <a:t>10/7/2018</a:t>
+              <a:t>10/9/2018</a:t>
             </a:fld>
             <a:endParaRPr lang="en-US" dirty="0"/>
           </a:p>
@@ -1445,7 +1444,7 @@
               <a:pPr>
                 <a:defRPr/>
               </a:pPr>
-              <a:t>10/7/2018</a:t>
+              <a:t>10/9/2018</a:t>
             </a:fld>
             <a:endParaRPr lang="en-US" dirty="0"/>
           </a:p>
@@ -1713,7 +1712,7 @@
               <a:pPr>
                 <a:defRPr/>
               </a:pPr>
-              <a:t>10/7/2018</a:t>
+              <a:t>10/9/2018</a:t>
             </a:fld>
             <a:endParaRPr lang="en-US" dirty="0">
               <a:solidFill>
@@ -1927,7 +1926,7 @@
               <a:pPr>
                 <a:defRPr/>
               </a:pPr>
-              <a:t>10/7/2018</a:t>
+              <a:t>10/9/2018</a:t>
             </a:fld>
             <a:endParaRPr lang="en-US" dirty="0">
               <a:solidFill>
@@ -2218,7 +2217,7 @@
               <a:pPr>
                 <a:defRPr/>
               </a:pPr>
-              <a:t>10/7/2018</a:t>
+              <a:t>10/9/2018</a:t>
             </a:fld>
             <a:endParaRPr lang="en-US" dirty="0">
               <a:solidFill>
@@ -2549,7 +2548,7 @@
               <a:pPr>
                 <a:defRPr/>
               </a:pPr>
-              <a:t>10/7/2018</a:t>
+              <a:t>10/9/2018</a:t>
             </a:fld>
             <a:endParaRPr lang="en-US" dirty="0">
               <a:solidFill>
@@ -3014,7 +3013,7 @@
               <a:pPr>
                 <a:defRPr/>
               </a:pPr>
-              <a:t>10/7/2018</a:t>
+              <a:t>10/9/2018</a:t>
             </a:fld>
             <a:endParaRPr lang="en-US" dirty="0">
               <a:solidFill>
@@ -3177,7 +3176,7 @@
               <a:pPr>
                 <a:defRPr/>
               </a:pPr>
-              <a:t>10/7/2018</a:t>
+              <a:t>10/9/2018</a:t>
             </a:fld>
             <a:endParaRPr lang="en-US" dirty="0">
               <a:solidFill>
@@ -3318,7 +3317,7 @@
               <a:pPr>
                 <a:defRPr/>
               </a:pPr>
-              <a:t>10/7/2018</a:t>
+              <a:t>10/9/2018</a:t>
             </a:fld>
             <a:endParaRPr lang="en-US" dirty="0">
               <a:solidFill>
@@ -3639,7 +3638,7 @@
               <a:pPr>
                 <a:defRPr/>
               </a:pPr>
-              <a:t>10/7/2018</a:t>
+              <a:t>10/9/2018</a:t>
             </a:fld>
             <a:endParaRPr lang="en-US" dirty="0">
               <a:solidFill>
@@ -3847,7 +3846,7 @@
               <a:pPr>
                 <a:defRPr/>
               </a:pPr>
-              <a:t>10/7/2018</a:t>
+              <a:t>10/9/2018</a:t>
             </a:fld>
             <a:endParaRPr lang="en-US" dirty="0"/>
           </a:p>
@@ -4130,7 +4129,7 @@
               <a:pPr>
                 <a:defRPr/>
               </a:pPr>
-              <a:t>10/7/2018</a:t>
+              <a:t>10/9/2018</a:t>
             </a:fld>
             <a:endParaRPr lang="en-US" dirty="0">
               <a:solidFill>
@@ -4344,7 +4343,7 @@
               <a:pPr>
                 <a:defRPr/>
               </a:pPr>
-              <a:t>10/7/2018</a:t>
+              <a:t>10/9/2018</a:t>
             </a:fld>
             <a:endParaRPr lang="en-US" dirty="0">
               <a:solidFill>
@@ -4568,7 +4567,7 @@
               <a:pPr>
                 <a:defRPr/>
               </a:pPr>
-              <a:t>10/7/2018</a:t>
+              <a:t>10/9/2018</a:t>
             </a:fld>
             <a:endParaRPr lang="en-US" dirty="0">
               <a:solidFill>
@@ -4778,7 +4777,7 @@
               <a:pPr>
                 <a:defRPr/>
               </a:pPr>
-              <a:t>10/7/2018</a:t>
+              <a:t>10/9/2018</a:t>
             </a:fld>
             <a:endParaRPr lang="en-US" dirty="0">
               <a:solidFill>
@@ -5055,7 +5054,7 @@
               <a:pPr>
                 <a:defRPr/>
               </a:pPr>
-              <a:t>10/7/2018</a:t>
+              <a:t>10/9/2018</a:t>
             </a:fld>
             <a:endParaRPr lang="en-US" dirty="0"/>
           </a:p>
@@ -5362,7 +5361,7 @@
               <a:pPr>
                 <a:defRPr/>
               </a:pPr>
-              <a:t>10/7/2018</a:t>
+              <a:t>10/9/2018</a:t>
             </a:fld>
             <a:endParaRPr lang="en-US" dirty="0"/>
           </a:p>
@@ -5803,7 +5802,7 @@
               <a:pPr>
                 <a:defRPr/>
               </a:pPr>
-              <a:t>10/7/2018</a:t>
+              <a:t>10/9/2018</a:t>
             </a:fld>
             <a:endParaRPr lang="en-US" dirty="0"/>
           </a:p>
@@ -5942,7 +5941,7 @@
               <a:pPr>
                 <a:defRPr/>
               </a:pPr>
-              <a:t>10/7/2018</a:t>
+              <a:t>10/9/2018</a:t>
             </a:fld>
             <a:endParaRPr lang="en-US" dirty="0"/>
           </a:p>
@@ -6059,7 +6058,7 @@
               <a:pPr>
                 <a:defRPr/>
               </a:pPr>
-              <a:t>10/7/2018</a:t>
+              <a:t>10/9/2018</a:t>
             </a:fld>
             <a:endParaRPr lang="en-US" dirty="0"/>
           </a:p>
@@ -6356,7 +6355,7 @@
               <a:pPr>
                 <a:defRPr/>
               </a:pPr>
-              <a:t>10/7/2018</a:t>
+              <a:t>10/9/2018</a:t>
             </a:fld>
             <a:endParaRPr lang="en-US" dirty="0"/>
           </a:p>
@@ -6633,7 +6632,7 @@
               <a:pPr>
                 <a:defRPr/>
               </a:pPr>
-              <a:t>10/7/2018</a:t>
+              <a:t>10/9/2018</a:t>
             </a:fld>
             <a:endParaRPr lang="en-US" dirty="0"/>
           </a:p>
@@ -6890,7 +6889,7 @@
               <a:pPr>
                 <a:defRPr/>
               </a:pPr>
-              <a:t>10/7/2018</a:t>
+              <a:t>10/9/2018</a:t>
             </a:fld>
             <a:endParaRPr lang="en-US" dirty="0"/>
           </a:p>
@@ -7600,7 +7599,7 @@
               <a:pPr>
                 <a:defRPr/>
               </a:pPr>
-              <a:t>10/7/2018</a:t>
+              <a:t>10/9/2018</a:t>
             </a:fld>
             <a:endParaRPr lang="en-US" dirty="0">
               <a:solidFill>
@@ -18422,7 +18421,7 @@
         <p:spPr>
           <a:xfrm>
             <a:off x="3810000" y="621916"/>
-            <a:ext cx="5257800" cy="4893647"/>
+            <a:ext cx="5334000" cy="5632311"/>
           </a:xfrm>
           <a:prstGeom prst="rect">
             <a:avLst/>
@@ -18485,7 +18484,7 @@
                   <a:srgbClr val="404040"/>
                 </a:solidFill>
               </a:rPr>
-              <a:t>Abbreviate Names</a:t>
+              <a:t>Abbreviate or Better Names</a:t>
             </a:r>
           </a:p>
           <a:p>
@@ -18599,8 +18598,18 @@
                   <a:srgbClr val="404040"/>
                 </a:solidFill>
               </a:rPr>
-              <a:t>()</a:t>
-            </a:r>
+              <a:t>() = Rename Levels</a:t>
+            </a:r>
+          </a:p>
+          <a:p>
+            <a:pPr lvl="1">
+              <a:defRPr/>
+            </a:pPr>
+            <a:endParaRPr lang="en-US" dirty="0">
+              <a:solidFill>
+                <a:srgbClr val="404040"/>
+              </a:solidFill>
+            </a:endParaRPr>
           </a:p>
           <a:p>
             <a:pPr marL="800100" lvl="1" indent="-342900">
@@ -18622,8 +18631,18 @@
                   <a:srgbClr val="404040"/>
                 </a:solidFill>
               </a:rPr>
-              <a:t>()</a:t>
-            </a:r>
+              <a:t>() = Collapse Levels</a:t>
+            </a:r>
+          </a:p>
+          <a:p>
+            <a:pPr lvl="1">
+              <a:defRPr/>
+            </a:pPr>
+            <a:endParaRPr lang="en-US" dirty="0">
+              <a:solidFill>
+                <a:srgbClr val="404040"/>
+              </a:solidFill>
+            </a:endParaRPr>
           </a:p>
           <a:p>
             <a:pPr marL="800100" lvl="1" indent="-342900">
@@ -18645,7 +18664,7 @@
                   <a:srgbClr val="404040"/>
                 </a:solidFill>
               </a:rPr>
-              <a:t>()</a:t>
+              <a:t>() = Create Subgroups</a:t>
             </a:r>
           </a:p>
         </p:txBody>
@@ -18656,7 +18675,7 @@
     </p:custDataLst>
     <p:extLst>
       <p:ext uri="{BB962C8B-B14F-4D97-AF65-F5344CB8AC3E}">
-        <p14:creationId xmlns:p14="http://schemas.microsoft.com/office/powerpoint/2010/main" val="2996393864"/>
+        <p14:creationId xmlns:p14="http://schemas.microsoft.com/office/powerpoint/2010/main" val="4188396530"/>
       </p:ext>
     </p:extLst>
   </p:cSld>
@@ -18941,7 +18960,7 @@
         <p:spPr>
           <a:xfrm>
             <a:off x="3810000" y="621916"/>
-            <a:ext cx="5334000" cy="5632311"/>
+            <a:ext cx="5257800" cy="461665"/>
           </a:xfrm>
           <a:prstGeom prst="rect">
             <a:avLst/>
@@ -18977,225 +18996,67 @@
                   <a:srgbClr val="404040"/>
                 </a:solidFill>
               </a:rPr>
-              <a:t>Purpose for Modifying Levels</a:t>
-            </a:r>
-          </a:p>
-          <a:p>
-            <a:pPr marL="800100" lvl="1" indent="-342900">
-              <a:buFont typeface="Arial" panose="020B0604020202020204" pitchFamily="34" charset="0"/>
-              <a:buChar char="•"/>
-              <a:defRPr/>
-            </a:pPr>
-            <a:endParaRPr lang="en-US" dirty="0">
-              <a:solidFill>
-                <a:srgbClr val="404040"/>
-              </a:solidFill>
-            </a:endParaRPr>
-          </a:p>
-          <a:p>
-            <a:pPr marL="800100" lvl="1" indent="-342900">
-              <a:buFont typeface="Arial" panose="020B0604020202020204" pitchFamily="34" charset="0"/>
-              <a:buChar char="•"/>
-              <a:defRPr/>
-            </a:pPr>
-            <a:r>
-              <a:rPr lang="en-US" dirty="0">
-                <a:solidFill>
-                  <a:srgbClr val="404040"/>
-                </a:solidFill>
-              </a:rPr>
-              <a:t>Abbreviate or Better Names</a:t>
-            </a:r>
-          </a:p>
-          <a:p>
-            <a:pPr marL="800100" lvl="1" indent="-342900">
-              <a:buFont typeface="Arial" panose="020B0604020202020204" pitchFamily="34" charset="0"/>
-              <a:buChar char="•"/>
-              <a:defRPr/>
-            </a:pPr>
-            <a:endParaRPr lang="en-US" dirty="0">
-              <a:solidFill>
-                <a:srgbClr val="404040"/>
-              </a:solidFill>
-            </a:endParaRPr>
-          </a:p>
-          <a:p>
-            <a:pPr marL="800100" lvl="1" indent="-342900">
-              <a:buFont typeface="Arial" panose="020B0604020202020204" pitchFamily="34" charset="0"/>
-              <a:buChar char="•"/>
-              <a:defRPr/>
-            </a:pPr>
-            <a:r>
-              <a:rPr lang="en-US" dirty="0">
-                <a:solidFill>
-                  <a:srgbClr val="404040"/>
-                </a:solidFill>
-              </a:rPr>
-              <a:t>Collapse Unimportant Levels</a:t>
-            </a:r>
-          </a:p>
-          <a:p>
-            <a:pPr lvl="1">
-              <a:defRPr/>
-            </a:pPr>
-            <a:endParaRPr lang="en-US" dirty="0">
-              <a:solidFill>
-                <a:srgbClr val="404040"/>
-              </a:solidFill>
-            </a:endParaRPr>
-          </a:p>
-          <a:p>
-            <a:pPr marL="800100" lvl="1" indent="-342900">
-              <a:buFont typeface="Arial" panose="020B0604020202020204" pitchFamily="34" charset="0"/>
-              <a:buChar char="•"/>
-              <a:defRPr/>
-            </a:pPr>
-            <a:r>
-              <a:rPr lang="en-US" dirty="0">
-                <a:solidFill>
-                  <a:srgbClr val="404040"/>
-                </a:solidFill>
-              </a:rPr>
-              <a:t>Group Categories</a:t>
-            </a:r>
-          </a:p>
-          <a:p>
-            <a:pPr marL="800100" lvl="1" indent="-342900">
-              <a:buFont typeface="Arial" panose="020B0604020202020204" pitchFamily="34" charset="0"/>
-              <a:buChar char="•"/>
-              <a:defRPr/>
-            </a:pPr>
-            <a:endParaRPr lang="en-US" dirty="0">
-              <a:solidFill>
-                <a:srgbClr val="404040"/>
-              </a:solidFill>
-            </a:endParaRPr>
-          </a:p>
-          <a:p>
-            <a:pPr marL="342900" indent="-342900">
-              <a:buFont typeface="Arial" panose="020B0604020202020204" pitchFamily="34" charset="0"/>
-              <a:buChar char="•"/>
-              <a:defRPr/>
-            </a:pPr>
-            <a:r>
-              <a:rPr lang="en-US" dirty="0">
-                <a:solidFill>
-                  <a:srgbClr val="404040"/>
-                </a:solidFill>
-              </a:rPr>
-              <a:t>Useful Functions</a:t>
-            </a:r>
-          </a:p>
-          <a:p>
-            <a:pPr marL="342900" indent="-342900">
-              <a:buFont typeface="Arial" panose="020B0604020202020204" pitchFamily="34" charset="0"/>
-              <a:buChar char="•"/>
-              <a:defRPr/>
-            </a:pPr>
-            <a:endParaRPr lang="en-US" dirty="0">
-              <a:solidFill>
-                <a:srgbClr val="404040"/>
-              </a:solidFill>
-            </a:endParaRPr>
-          </a:p>
-          <a:p>
-            <a:pPr marL="800100" lvl="1" indent="-342900">
-              <a:buFont typeface="Arial" panose="020B0604020202020204" pitchFamily="34" charset="0"/>
-              <a:buChar char="•"/>
-              <a:defRPr/>
-            </a:pPr>
-            <a:r>
-              <a:rPr lang="en-US" dirty="0" err="1">
-                <a:solidFill>
-                  <a:srgbClr val="404040"/>
-                </a:solidFill>
-              </a:rPr>
-              <a:t>fct_recode</a:t>
-            </a:r>
-            <a:r>
-              <a:rPr lang="en-US" dirty="0">
-                <a:solidFill>
-                  <a:srgbClr val="404040"/>
-                </a:solidFill>
-              </a:rPr>
-              <a:t>() = Rename Levels</a:t>
-            </a:r>
-          </a:p>
-          <a:p>
-            <a:pPr lvl="1">
-              <a:defRPr/>
-            </a:pPr>
-            <a:endParaRPr lang="en-US" dirty="0">
-              <a:solidFill>
-                <a:srgbClr val="404040"/>
-              </a:solidFill>
-            </a:endParaRPr>
-          </a:p>
-          <a:p>
-            <a:pPr marL="800100" lvl="1" indent="-342900">
-              <a:buFont typeface="Arial" panose="020B0604020202020204" pitchFamily="34" charset="0"/>
-              <a:buChar char="•"/>
-              <a:defRPr/>
-            </a:pPr>
-            <a:r>
-              <a:rPr lang="en-US" dirty="0" err="1">
-                <a:solidFill>
-                  <a:srgbClr val="404040"/>
-                </a:solidFill>
-              </a:rPr>
-              <a:t>fct_collapse</a:t>
-            </a:r>
-            <a:r>
-              <a:rPr lang="en-US" dirty="0">
-                <a:solidFill>
-                  <a:srgbClr val="404040"/>
-                </a:solidFill>
-              </a:rPr>
-              <a:t>() = Collapse Levels</a:t>
-            </a:r>
-          </a:p>
-          <a:p>
-            <a:pPr lvl="1">
-              <a:defRPr/>
-            </a:pPr>
-            <a:endParaRPr lang="en-US" dirty="0">
-              <a:solidFill>
-                <a:srgbClr val="404040"/>
-              </a:solidFill>
-            </a:endParaRPr>
-          </a:p>
-          <a:p>
-            <a:pPr marL="800100" lvl="1" indent="-342900">
-              <a:buFont typeface="Arial" panose="020B0604020202020204" pitchFamily="34" charset="0"/>
-              <a:buChar char="•"/>
-              <a:defRPr/>
-            </a:pPr>
-            <a:r>
-              <a:rPr lang="en-US" dirty="0" err="1">
-                <a:solidFill>
-                  <a:srgbClr val="404040"/>
-                </a:solidFill>
-              </a:rPr>
-              <a:t>fct_lump</a:t>
-            </a:r>
-            <a:r>
-              <a:rPr lang="en-US" dirty="0">
-                <a:solidFill>
-                  <a:srgbClr val="404040"/>
-                </a:solidFill>
-              </a:rPr>
-              <a:t>() = Create Subgroups</a:t>
+              <a:t>Marital Counts </a:t>
             </a:r>
           </a:p>
         </p:txBody>
       </p:sp>
+      <p:pic>
+        <p:nvPicPr>
+          <p:cNvPr id="3" name="Picture 2">
+            <a:extLst>
+              <a:ext uri="{FF2B5EF4-FFF2-40B4-BE49-F238E27FC236}">
+                <a16:creationId xmlns:a16="http://schemas.microsoft.com/office/drawing/2014/main" id="{FFF5C625-92E1-4D6F-A703-AFB0396E84EE}"/>
+              </a:ext>
+            </a:extLst>
+          </p:cNvPr>
+          <p:cNvPicPr>
+            <a:picLocks noChangeAspect="1"/>
+          </p:cNvPicPr>
+          <p:nvPr/>
+        </p:nvPicPr>
+        <p:blipFill>
+          <a:blip r:embed="rId4"/>
+          <a:stretch>
+            <a:fillRect/>
+          </a:stretch>
+        </p:blipFill>
+        <p:spPr>
+          <a:xfrm>
+            <a:off x="3569907" y="1117109"/>
+            <a:ext cx="5497893" cy="4826491"/>
+          </a:xfrm>
+          <a:prstGeom prst="rect">
+            <a:avLst/>
+          </a:prstGeom>
+          <a:ln>
+            <a:solidFill>
+              <a:srgbClr val="404040"/>
+            </a:solidFill>
+          </a:ln>
+        </p:spPr>
+        <p:style>
+          <a:lnRef idx="2">
+            <a:schemeClr val="dk1"/>
+          </a:lnRef>
+          <a:fillRef idx="1">
+            <a:schemeClr val="lt1"/>
+          </a:fillRef>
+          <a:effectRef idx="0">
+            <a:schemeClr val="dk1"/>
+          </a:effectRef>
+          <a:fontRef idx="minor">
+            <a:schemeClr val="dk1"/>
+          </a:fontRef>
+        </p:style>
+      </p:pic>
     </p:spTree>
     <p:custDataLst>
       <p:tags r:id="rId1"/>
     </p:custDataLst>
     <p:extLst>
       <p:ext uri="{BB962C8B-B14F-4D97-AF65-F5344CB8AC3E}">
-        <p14:creationId xmlns:p14="http://schemas.microsoft.com/office/powerpoint/2010/main" val="4188396530"/>
+        <p14:creationId xmlns:p14="http://schemas.microsoft.com/office/powerpoint/2010/main" val="481694445"/>
       </p:ext>
     </p:extLst>
   </p:cSld>
@@ -19516,17 +19377,17 @@
                   <a:srgbClr val="404040"/>
                 </a:solidFill>
               </a:rPr>
-              <a:t>Marital Counts </a:t>
+              <a:t>Example 1: Recode Levels</a:t>
             </a:r>
           </a:p>
         </p:txBody>
       </p:sp>
       <p:pic>
         <p:nvPicPr>
-          <p:cNvPr id="3" name="Picture 2">
+          <p:cNvPr id="4" name="Picture 3">
             <a:extLst>
               <a:ext uri="{FF2B5EF4-FFF2-40B4-BE49-F238E27FC236}">
-                <a16:creationId xmlns:a16="http://schemas.microsoft.com/office/drawing/2014/main" id="{FFF5C625-92E1-4D6F-A703-AFB0396E84EE}"/>
+                <a16:creationId xmlns:a16="http://schemas.microsoft.com/office/drawing/2014/main" id="{48A3D320-4443-4094-AAD1-D5B47663FEEE}"/>
               </a:ext>
             </a:extLst>
           </p:cNvPr>
@@ -19543,8 +19404,8 @@
         </p:blipFill>
         <p:spPr>
           <a:xfrm>
-            <a:off x="3569907" y="1117109"/>
-            <a:ext cx="5497893" cy="4826491"/>
+            <a:off x="3578913" y="1144714"/>
+            <a:ext cx="5488887" cy="4859846"/>
           </a:xfrm>
           <a:prstGeom prst="rect">
             <a:avLst/>
@@ -19576,7 +19437,7 @@
     </p:custDataLst>
     <p:extLst>
       <p:ext uri="{BB962C8B-B14F-4D97-AF65-F5344CB8AC3E}">
-        <p14:creationId xmlns:p14="http://schemas.microsoft.com/office/powerpoint/2010/main" val="481694445"/>
+        <p14:creationId xmlns:p14="http://schemas.microsoft.com/office/powerpoint/2010/main" val="629509263"/>
       </p:ext>
     </p:extLst>
   </p:cSld>
@@ -19897,17 +19758,17 @@
                   <a:srgbClr val="404040"/>
                 </a:solidFill>
               </a:rPr>
-              <a:t>Example 1: Recode Levels</a:t>
+              <a:t>Example 2: Collapse Levels</a:t>
             </a:r>
           </a:p>
         </p:txBody>
       </p:sp>
       <p:pic>
         <p:nvPicPr>
-          <p:cNvPr id="4" name="Picture 3">
+          <p:cNvPr id="3" name="Picture 2">
             <a:extLst>
               <a:ext uri="{FF2B5EF4-FFF2-40B4-BE49-F238E27FC236}">
-                <a16:creationId xmlns:a16="http://schemas.microsoft.com/office/drawing/2014/main" id="{48A3D320-4443-4094-AAD1-D5B47663FEEE}"/>
+                <a16:creationId xmlns:a16="http://schemas.microsoft.com/office/drawing/2014/main" id="{1D53C91B-4D4A-432B-AF36-D5D37C113747}"/>
               </a:ext>
             </a:extLst>
           </p:cNvPr>
@@ -19924,8 +19785,8 @@
         </p:blipFill>
         <p:spPr>
           <a:xfrm>
-            <a:off x="3578913" y="1144714"/>
-            <a:ext cx="5488887" cy="4859846"/>
+            <a:off x="3581400" y="1083581"/>
+            <a:ext cx="5353189" cy="5672666"/>
           </a:xfrm>
           <a:prstGeom prst="rect">
             <a:avLst/>
@@ -19957,7 +19818,7 @@
     </p:custDataLst>
     <p:extLst>
       <p:ext uri="{BB962C8B-B14F-4D97-AF65-F5344CB8AC3E}">
-        <p14:creationId xmlns:p14="http://schemas.microsoft.com/office/powerpoint/2010/main" val="629509263"/>
+        <p14:creationId xmlns:p14="http://schemas.microsoft.com/office/powerpoint/2010/main" val="1927446664"/>
       </p:ext>
     </p:extLst>
   </p:cSld>
@@ -20278,17 +20139,17 @@
                   <a:srgbClr val="404040"/>
                 </a:solidFill>
               </a:rPr>
-              <a:t>Example 2: Collapse Levels</a:t>
+              <a:t>Example 3: Lumping Levels</a:t>
             </a:r>
           </a:p>
         </p:txBody>
       </p:sp>
       <p:pic>
         <p:nvPicPr>
-          <p:cNvPr id="3" name="Picture 2">
+          <p:cNvPr id="4" name="Picture 3">
             <a:extLst>
               <a:ext uri="{FF2B5EF4-FFF2-40B4-BE49-F238E27FC236}">
-                <a16:creationId xmlns:a16="http://schemas.microsoft.com/office/drawing/2014/main" id="{1D53C91B-4D4A-432B-AF36-D5D37C113747}"/>
+                <a16:creationId xmlns:a16="http://schemas.microsoft.com/office/drawing/2014/main" id="{DA8CF748-AA54-4090-8976-24B93F104711}"/>
               </a:ext>
             </a:extLst>
           </p:cNvPr>
@@ -20305,8 +20166,8 @@
         </p:blipFill>
         <p:spPr>
           <a:xfrm>
-            <a:off x="3581400" y="1083581"/>
-            <a:ext cx="5353189" cy="5672666"/>
+            <a:off x="3549869" y="1143000"/>
+            <a:ext cx="5517931" cy="3810000"/>
           </a:xfrm>
           <a:prstGeom prst="rect">
             <a:avLst/>
@@ -20338,7 +20199,7 @@
     </p:custDataLst>
     <p:extLst>
       <p:ext uri="{BB962C8B-B14F-4D97-AF65-F5344CB8AC3E}">
-        <p14:creationId xmlns:p14="http://schemas.microsoft.com/office/powerpoint/2010/main" val="1927446664"/>
+        <p14:creationId xmlns:p14="http://schemas.microsoft.com/office/powerpoint/2010/main" val="1318035464"/>
       </p:ext>
     </p:extLst>
   </p:cSld>
@@ -20666,387 +20527,6 @@
       </p:sp>
       <p:pic>
         <p:nvPicPr>
-          <p:cNvPr id="4" name="Picture 3">
-            <a:extLst>
-              <a:ext uri="{FF2B5EF4-FFF2-40B4-BE49-F238E27FC236}">
-                <a16:creationId xmlns:a16="http://schemas.microsoft.com/office/drawing/2014/main" id="{DA8CF748-AA54-4090-8976-24B93F104711}"/>
-              </a:ext>
-            </a:extLst>
-          </p:cNvPr>
-          <p:cNvPicPr>
-            <a:picLocks noChangeAspect="1"/>
-          </p:cNvPicPr>
-          <p:nvPr/>
-        </p:nvPicPr>
-        <p:blipFill>
-          <a:blip r:embed="rId4"/>
-          <a:stretch>
-            <a:fillRect/>
-          </a:stretch>
-        </p:blipFill>
-        <p:spPr>
-          <a:xfrm>
-            <a:off x="3549869" y="1143000"/>
-            <a:ext cx="5517931" cy="3810000"/>
-          </a:xfrm>
-          <a:prstGeom prst="rect">
-            <a:avLst/>
-          </a:prstGeom>
-          <a:ln>
-            <a:solidFill>
-              <a:srgbClr val="404040"/>
-            </a:solidFill>
-          </a:ln>
-        </p:spPr>
-        <p:style>
-          <a:lnRef idx="2">
-            <a:schemeClr val="dk1"/>
-          </a:lnRef>
-          <a:fillRef idx="1">
-            <a:schemeClr val="lt1"/>
-          </a:fillRef>
-          <a:effectRef idx="0">
-            <a:schemeClr val="dk1"/>
-          </a:effectRef>
-          <a:fontRef idx="minor">
-            <a:schemeClr val="dk1"/>
-          </a:fontRef>
-        </p:style>
-      </p:pic>
-    </p:spTree>
-    <p:custDataLst>
-      <p:tags r:id="rId1"/>
-    </p:custDataLst>
-    <p:extLst>
-      <p:ext uri="{BB962C8B-B14F-4D97-AF65-F5344CB8AC3E}">
-        <p14:creationId xmlns:p14="http://schemas.microsoft.com/office/powerpoint/2010/main" val="1318035464"/>
-      </p:ext>
-    </p:extLst>
-  </p:cSld>
-  <p:clrMapOvr>
-    <a:masterClrMapping/>
-  </p:clrMapOvr>
-</p:sld>
-</file>
-
-<file path=ppt/slides/slide36.xml><?xml version="1.0" encoding="utf-8"?>
-<p:sld xmlns:a="http://schemas.openxmlformats.org/drawingml/2006/main" xmlns:r="http://schemas.openxmlformats.org/officeDocument/2006/relationships" xmlns:p="http://schemas.openxmlformats.org/presentationml/2006/main">
-  <p:cSld>
-    <p:bg>
-      <p:bgPr>
-        <a:solidFill>
-          <a:schemeClr val="bg1">
-            <a:lumMod val="85000"/>
-          </a:schemeClr>
-        </a:solidFill>
-        <a:effectLst/>
-      </p:bgPr>
-    </p:bg>
-    <p:spTree>
-      <p:nvGrpSpPr>
-        <p:cNvPr id="1" name=""/>
-        <p:cNvGrpSpPr/>
-        <p:nvPr/>
-      </p:nvGrpSpPr>
-      <p:grpSpPr>
-        <a:xfrm>
-          <a:off x="0" y="0"/>
-          <a:ext cx="0" cy="0"/>
-          <a:chOff x="0" y="0"/>
-          <a:chExt cx="0" cy="0"/>
-        </a:xfrm>
-      </p:grpSpPr>
-      <p:sp>
-        <p:nvSpPr>
-          <p:cNvPr id="15" name="Rectangle 12">
-            <a:extLst>
-              <a:ext uri="{FF2B5EF4-FFF2-40B4-BE49-F238E27FC236}">
-                <a16:creationId xmlns:a16="http://schemas.microsoft.com/office/drawing/2014/main" id="{867D4867-5BA7-4462-B2F6-A23F4A622AA7}"/>
-              </a:ext>
-              <a:ext uri="{C183D7F6-B498-43B3-948B-1728B52AA6E4}">
-                <adec:decorative xmlns:adec="http://schemas.microsoft.com/office/drawing/2017/decorative" val="1"/>
-              </a:ext>
-            </a:extLst>
-          </p:cNvPr>
-          <p:cNvSpPr>
-            <a:spLocks noGrp="1" noRot="1" noChangeAspect="1" noMove="1" noResize="1" noEditPoints="1" noAdjustHandles="1" noChangeArrowheads="1" noChangeShapeType="1" noTextEdit="1"/>
-          </p:cNvSpPr>
-          <p:nvPr>
-            <p:extLst>
-              <p:ext uri="{386F3935-93C4-4BCD-93E2-E3B085C9AB24}">
-                <p16:designElem xmlns:p16="http://schemas.microsoft.com/office/powerpoint/2015/main" val="1"/>
-              </p:ext>
-            </p:extLst>
-          </p:nvPr>
-        </p:nvSpPr>
-        <p:spPr>
-          <a:xfrm>
-            <a:off x="0" y="0"/>
-            <a:ext cx="3490722" cy="6858000"/>
-          </a:xfrm>
-          <a:prstGeom prst="rect">
-            <a:avLst/>
-          </a:prstGeom>
-          <a:solidFill>
-            <a:schemeClr val="tx1">
-              <a:lumMod val="75000"/>
-              <a:lumOff val="25000"/>
-            </a:schemeClr>
-          </a:solidFill>
-          <a:ln>
-            <a:noFill/>
-          </a:ln>
-        </p:spPr>
-        <p:style>
-          <a:lnRef idx="0">
-            <a:scrgbClr r="0" g="0" b="0"/>
-          </a:lnRef>
-          <a:fillRef idx="0">
-            <a:scrgbClr r="0" g="0" b="0"/>
-          </a:fillRef>
-          <a:effectRef idx="0">
-            <a:scrgbClr r="0" g="0" b="0"/>
-          </a:effectRef>
-          <a:fontRef idx="minor">
-            <a:schemeClr val="lt1"/>
-          </a:fontRef>
-        </p:style>
-        <p:txBody>
-          <a:bodyPr rtlCol="0" anchor="ctr"/>
-          <a:lstStyle/>
-          <a:p>
-            <a:pPr marL="0" marR="0" lvl="0" indent="0" algn="ctr" defTabSz="457200" rtl="0" eaLnBrk="1" fontAlgn="base" latinLnBrk="0" hangingPunct="1">
-              <a:lnSpc>
-                <a:spcPct val="100000"/>
-              </a:lnSpc>
-              <a:spcBef>
-                <a:spcPct val="0"/>
-              </a:spcBef>
-              <a:spcAft>
-                <a:spcPct val="0"/>
-              </a:spcAft>
-              <a:buClrTx/>
-              <a:buSzTx/>
-              <a:buFontTx/>
-              <a:buNone/>
-              <a:tabLst/>
-              <a:defRPr/>
-            </a:pPr>
-            <a:endParaRPr kumimoji="0" lang="en-US" sz="2400" b="0" i="0" u="none" strike="noStrike" kern="1200" cap="none" spc="0" normalizeH="0" baseline="0" noProof="0">
-              <a:ln>
-                <a:noFill/>
-              </a:ln>
-              <a:solidFill>
-                <a:prstClr val="white"/>
-              </a:solidFill>
-              <a:effectLst/>
-              <a:uLnTx/>
-              <a:uFillTx/>
-              <a:latin typeface="Calibri"/>
-              <a:ea typeface="+mn-ea"/>
-              <a:cs typeface="+mn-cs"/>
-            </a:endParaRPr>
-          </a:p>
-        </p:txBody>
-      </p:sp>
-      <p:sp>
-        <p:nvSpPr>
-          <p:cNvPr id="2" name="Title 1"/>
-          <p:cNvSpPr>
-            <a:spLocks noGrp="1"/>
-          </p:cNvSpPr>
-          <p:nvPr>
-            <p:ph type="title"/>
-          </p:nvPr>
-        </p:nvSpPr>
-        <p:spPr>
-          <a:xfrm>
-            <a:off x="482600" y="643467"/>
-            <a:ext cx="2522980" cy="1597315"/>
-          </a:xfrm>
-          <a:noFill/>
-          <a:ln w="19050">
-            <a:solidFill>
-              <a:schemeClr val="bg1"/>
-            </a:solidFill>
-          </a:ln>
-        </p:spPr>
-        <p:txBody>
-          <a:bodyPr vert="horz" wrap="square" lIns="91440" tIns="45720" rIns="91440" bIns="45720" rtlCol="0" anchor="ctr">
-            <a:normAutofit/>
-          </a:bodyPr>
-          <a:lstStyle/>
-          <a:p>
-            <a:pPr defTabSz="914400" eaLnBrk="1" hangingPunct="1">
-              <a:lnSpc>
-                <a:spcPct val="90000"/>
-              </a:lnSpc>
-            </a:pPr>
-            <a:r>
-              <a:rPr lang="en-US" sz="2400" kern="1200" dirty="0">
-                <a:solidFill>
-                  <a:schemeClr val="bg1"/>
-                </a:solidFill>
-                <a:latin typeface="+mj-lt"/>
-                <a:ea typeface="+mj-ea"/>
-                <a:cs typeface="+mj-cs"/>
-              </a:rPr>
-              <a:t>Level </a:t>
-            </a:r>
-            <a:r>
-              <a:rPr lang="en-US" sz="2400" dirty="0">
-                <a:solidFill>
-                  <a:schemeClr val="bg1"/>
-                </a:solidFill>
-                <a:ea typeface="+mj-ea"/>
-                <a:cs typeface="+mj-cs"/>
-              </a:rPr>
-              <a:t>5</a:t>
-            </a:r>
-            <a:r>
-              <a:rPr lang="en-US" sz="2400" kern="1200" dirty="0">
-                <a:solidFill>
-                  <a:schemeClr val="bg1"/>
-                </a:solidFill>
-                <a:latin typeface="+mj-lt"/>
-                <a:ea typeface="+mj-ea"/>
-                <a:cs typeface="+mj-cs"/>
-              </a:rPr>
-              <a:t>:</a:t>
-            </a:r>
-            <a:br>
-              <a:rPr lang="en-US" sz="2400" kern="1200" dirty="0">
-                <a:solidFill>
-                  <a:schemeClr val="bg1"/>
-                </a:solidFill>
-                <a:latin typeface="+mj-lt"/>
-                <a:ea typeface="+mj-ea"/>
-                <a:cs typeface="+mj-cs"/>
-              </a:rPr>
-            </a:br>
-            <a:r>
-              <a:rPr lang="en-US" sz="2400" kern="1200" dirty="0">
-                <a:solidFill>
-                  <a:schemeClr val="bg1"/>
-                </a:solidFill>
-                <a:latin typeface="+mj-lt"/>
-                <a:ea typeface="+mj-ea"/>
-                <a:cs typeface="+mj-cs"/>
-              </a:rPr>
-              <a:t>Modifying </a:t>
-            </a:r>
-            <a:br>
-              <a:rPr lang="en-US" sz="2400" kern="1200" dirty="0">
-                <a:solidFill>
-                  <a:schemeClr val="bg1"/>
-                </a:solidFill>
-                <a:latin typeface="+mj-lt"/>
-                <a:ea typeface="+mj-ea"/>
-                <a:cs typeface="+mj-cs"/>
-              </a:rPr>
-            </a:br>
-            <a:r>
-              <a:rPr lang="en-US" sz="2400" kern="1200" dirty="0">
-                <a:solidFill>
-                  <a:schemeClr val="bg1"/>
-                </a:solidFill>
-                <a:latin typeface="+mj-lt"/>
-                <a:ea typeface="+mj-ea"/>
-                <a:cs typeface="+mj-cs"/>
-              </a:rPr>
-              <a:t>Factor Levels</a:t>
-            </a:r>
-          </a:p>
-        </p:txBody>
-      </p:sp>
-      <p:pic>
-        <p:nvPicPr>
-          <p:cNvPr id="8" name="Picture 7">
-            <a:extLst>
-              <a:ext uri="{FF2B5EF4-FFF2-40B4-BE49-F238E27FC236}">
-                <a16:creationId xmlns:a16="http://schemas.microsoft.com/office/drawing/2014/main" id="{521D4292-9ECC-4DA5-8CC0-C561A0DA118E}"/>
-              </a:ext>
-            </a:extLst>
-          </p:cNvPr>
-          <p:cNvPicPr>
-            <a:picLocks noChangeAspect="1"/>
-          </p:cNvPicPr>
-          <p:nvPr/>
-        </p:nvPicPr>
-        <p:blipFill rotWithShape="1">
-          <a:blip r:embed="rId3"/>
-          <a:srcRect l="8000" r="9400"/>
-          <a:stretch/>
-        </p:blipFill>
-        <p:spPr>
-          <a:xfrm>
-            <a:off x="660103" y="3048000"/>
-            <a:ext cx="2167974" cy="2624666"/>
-          </a:xfrm>
-          <a:prstGeom prst="rect">
-            <a:avLst/>
-          </a:prstGeom>
-          <a:noFill/>
-        </p:spPr>
-      </p:pic>
-      <p:sp>
-        <p:nvSpPr>
-          <p:cNvPr id="9" name="TextBox 8">
-            <a:extLst>
-              <a:ext uri="{FF2B5EF4-FFF2-40B4-BE49-F238E27FC236}">
-                <a16:creationId xmlns:a16="http://schemas.microsoft.com/office/drawing/2014/main" id="{CEFC7C33-5FD6-40DB-B49F-8A5485C9E464}"/>
-              </a:ext>
-            </a:extLst>
-          </p:cNvPr>
-          <p:cNvSpPr txBox="1"/>
-          <p:nvPr/>
-        </p:nvSpPr>
-        <p:spPr>
-          <a:xfrm>
-            <a:off x="3810000" y="621916"/>
-            <a:ext cx="5257800" cy="461665"/>
-          </a:xfrm>
-          <a:prstGeom prst="rect">
-            <a:avLst/>
-          </a:prstGeom>
-          <a:noFill/>
-        </p:spPr>
-        <p:txBody>
-          <a:bodyPr wrap="square" rtlCol="0">
-            <a:spAutoFit/>
-          </a:bodyPr>
-          <a:lstStyle/>
-          <a:p>
-            <a:pPr marL="342900" marR="0" lvl="0" indent="-342900" algn="l" defTabSz="457200" rtl="0" eaLnBrk="1" fontAlgn="base" latinLnBrk="0" hangingPunct="1">
-              <a:lnSpc>
-                <a:spcPct val="100000"/>
-              </a:lnSpc>
-              <a:spcBef>
-                <a:spcPct val="0"/>
-              </a:spcBef>
-              <a:spcAft>
-                <a:spcPct val="0"/>
-              </a:spcAft>
-              <a:buClrTx/>
-              <a:buSzTx/>
-              <a:buFont typeface="Arial" panose="020B0604020202020204" pitchFamily="34" charset="0"/>
-              <a:buChar char="•"/>
-              <a:tabLst/>
-              <a:defRPr/>
-            </a:pPr>
-            <a:r>
-              <a:rPr lang="en-US" dirty="0">
-                <a:solidFill>
-                  <a:srgbClr val="404040"/>
-                </a:solidFill>
-              </a:rPr>
-              <a:t>Example 3: Lumping Levels</a:t>
-            </a:r>
-          </a:p>
-        </p:txBody>
-      </p:sp>
-      <p:pic>
-        <p:nvPicPr>
           <p:cNvPr id="3" name="Picture 2">
             <a:extLst>
               <a:ext uri="{FF2B5EF4-FFF2-40B4-BE49-F238E27FC236}">
@@ -21110,7 +20590,7 @@
 </p:sld>
 </file>
 
-<file path=ppt/slides/slide37.xml><?xml version="1.0" encoding="utf-8"?>
+<file path=ppt/slides/slide36.xml><?xml version="1.0" encoding="utf-8"?>
 <p:sld xmlns:a="http://schemas.openxmlformats.org/drawingml/2006/main" xmlns:r="http://schemas.openxmlformats.org/officeDocument/2006/relationships" xmlns:p="http://schemas.openxmlformats.org/presentationml/2006/main">
   <p:cSld>
     <p:bg>
@@ -24825,12 +24305,6 @@
 </file>
 
 <file path=ppt/tags/tag37.xml><?xml version="1.0" encoding="utf-8"?>
-<p:tagLst xmlns:a="http://schemas.openxmlformats.org/drawingml/2006/main" xmlns:r="http://schemas.openxmlformats.org/officeDocument/2006/relationships" xmlns:p="http://schemas.openxmlformats.org/presentationml/2006/main">
-  <p:tag name="DELIMITERS" val="3.1"/>
-</p:tagLst>
-</file>
-
-<file path=ppt/tags/tag38.xml><?xml version="1.0" encoding="utf-8"?>
 <p:tagLst xmlns:a="http://schemas.openxmlformats.org/drawingml/2006/main" xmlns:r="http://schemas.openxmlformats.org/officeDocument/2006/relationships" xmlns:p="http://schemas.openxmlformats.org/presentationml/2006/main">
   <p:tag name="DELIMITERS" val="3.1"/>
 </p:tagLst>

--- a/Lecture/Lecture 17/Lecture 17.pptx
+++ b/Lecture/Lecture 17/Lecture 17.pptx
@@ -323,7 +323,7 @@
               <a:pPr>
                 <a:defRPr/>
               </a:pPr>
-              <a:t>10/9/2018</a:t>
+              <a:t>2/17/2019</a:t>
             </a:fld>
             <a:endParaRPr lang="en-US" dirty="0"/>
           </a:p>
@@ -535,7 +535,7 @@
               <a:pPr>
                 <a:defRPr/>
               </a:pPr>
-              <a:t>10/9/2018</a:t>
+              <a:t>2/17/2019</a:t>
             </a:fld>
             <a:endParaRPr lang="en-US" dirty="0"/>
           </a:p>
@@ -1054,7 +1054,7 @@
               <a:pPr>
                 <a:defRPr/>
               </a:pPr>
-              <a:t>10/9/2018</a:t>
+              <a:t>2/17/2019</a:t>
             </a:fld>
             <a:endParaRPr lang="en-US" dirty="0"/>
           </a:p>
@@ -1244,7 +1244,7 @@
               <a:pPr>
                 <a:defRPr/>
               </a:pPr>
-              <a:t>10/9/2018</a:t>
+              <a:t>2/17/2019</a:t>
             </a:fld>
             <a:endParaRPr lang="en-US" dirty="0"/>
           </a:p>
@@ -1444,7 +1444,7 @@
               <a:pPr>
                 <a:defRPr/>
               </a:pPr>
-              <a:t>10/9/2018</a:t>
+              <a:t>2/17/2019</a:t>
             </a:fld>
             <a:endParaRPr lang="en-US" dirty="0"/>
           </a:p>
@@ -1712,7 +1712,7 @@
               <a:pPr>
                 <a:defRPr/>
               </a:pPr>
-              <a:t>10/9/2018</a:t>
+              <a:t>2/17/2019</a:t>
             </a:fld>
             <a:endParaRPr lang="en-US" dirty="0">
               <a:solidFill>
@@ -1926,7 +1926,7 @@
               <a:pPr>
                 <a:defRPr/>
               </a:pPr>
-              <a:t>10/9/2018</a:t>
+              <a:t>2/17/2019</a:t>
             </a:fld>
             <a:endParaRPr lang="en-US" dirty="0">
               <a:solidFill>
@@ -2217,7 +2217,7 @@
               <a:pPr>
                 <a:defRPr/>
               </a:pPr>
-              <a:t>10/9/2018</a:t>
+              <a:t>2/17/2019</a:t>
             </a:fld>
             <a:endParaRPr lang="en-US" dirty="0">
               <a:solidFill>
@@ -2548,7 +2548,7 @@
               <a:pPr>
                 <a:defRPr/>
               </a:pPr>
-              <a:t>10/9/2018</a:t>
+              <a:t>2/17/2019</a:t>
             </a:fld>
             <a:endParaRPr lang="en-US" dirty="0">
               <a:solidFill>
@@ -3013,7 +3013,7 @@
               <a:pPr>
                 <a:defRPr/>
               </a:pPr>
-              <a:t>10/9/2018</a:t>
+              <a:t>2/17/2019</a:t>
             </a:fld>
             <a:endParaRPr lang="en-US" dirty="0">
               <a:solidFill>
@@ -3176,7 +3176,7 @@
               <a:pPr>
                 <a:defRPr/>
               </a:pPr>
-              <a:t>10/9/2018</a:t>
+              <a:t>2/17/2019</a:t>
             </a:fld>
             <a:endParaRPr lang="en-US" dirty="0">
               <a:solidFill>
@@ -3317,7 +3317,7 @@
               <a:pPr>
                 <a:defRPr/>
               </a:pPr>
-              <a:t>10/9/2018</a:t>
+              <a:t>2/17/2019</a:t>
             </a:fld>
             <a:endParaRPr lang="en-US" dirty="0">
               <a:solidFill>
@@ -3638,7 +3638,7 @@
               <a:pPr>
                 <a:defRPr/>
               </a:pPr>
-              <a:t>10/9/2018</a:t>
+              <a:t>2/17/2019</a:t>
             </a:fld>
             <a:endParaRPr lang="en-US" dirty="0">
               <a:solidFill>
@@ -3846,7 +3846,7 @@
               <a:pPr>
                 <a:defRPr/>
               </a:pPr>
-              <a:t>10/9/2018</a:t>
+              <a:t>2/17/2019</a:t>
             </a:fld>
             <a:endParaRPr lang="en-US" dirty="0"/>
           </a:p>
@@ -4129,7 +4129,7 @@
               <a:pPr>
                 <a:defRPr/>
               </a:pPr>
-              <a:t>10/9/2018</a:t>
+              <a:t>2/17/2019</a:t>
             </a:fld>
             <a:endParaRPr lang="en-US" dirty="0">
               <a:solidFill>
@@ -4343,7 +4343,7 @@
               <a:pPr>
                 <a:defRPr/>
               </a:pPr>
-              <a:t>10/9/2018</a:t>
+              <a:t>2/17/2019</a:t>
             </a:fld>
             <a:endParaRPr lang="en-US" dirty="0">
               <a:solidFill>
@@ -4567,7 +4567,7 @@
               <a:pPr>
                 <a:defRPr/>
               </a:pPr>
-              <a:t>10/9/2018</a:t>
+              <a:t>2/17/2019</a:t>
             </a:fld>
             <a:endParaRPr lang="en-US" dirty="0">
               <a:solidFill>
@@ -4777,7 +4777,7 @@
               <a:pPr>
                 <a:defRPr/>
               </a:pPr>
-              <a:t>10/9/2018</a:t>
+              <a:t>2/17/2019</a:t>
             </a:fld>
             <a:endParaRPr lang="en-US" dirty="0">
               <a:solidFill>
@@ -5054,7 +5054,7 @@
               <a:pPr>
                 <a:defRPr/>
               </a:pPr>
-              <a:t>10/9/2018</a:t>
+              <a:t>2/17/2019</a:t>
             </a:fld>
             <a:endParaRPr lang="en-US" dirty="0"/>
           </a:p>
@@ -5361,7 +5361,7 @@
               <a:pPr>
                 <a:defRPr/>
               </a:pPr>
-              <a:t>10/9/2018</a:t>
+              <a:t>2/17/2019</a:t>
             </a:fld>
             <a:endParaRPr lang="en-US" dirty="0"/>
           </a:p>
@@ -5802,7 +5802,7 @@
               <a:pPr>
                 <a:defRPr/>
               </a:pPr>
-              <a:t>10/9/2018</a:t>
+              <a:t>2/17/2019</a:t>
             </a:fld>
             <a:endParaRPr lang="en-US" dirty="0"/>
           </a:p>
@@ -5941,7 +5941,7 @@
               <a:pPr>
                 <a:defRPr/>
               </a:pPr>
-              <a:t>10/9/2018</a:t>
+              <a:t>2/17/2019</a:t>
             </a:fld>
             <a:endParaRPr lang="en-US" dirty="0"/>
           </a:p>
@@ -6058,7 +6058,7 @@
               <a:pPr>
                 <a:defRPr/>
               </a:pPr>
-              <a:t>10/9/2018</a:t>
+              <a:t>2/17/2019</a:t>
             </a:fld>
             <a:endParaRPr lang="en-US" dirty="0"/>
           </a:p>
@@ -6355,7 +6355,7 @@
               <a:pPr>
                 <a:defRPr/>
               </a:pPr>
-              <a:t>10/9/2018</a:t>
+              <a:t>2/17/2019</a:t>
             </a:fld>
             <a:endParaRPr lang="en-US" dirty="0"/>
           </a:p>
@@ -6632,7 +6632,7 @@
               <a:pPr>
                 <a:defRPr/>
               </a:pPr>
-              <a:t>10/9/2018</a:t>
+              <a:t>2/17/2019</a:t>
             </a:fld>
             <a:endParaRPr lang="en-US" dirty="0"/>
           </a:p>
@@ -6889,7 +6889,7 @@
               <a:pPr>
                 <a:defRPr/>
               </a:pPr>
-              <a:t>10/9/2018</a:t>
+              <a:t>2/17/2019</a:t>
             </a:fld>
             <a:endParaRPr lang="en-US" dirty="0"/>
           </a:p>
@@ -7599,7 +7599,7 @@
               <a:pPr>
                 <a:defRPr/>
               </a:pPr>
-              <a:t>10/9/2018</a:t>
+              <a:t>2/17/2019</a:t>
             </a:fld>
             <a:endParaRPr lang="en-US" dirty="0">
               <a:solidFill>
